--- a/Talk.pptx
+++ b/Talk.pptx
@@ -46,7 +46,7 @@
     <p:sldId id="288" r:id="rId34"/>
     <p:sldId id="289" r:id="rId35"/>
     <p:sldId id="290" r:id="rId36"/>
-    <p:sldId id="291" r:id="rId37"/>
+    <p:sldId id="302" r:id="rId37"/>
     <p:sldId id="292" r:id="rId38"/>
     <p:sldId id="293" r:id="rId39"/>
     <p:sldId id="294" r:id="rId40"/>
@@ -157,6 +157,9 @@
   <p:extLst>
     <p:ext uri="{EFAFB233-063F-42B5-8137-9DF3F51BA10A}">
       <p15:sldGuideLst xmlns:p15="http://schemas.microsoft.com/office/powerpoint/2012/main"/>
+    </p:ext>
+    <p:ext uri="{2D200454-40CA-4A62-9FC3-DE9A4176ACB9}">
+      <p15:notesGuideLst xmlns:p15="http://schemas.microsoft.com/office/powerpoint/2012/main"/>
     </p:ext>
   </p:extLst>
 </p:presentation>
@@ -4534,103 +4537,91 @@
       </p:grpSpPr>
       <p:sp>
         <p:nvSpPr>
-          <p:cNvPr id="7" name="灯片编号占位符 6">
-            <a:extLst>
-              <a:ext uri="{FF2B5EF4-FFF2-40B4-BE49-F238E27FC236}">
-                <a16:creationId xmlns:a16="http://schemas.microsoft.com/office/drawing/2014/main" id="{BDDC7814-4CDB-4022-AEEF-0E0F9C6BD207}"/>
-              </a:ext>
-            </a:extLst>
-          </p:cNvPr>
-          <p:cNvSpPr txBox="1">
-            <a:spLocks noGrp="1"/>
-          </p:cNvSpPr>
-          <p:nvPr>
-            <p:ph type="sldNum" sz="quarter" idx="5"/>
-          </p:nvPr>
-        </p:nvSpPr>
-        <p:spPr>
-          <a:ln/>
-        </p:spPr>
-        <p:txBody>
-          <a:bodyPr lIns="0" tIns="0" rIns="0" bIns="0" anchor="b" anchorCtr="0">
-            <a:noAutofit/>
-          </a:bodyPr>
-          <a:lstStyle/>
-          <a:p>
-            <a:pPr lvl="0"/>
-            <a:fld id="{C1964B9F-0571-4232-BC45-8276956926EF}" type="slidenum">
-              <a:t>36</a:t>
-            </a:fld>
-            <a:endParaRPr lang="en-US"/>
-          </a:p>
-        </p:txBody>
-      </p:sp>
-      <p:sp>
-        <p:nvSpPr>
-          <p:cNvPr id="2" name="幻灯片图像占位符 1">
-            <a:extLst>
-              <a:ext uri="{FF2B5EF4-FFF2-40B4-BE49-F238E27FC236}">
-                <a16:creationId xmlns:a16="http://schemas.microsoft.com/office/drawing/2014/main" id="{A8CDEF39-CD99-4785-84B5-36AA22E2C962}"/>
-              </a:ext>
-            </a:extLst>
-          </p:cNvPr>
+          <p:cNvPr id="2" name="幻灯片图像占位符 1"/>
           <p:cNvSpPr>
-            <a:spLocks noGrp="1" noRot="1" noChangeAspect="1" noResize="1"/>
+            <a:spLocks noGrp="1" noRot="1" noChangeAspect="1"/>
           </p:cNvSpPr>
           <p:nvPr>
             <p:ph type="sldImg"/>
           </p:nvPr>
         </p:nvSpPr>
-        <p:spPr>
-          <a:xfrm>
-            <a:off x="2360613" y="555625"/>
-            <a:ext cx="4878387" cy="2743200"/>
-          </a:xfrm>
-          <a:solidFill>
-            <a:schemeClr val="accent1"/>
-          </a:solidFill>
-          <a:ln w="25400">
-            <a:solidFill>
-              <a:schemeClr val="accent1">
-                <a:shade val="50000"/>
-              </a:schemeClr>
-            </a:solidFill>
-            <a:prstDash val="solid"/>
-          </a:ln>
-        </p:spPr>
-      </p:sp>
-      <p:sp>
-        <p:nvSpPr>
-          <p:cNvPr id="3" name="备注占位符 2">
-            <a:extLst>
-              <a:ext uri="{FF2B5EF4-FFF2-40B4-BE49-F238E27FC236}">
-                <a16:creationId xmlns:a16="http://schemas.microsoft.com/office/drawing/2014/main" id="{0DF6A357-0CD7-4876-8B13-737D57DC370E}"/>
-              </a:ext>
-            </a:extLst>
-          </p:cNvPr>
-          <p:cNvSpPr txBox="1">
-            <a:spLocks noGrp="1"/>
-          </p:cNvSpPr>
-          <p:nvPr>
-            <p:ph type="body" sz="quarter" idx="1"/>
-          </p:nvPr>
-        </p:nvSpPr>
         <p:spPr/>
+      </p:sp>
+      <p:sp>
+        <p:nvSpPr>
+          <p:cNvPr id="3" name="备注占位符 2"/>
+          <p:cNvSpPr>
+            <a:spLocks noGrp="1"/>
+          </p:cNvSpPr>
+          <p:nvPr>
+            <p:ph type="body" idx="1"/>
+          </p:nvPr>
+        </p:nvSpPr>
+        <p:spPr/>
         <p:txBody>
           <a:bodyPr/>
           <a:lstStyle/>
           <a:p>
-            <a:r>
-              <a:rPr lang="en-US" sz="2500" dirty="0">
+            <a:pPr marL="216000" marR="0" lvl="0" indent="-216000" defTabSz="914400" rtl="0" eaLnBrk="1" fontAlgn="auto" latinLnBrk="0" hangingPunct="0">
+              <a:lnSpc>
+                <a:spcPct val="100000"/>
+              </a:lnSpc>
+              <a:spcBef>
+                <a:spcPts val="0"/>
+              </a:spcBef>
+              <a:spcAft>
+                <a:spcPts val="0"/>
+              </a:spcAft>
+              <a:buClrTx/>
+              <a:buSzTx/>
+              <a:buFontTx/>
+              <a:buNone/>
+              <a:tabLst/>
+              <a:defRPr/>
+            </a:pPr>
+            <a:r>
+              <a:rPr lang="en-US" sz="2000" dirty="0">
                 <a:latin typeface="Albany" pitchFamily="18"/>
                 <a:cs typeface="Tahoma" pitchFamily="2"/>
               </a:rPr>
               <a:t>(47.0 – 48.0) Now the thing is, there isn’t a naïve meaning! The language is not suited for meaning of AD, so we create a new language for that, and denote term in old language to term in new language. In the term, every real can depend on an unknown implicit variable.</a:t>
             </a:r>
           </a:p>
+          <a:p>
+            <a:endParaRPr lang="en-US" dirty="0"/>
+          </a:p>
+        </p:txBody>
+      </p:sp>
+      <p:sp>
+        <p:nvSpPr>
+          <p:cNvPr id="4" name="灯片编号占位符 3"/>
+          <p:cNvSpPr>
+            <a:spLocks noGrp="1"/>
+          </p:cNvSpPr>
+          <p:nvPr>
+            <p:ph type="sldNum" sz="quarter" idx="10"/>
+          </p:nvPr>
+        </p:nvSpPr>
+        <p:spPr/>
+        <p:txBody>
+          <a:bodyPr/>
+          <a:lstStyle/>
+          <a:p>
+            <a:pPr lvl="0"/>
+            <a:fld id="{05DE6BAF-0150-4AA7-9204-2439C621E29A}" type="slidenum">
+              <a:rPr lang="en-US" smtClean="0"/>
+              <a:t>36</a:t>
+            </a:fld>
+            <a:endParaRPr lang="en-US"/>
+          </a:p>
         </p:txBody>
       </p:sp>
     </p:spTree>
+    <p:extLst>
+      <p:ext uri="{BB962C8B-B14F-4D97-AF65-F5344CB8AC3E}">
+        <p14:creationId xmlns:p14="http://schemas.microsoft.com/office/powerpoint/2010/main" val="550946512"/>
+      </p:ext>
+    </p:extLst>
   </p:cSld>
   <p:clrMapOvr>
     <a:masterClrMapping/>
@@ -7260,7 +7251,13 @@
         <p:txBody>
           <a:bodyPr/>
           <a:lstStyle>
-            <a:lvl1pPr defTabSz="360000">
+            <a:lvl1pPr marL="201589" indent="-201589" defTabSz="360000">
+              <a:buClr>
+                <a:schemeClr val="accent5"/>
+              </a:buClr>
+              <a:buSzPct val="100000"/>
+              <a:buFont typeface="Warnock Pro" panose="020A060306050B020204" pitchFamily="18" charset="0"/>
+              <a:buChar char="•"/>
               <a:defRPr/>
             </a:lvl1pPr>
           </a:lstStyle>
@@ -9925,16 +9922,9 @@
             <p:ph type="ctrTitle"/>
           </p:nvPr>
         </p:nvSpPr>
-        <p:spPr>
-          <a:xfrm>
-            <a:off x="1510976" y="1431966"/>
-            <a:ext cx="10406163" cy="2534540"/>
-          </a:xfrm>
-        </p:spPr>
-        <p:txBody>
-          <a:bodyPr>
-            <a:spAutoFit/>
-          </a:bodyPr>
+        <p:spPr/>
+        <p:txBody>
+          <a:bodyPr/>
           <a:lstStyle/>
           <a:p>
             <a:pPr lvl="0"/>
@@ -9961,22 +9951,25 @@
             <p:ph type="subTitle" idx="1"/>
           </p:nvPr>
         </p:nvSpPr>
-        <p:spPr>
-          <a:xfrm>
-            <a:off x="2014477" y="4527784"/>
-            <a:ext cx="13873791" cy="544765"/>
-          </a:xfrm>
-        </p:spPr>
-        <p:txBody>
-          <a:bodyPr anchor="ctr">
-            <a:spAutoFit/>
-          </a:bodyPr>
-          <a:lstStyle/>
-          <a:p>
-            <a:pPr indent="-287971"/>
-            <a:r>
-              <a:rPr lang="en-US"/>
-              <a:t>By Marisa Kirisame</a:t>
+        <p:spPr/>
+        <p:txBody>
+          <a:bodyPr/>
+          <a:lstStyle/>
+          <a:p>
+            <a:r>
+              <a:rPr lang="en-US" dirty="0"/>
+              <a:t>Marisa </a:t>
+            </a:r>
+            <a:r>
+              <a:rPr lang="en-US" dirty="0" err="1"/>
+              <a:t>Kirisame</a:t>
+            </a:r>
+            <a:endParaRPr lang="en-US" dirty="0"/>
+          </a:p>
+          <a:p>
+            <a:r>
+              <a:rPr lang="en-US" sz="1600" i="1" dirty="0"/>
+              <a:t>University of Washington</a:t>
             </a:r>
           </a:p>
         </p:txBody>
@@ -10029,14 +10022,14 @@
           <a:p>
             <a:pPr lvl="0"/>
             <a:r>
-              <a:rPr lang="en-US"/>
-              <a:t>Too young too simple</a:t>
-            </a:r>
-          </a:p>
-        </p:txBody>
-      </p:sp>
-      <mc:AlternateContent xmlns:mc="http://schemas.openxmlformats.org/markup-compatibility/2006">
-        <mc:Choice xmlns:a14="http://schemas.microsoft.com/office/drawing/2010/main" Requires="a14">
+              <a:rPr lang="en-US" dirty="0"/>
+              <a:t>Too Young Too Simple</a:t>
+            </a:r>
+          </a:p>
+        </p:txBody>
+      </p:sp>
+      <mc:AlternateContent xmlns:mc="http://schemas.openxmlformats.org/markup-compatibility/2006" xmlns:a14="http://schemas.microsoft.com/office/drawing/2010/main">
+        <mc:Choice Requires="a14">
           <p:sp>
             <p:nvSpPr>
               <p:cNvPr id="3" name="文本占位符 2">
@@ -10055,35 +10048,19 @@
             </p:nvSpPr>
             <p:spPr/>
             <p:txBody>
-              <a:bodyPr>
-                <a:normAutofit/>
-              </a:bodyPr>
+              <a:bodyPr/>
               <a:lstStyle/>
               <a:p>
-                <a:pPr lvl="0">
-                  <a:buClr>
-                    <a:srgbClr val="FFCC99"/>
-                  </a:buClr>
-                  <a:buSzPct val="45000"/>
-                  <a:buFont typeface="StarSymbol"/>
-                  <a:buChar char="●"/>
-                </a:pPr>
+                <a:pPr lvl="0"/>
                 <a:r>
-                  <a:rPr lang="en-US" sz="3600" dirty="0"/>
+                  <a:rPr lang="en-US" dirty="0"/>
                   <a:t>Naive approach doesn't scale!</a:t>
                 </a:r>
               </a:p>
               <a:p>
-                <a:pPr lvl="0">
-                  <a:buClr>
-                    <a:srgbClr val="FFCC99"/>
-                  </a:buClr>
-                  <a:buSzPct val="45000"/>
-                  <a:buFont typeface="StarSymbol"/>
-                  <a:buChar char="●"/>
-                </a:pPr>
+                <a:pPr lvl="0"/>
                 <a:r>
-                  <a:rPr lang="en-US" sz="3600" dirty="0"/>
+                  <a:rPr lang="en-US" dirty="0"/>
                   <a:t>Consider </a:t>
                 </a:r>
                 <a14:m>
@@ -10091,14 +10068,14 @@
                     <m:f>
                       <m:fPr>
                         <m:ctrlPr>
-                          <a:rPr lang="en-US" sz="3600" i="1" dirty="0" smtClean="0">
+                          <a:rPr lang="en-US" i="1" dirty="0" smtClean="0">
                             <a:latin typeface="Cambria Math" panose="02040503050406030204" pitchFamily="18" charset="0"/>
                           </a:rPr>
                         </m:ctrlPr>
                       </m:fPr>
                       <m:num>
                         <m:r>
-                          <a:rPr lang="en-US" sz="3600" i="1" dirty="0" smtClean="0">
+                          <a:rPr lang="en-US" dirty="0" smtClean="0">
                             <a:latin typeface="Cambria Math" panose="02040503050406030204" pitchFamily="18" charset="0"/>
                           </a:rPr>
                           <m:t>𝑑</m:t>
@@ -10106,14 +10083,14 @@
                         <m:d>
                           <m:dPr>
                             <m:ctrlPr>
-                              <a:rPr lang="en-US" sz="3600" i="1" dirty="0" smtClean="0">
+                              <a:rPr lang="en-US" i="1" dirty="0" smtClean="0">
                                 <a:latin typeface="Cambria Math" panose="02040503050406030204" pitchFamily="18" charset="0"/>
                               </a:rPr>
                             </m:ctrlPr>
                           </m:dPr>
                           <m:e>
                             <m:r>
-                              <a:rPr lang="en-US" sz="3600" i="1" dirty="0" smtClean="0">
+                              <a:rPr lang="en-US" dirty="0" smtClean="0">
                                 <a:latin typeface="Cambria Math" panose="02040503050406030204" pitchFamily="18" charset="0"/>
                               </a:rPr>
                               <m:t>𝑓</m:t>
@@ -10121,14 +10098,14 @@
                             <m:d>
                               <m:dPr>
                                 <m:ctrlPr>
-                                  <a:rPr lang="en-US" sz="3600" i="1" dirty="0" smtClean="0">
+                                  <a:rPr lang="en-US" i="1" dirty="0" smtClean="0">
                                     <a:latin typeface="Cambria Math" panose="02040503050406030204" pitchFamily="18" charset="0"/>
                                   </a:rPr>
                                 </m:ctrlPr>
                               </m:dPr>
                               <m:e>
                                 <m:r>
-                                  <a:rPr lang="en-US" sz="3600" i="1" dirty="0" smtClean="0">
+                                  <a:rPr lang="en-US" dirty="0" smtClean="0">
                                     <a:latin typeface="Cambria Math" panose="02040503050406030204" pitchFamily="18" charset="0"/>
                                   </a:rPr>
                                   <m:t>𝑥</m:t>
@@ -10136,13 +10113,7 @@
                               </m:e>
                             </m:d>
                             <m:r>
-                              <a:rPr lang="en-US" sz="3600" i="1" dirty="0" smtClean="0">
-                                <a:latin typeface="Cambria Math" panose="02040503050406030204" pitchFamily="18" charset="0"/>
-                              </a:rPr>
-                              <m:t>∗</m:t>
-                            </m:r>
-                            <m:r>
-                              <a:rPr lang="en-US" sz="3600" i="1" dirty="0" smtClean="0">
+                              <a:rPr lang="en-US" dirty="0" smtClean="0">
                                 <a:latin typeface="Cambria Math" panose="02040503050406030204" pitchFamily="18" charset="0"/>
                               </a:rPr>
                               <m:t>𝑔</m:t>
@@ -10150,14 +10121,14 @@
                             <m:d>
                               <m:dPr>
                                 <m:ctrlPr>
-                                  <a:rPr lang="en-US" sz="3600" i="1" dirty="0" smtClean="0">
+                                  <a:rPr lang="en-US" i="1" dirty="0" smtClean="0">
                                     <a:latin typeface="Cambria Math" panose="02040503050406030204" pitchFamily="18" charset="0"/>
                                   </a:rPr>
                                 </m:ctrlPr>
                               </m:dPr>
                               <m:e>
                                 <m:r>
-                                  <a:rPr lang="en-US" sz="3600" i="1" dirty="0" smtClean="0">
+                                  <a:rPr lang="en-US" dirty="0" smtClean="0">
                                     <a:latin typeface="Cambria Math" panose="02040503050406030204" pitchFamily="18" charset="0"/>
                                   </a:rPr>
                                   <m:t>𝑥</m:t>
@@ -10165,13 +10136,7 @@
                               </m:e>
                             </m:d>
                             <m:r>
-                              <a:rPr lang="en-US" sz="3600" i="1" dirty="0" smtClean="0">
-                                <a:latin typeface="Cambria Math" panose="02040503050406030204" pitchFamily="18" charset="0"/>
-                              </a:rPr>
-                              <m:t>∗</m:t>
-                            </m:r>
-                            <m:r>
-                              <a:rPr lang="en-US" sz="3600" i="1" dirty="0" smtClean="0">
+                              <a:rPr lang="en-US" dirty="0" smtClean="0">
                                 <a:latin typeface="Cambria Math" panose="02040503050406030204" pitchFamily="18" charset="0"/>
                               </a:rPr>
                               <m:t>h</m:t>
@@ -10179,14 +10144,14 @@
                             <m:d>
                               <m:dPr>
                                 <m:ctrlPr>
-                                  <a:rPr lang="en-US" sz="3600" i="1" dirty="0" smtClean="0">
+                                  <a:rPr lang="en-US" i="1" dirty="0" smtClean="0">
                                     <a:latin typeface="Cambria Math" panose="02040503050406030204" pitchFamily="18" charset="0"/>
                                   </a:rPr>
                                 </m:ctrlPr>
                               </m:dPr>
                               <m:e>
                                 <m:r>
-                                  <a:rPr lang="en-US" sz="3600" i="1" dirty="0" smtClean="0">
+                                  <a:rPr lang="en-US" dirty="0" smtClean="0">
                                     <a:latin typeface="Cambria Math" panose="02040503050406030204" pitchFamily="18" charset="0"/>
                                   </a:rPr>
                                   <m:t>𝑥</m:t>
@@ -10198,7 +10163,7 @@
                       </m:num>
                       <m:den>
                         <m:r>
-                          <a:rPr lang="en-US" sz="3600" i="1" dirty="0" smtClean="0">
+                          <a:rPr lang="en-US" dirty="0" smtClean="0">
                             <a:latin typeface="Cambria Math" panose="02040503050406030204" pitchFamily="18" charset="0"/>
                           </a:rPr>
                           <m:t>𝑑𝑥</m:t>
@@ -10207,30 +10172,283 @@
                     </m:f>
                   </m:oMath>
                 </a14:m>
-                <a:endParaRPr lang="en-US" sz="3600" dirty="0"/>
+                <a:endParaRPr lang="en-US" dirty="0"/>
               </a:p>
               <a:p>
-                <a:pPr lvl="0">
-                  <a:buClr>
-                    <a:srgbClr val="FFCC99"/>
-                  </a:buClr>
-                  <a:buSzPct val="45000"/>
-                  <a:buFont typeface="StarSymbol"/>
-                  <a:buChar char="●"/>
-                </a:pPr>
-                <a:r>
-                  <a:rPr lang="en-US" sz="3600" dirty="0" err="1"/>
-                  <a:t>df</a:t>
-                </a:r>
-                <a:r>
-                  <a:rPr lang="en-US" sz="3600" dirty="0"/>
-                  <a:t>(x)*g(x)*h(x)+f(x)*dg(x)*h(x)+f(x)*g(x)*dh(x)</a:t>
-                </a:r>
+                <a:pPr lvl="0"/>
+                <a14:m>
+                  <m:oMath xmlns:m="http://schemas.openxmlformats.org/officeDocument/2006/math">
+                    <m:r>
+                      <a:rPr lang="en-US" altLang="zh-CN" i="1" dirty="0" smtClean="0">
+                        <a:latin typeface="Cambria Math" panose="02040503050406030204" pitchFamily="18" charset="0"/>
+                      </a:rPr>
+                      <m:t>𝑓</m:t>
+                    </m:r>
+                    <m:r>
+                      <a:rPr lang="en-US" altLang="zh-CN" i="1" dirty="0" smtClean="0">
+                        <a:latin typeface="Cambria Math" panose="02040503050406030204" pitchFamily="18" charset="0"/>
+                      </a:rPr>
+                      <m:t>’</m:t>
+                    </m:r>
+                    <m:d>
+                      <m:dPr>
+                        <m:ctrlPr>
+                          <a:rPr lang="en-US" i="1" dirty="0" smtClean="0">
+                            <a:latin typeface="Cambria Math" panose="02040503050406030204" pitchFamily="18" charset="0"/>
+                          </a:rPr>
+                        </m:ctrlPr>
+                      </m:dPr>
+                      <m:e>
+                        <m:r>
+                          <a:rPr lang="en-US" i="1" dirty="0">
+                            <a:latin typeface="Cambria Math" panose="02040503050406030204" pitchFamily="18" charset="0"/>
+                          </a:rPr>
+                          <m:t>𝑥</m:t>
+                        </m:r>
+                      </m:e>
+                    </m:d>
+                    <m:r>
+                      <a:rPr lang="en-US" i="1" dirty="0">
+                        <a:latin typeface="Cambria Math" panose="02040503050406030204" pitchFamily="18" charset="0"/>
+                      </a:rPr>
+                      <m:t>𝑔</m:t>
+                    </m:r>
+                    <m:d>
+                      <m:dPr>
+                        <m:ctrlPr>
+                          <a:rPr lang="en-US" i="1" dirty="0">
+                            <a:latin typeface="Cambria Math" panose="02040503050406030204" pitchFamily="18" charset="0"/>
+                          </a:rPr>
+                        </m:ctrlPr>
+                      </m:dPr>
+                      <m:e>
+                        <m:r>
+                          <a:rPr lang="en-US" i="1" dirty="0">
+                            <a:latin typeface="Cambria Math" panose="02040503050406030204" pitchFamily="18" charset="0"/>
+                          </a:rPr>
+                          <m:t>𝑥</m:t>
+                        </m:r>
+                      </m:e>
+                    </m:d>
+                    <m:r>
+                      <a:rPr lang="en-US" i="1" dirty="0">
+                        <a:latin typeface="Cambria Math" panose="02040503050406030204" pitchFamily="18" charset="0"/>
+                      </a:rPr>
+                      <m:t>h</m:t>
+                    </m:r>
+                    <m:d>
+                      <m:dPr>
+                        <m:ctrlPr>
+                          <a:rPr lang="en-US" i="1" dirty="0">
+                            <a:latin typeface="Cambria Math" panose="02040503050406030204" pitchFamily="18" charset="0"/>
+                          </a:rPr>
+                        </m:ctrlPr>
+                      </m:dPr>
+                      <m:e>
+                        <m:r>
+                          <a:rPr lang="en-US" i="1" dirty="0">
+                            <a:latin typeface="Cambria Math" panose="02040503050406030204" pitchFamily="18" charset="0"/>
+                          </a:rPr>
+                          <m:t>𝑥</m:t>
+                        </m:r>
+                      </m:e>
+                    </m:d>
+                    <m:r>
+                      <a:rPr lang="en-US" i="1" dirty="0">
+                        <a:latin typeface="Cambria Math" panose="02040503050406030204" pitchFamily="18" charset="0"/>
+                      </a:rPr>
+                      <m:t>+</m:t>
+                    </m:r>
+                    <m:r>
+                      <a:rPr lang="en-US" i="1" dirty="0">
+                        <a:latin typeface="Cambria Math" panose="02040503050406030204" pitchFamily="18" charset="0"/>
+                      </a:rPr>
+                      <m:t>𝑓</m:t>
+                    </m:r>
+                    <m:d>
+                      <m:dPr>
+                        <m:ctrlPr>
+                          <a:rPr lang="en-US" i="1" dirty="0">
+                            <a:latin typeface="Cambria Math" panose="02040503050406030204" pitchFamily="18" charset="0"/>
+                          </a:rPr>
+                        </m:ctrlPr>
+                      </m:dPr>
+                      <m:e>
+                        <m:r>
+                          <a:rPr lang="en-US" i="1" dirty="0">
+                            <a:latin typeface="Cambria Math" panose="02040503050406030204" pitchFamily="18" charset="0"/>
+                          </a:rPr>
+                          <m:t>𝑥</m:t>
+                        </m:r>
+                      </m:e>
+                    </m:d>
+                    <m:sSup>
+                      <m:sSupPr>
+                        <m:ctrlPr>
+                          <a:rPr lang="en-US" b="0" i="1" dirty="0" smtClean="0">
+                            <a:latin typeface="Cambria Math" panose="02040503050406030204" pitchFamily="18" charset="0"/>
+                          </a:rPr>
+                        </m:ctrlPr>
+                      </m:sSupPr>
+                      <m:e>
+                        <m:r>
+                          <a:rPr lang="en-US" b="0" i="1" dirty="0" smtClean="0">
+                            <a:latin typeface="Cambria Math" panose="02040503050406030204" pitchFamily="18" charset="0"/>
+                          </a:rPr>
+                          <m:t>𝑔</m:t>
+                        </m:r>
+                      </m:e>
+                      <m:sup>
+                        <m:r>
+                          <a:rPr lang="en-US" b="0" i="1" dirty="0" smtClean="0">
+                            <a:latin typeface="Cambria Math" panose="02040503050406030204" pitchFamily="18" charset="0"/>
+                          </a:rPr>
+                          <m:t>′</m:t>
+                        </m:r>
+                      </m:sup>
+                    </m:sSup>
+                    <m:d>
+                      <m:dPr>
+                        <m:ctrlPr>
+                          <a:rPr lang="en-US" b="0" i="1" dirty="0">
+                            <a:latin typeface="Cambria Math" panose="02040503050406030204" pitchFamily="18" charset="0"/>
+                          </a:rPr>
+                        </m:ctrlPr>
+                      </m:dPr>
+                      <m:e>
+                        <m:r>
+                          <a:rPr lang="en-US" i="1" dirty="0">
+                            <a:latin typeface="Cambria Math" panose="02040503050406030204" pitchFamily="18" charset="0"/>
+                          </a:rPr>
+                          <m:t>𝑥</m:t>
+                        </m:r>
+                      </m:e>
+                    </m:d>
+                    <m:r>
+                      <a:rPr lang="en-US" i="1" dirty="0">
+                        <a:latin typeface="Cambria Math" panose="02040503050406030204" pitchFamily="18" charset="0"/>
+                      </a:rPr>
+                      <m:t>h</m:t>
+                    </m:r>
+                    <m:d>
+                      <m:dPr>
+                        <m:ctrlPr>
+                          <a:rPr lang="en-US" i="1" dirty="0">
+                            <a:latin typeface="Cambria Math" panose="02040503050406030204" pitchFamily="18" charset="0"/>
+                          </a:rPr>
+                        </m:ctrlPr>
+                      </m:dPr>
+                      <m:e>
+                        <m:r>
+                          <a:rPr lang="en-US" i="1" dirty="0">
+                            <a:latin typeface="Cambria Math" panose="02040503050406030204" pitchFamily="18" charset="0"/>
+                          </a:rPr>
+                          <m:t>𝑥</m:t>
+                        </m:r>
+                      </m:e>
+                    </m:d>
+                    <m:r>
+                      <a:rPr lang="en-US" i="1" dirty="0">
+                        <a:latin typeface="Cambria Math" panose="02040503050406030204" pitchFamily="18" charset="0"/>
+                      </a:rPr>
+                      <m:t>+</m:t>
+                    </m:r>
+                    <m:r>
+                      <a:rPr lang="en-US" i="1" dirty="0">
+                        <a:latin typeface="Cambria Math" panose="02040503050406030204" pitchFamily="18" charset="0"/>
+                      </a:rPr>
+                      <m:t>𝑓</m:t>
+                    </m:r>
+                    <m:d>
+                      <m:dPr>
+                        <m:ctrlPr>
+                          <a:rPr lang="en-US" i="1" dirty="0">
+                            <a:latin typeface="Cambria Math" panose="02040503050406030204" pitchFamily="18" charset="0"/>
+                          </a:rPr>
+                        </m:ctrlPr>
+                      </m:dPr>
+                      <m:e>
+                        <m:r>
+                          <a:rPr lang="en-US" i="1" dirty="0">
+                            <a:latin typeface="Cambria Math" panose="02040503050406030204" pitchFamily="18" charset="0"/>
+                          </a:rPr>
+                          <m:t>𝑥</m:t>
+                        </m:r>
+                      </m:e>
+                    </m:d>
+                    <m:r>
+                      <a:rPr lang="en-US" i="1" dirty="0">
+                        <a:latin typeface="Cambria Math" panose="02040503050406030204" pitchFamily="18" charset="0"/>
+                      </a:rPr>
+                      <m:t>𝑔</m:t>
+                    </m:r>
+                    <m:d>
+                      <m:dPr>
+                        <m:ctrlPr>
+                          <a:rPr lang="en-US" i="1" dirty="0">
+                            <a:latin typeface="Cambria Math" panose="02040503050406030204" pitchFamily="18" charset="0"/>
+                          </a:rPr>
+                        </m:ctrlPr>
+                      </m:dPr>
+                      <m:e>
+                        <m:r>
+                          <a:rPr lang="en-US" i="1" dirty="0">
+                            <a:latin typeface="Cambria Math" panose="02040503050406030204" pitchFamily="18" charset="0"/>
+                          </a:rPr>
+                          <m:t>𝑥</m:t>
+                        </m:r>
+                      </m:e>
+                    </m:d>
+                    <m:sSup>
+                      <m:sSupPr>
+                        <m:ctrlPr>
+                          <a:rPr lang="en-US" b="0" i="1" dirty="0" smtClean="0">
+                            <a:latin typeface="Cambria Math" panose="02040503050406030204" pitchFamily="18" charset="0"/>
+                          </a:rPr>
+                        </m:ctrlPr>
+                      </m:sSupPr>
+                      <m:e>
+                        <m:r>
+                          <a:rPr lang="en-US" b="0" i="1" dirty="0" smtClean="0">
+                            <a:latin typeface="Cambria Math" panose="02040503050406030204" pitchFamily="18" charset="0"/>
+                          </a:rPr>
+                          <m:t>h</m:t>
+                        </m:r>
+                      </m:e>
+                      <m:sup>
+                        <m:r>
+                          <a:rPr lang="en-US" b="0" i="1" dirty="0" smtClean="0">
+                            <a:latin typeface="Cambria Math" panose="02040503050406030204" pitchFamily="18" charset="0"/>
+                          </a:rPr>
+                          <m:t>′</m:t>
+                        </m:r>
+                      </m:sup>
+                    </m:sSup>
+                    <m:d>
+                      <m:dPr>
+                        <m:ctrlPr>
+                          <a:rPr lang="en-US" b="0" i="1" dirty="0">
+                            <a:latin typeface="Cambria Math" panose="02040503050406030204" pitchFamily="18" charset="0"/>
+                          </a:rPr>
+                        </m:ctrlPr>
+                      </m:dPr>
+                      <m:e>
+                        <m:r>
+                          <a:rPr lang="en-US" i="1" dirty="0">
+                            <a:latin typeface="Cambria Math" panose="02040503050406030204" pitchFamily="18" charset="0"/>
+                          </a:rPr>
+                          <m:t>𝑥</m:t>
+                        </m:r>
+                      </m:e>
+                    </m:d>
+                  </m:oMath>
+                </a14:m>
+                <a:endParaRPr lang="en-US" dirty="0"/>
               </a:p>
             </p:txBody>
           </p:sp>
         </mc:Choice>
-        <mc:Fallback>
+        <mc:Fallback xmlns="">
           <p:sp>
             <p:nvSpPr>
               <p:cNvPr id="3" name="文本占位符 2">
@@ -10251,7 +10469,7 @@
               <a:blipFill>
                 <a:blip r:embed="rId3"/>
                 <a:stretch>
-                  <a:fillRect l="-386" t="-2541"/>
+                  <a:fillRect l="-1416" t="-2922"/>
                 </a:stretch>
               </a:blipFill>
             </p:spPr>
@@ -10318,8 +10536,8 @@
           <a:p>
             <a:pPr lvl="0"/>
             <a:r>
-              <a:rPr lang="en-US"/>
-              <a:t>Road map</a:t>
+              <a:rPr lang="en-US" dirty="0"/>
+              <a:t>Roadmap</a:t>
             </a:r>
           </a:p>
         </p:txBody>
@@ -10345,44 +10563,23 @@
           <a:bodyPr/>
           <a:lstStyle/>
           <a:p>
-            <a:pPr lvl="0">
-              <a:buClr>
-                <a:srgbClr val="FFCC99"/>
-              </a:buClr>
-              <a:buSzPct val="45000"/>
-              <a:buFont typeface="StarSymbol"/>
-              <a:buChar char="●"/>
-            </a:pPr>
+            <a:pPr lvl="0"/>
             <a:r>
               <a:rPr lang="en-US" dirty="0"/>
               <a:t>Neural Network</a:t>
             </a:r>
           </a:p>
           <a:p>
-            <a:pPr lvl="0">
-              <a:buClr>
-                <a:srgbClr val="FFCC99"/>
-              </a:buClr>
-              <a:buSzPct val="45000"/>
-              <a:buFont typeface="StarSymbol"/>
-              <a:buChar char="●"/>
-            </a:pPr>
+            <a:pPr lvl="0"/>
             <a:r>
               <a:rPr lang="en-US" dirty="0"/>
               <a:t>Naive Automatic Differentiation(AD) – Quadratic</a:t>
             </a:r>
           </a:p>
           <a:p>
-            <a:pPr lvl="0">
-              <a:buClr>
-                <a:srgbClr val="FFCC99"/>
-              </a:buClr>
-              <a:buSzPct val="45000"/>
-              <a:buFont typeface="StarSymbol"/>
-              <a:buChar char="●"/>
-            </a:pPr>
-            <a:r>
-              <a:rPr lang="en-US" dirty="0">
+            <a:pPr lvl="0"/>
+            <a:r>
+              <a:rPr lang="en-US" b="1" dirty="0">
                 <a:solidFill>
                   <a:schemeClr val="accent5"/>
                 </a:solidFill>
@@ -10391,42 +10588,21 @@
             </a:r>
           </a:p>
           <a:p>
-            <a:pPr lvl="0">
-              <a:buClr>
-                <a:srgbClr val="FFCC99"/>
-              </a:buClr>
-              <a:buSzPct val="45000"/>
-              <a:buFont typeface="StarSymbol"/>
-              <a:buChar char="●"/>
-            </a:pPr>
+            <a:pPr lvl="0"/>
             <a:r>
               <a:rPr lang="en-US" dirty="0"/>
               <a:t>Derivative of Multiple Variable</a:t>
             </a:r>
           </a:p>
           <a:p>
-            <a:pPr lvl="0">
-              <a:buClr>
-                <a:srgbClr val="FFCC99"/>
-              </a:buClr>
-              <a:buSzPct val="45000"/>
-              <a:buFont typeface="StarSymbol"/>
-              <a:buChar char="●"/>
-            </a:pPr>
+            <a:pPr lvl="0"/>
             <a:r>
               <a:rPr lang="en-US" dirty="0"/>
               <a:t>Derivative of More Variable</a:t>
             </a:r>
           </a:p>
           <a:p>
-            <a:pPr lvl="0">
-              <a:buClr>
-                <a:srgbClr val="FFCC99"/>
-              </a:buClr>
-              <a:buSzPct val="45000"/>
-              <a:buFont typeface="StarSymbol"/>
-              <a:buChar char="●"/>
-            </a:pPr>
+            <a:pPr lvl="0"/>
             <a:r>
               <a:rPr lang="en-US" dirty="0" err="1"/>
               <a:t>Impl</a:t>
@@ -10437,14 +10613,7 @@
             </a:r>
           </a:p>
           <a:p>
-            <a:pPr lvl="0">
-              <a:buClr>
-                <a:srgbClr val="FFCC99"/>
-              </a:buClr>
-              <a:buSzPct val="45000"/>
-              <a:buFont typeface="StarSymbol"/>
-              <a:buChar char="●"/>
-            </a:pPr>
+            <a:pPr lvl="0"/>
             <a:r>
               <a:rPr lang="en-US" dirty="0"/>
               <a:t>Meaning of AD on PL</a:t>
@@ -10527,27 +10696,15 @@
           <a:bodyPr/>
           <a:lstStyle/>
           <a:p>
-            <a:pPr lvl="0">
-              <a:buClr>
-                <a:srgbClr val="FFCC99"/>
-              </a:buClr>
-              <a:buSzPct val="45000"/>
-              <a:buFont typeface="StarSymbol"/>
-              <a:buChar char="●"/>
-            </a:pPr>
+            <a:pPr lvl="0"/>
             <a:r>
               <a:rPr lang="en-US" dirty="0"/>
               <a:t>Interpret expression as a pair</a:t>
             </a:r>
           </a:p>
           <a:p>
-            <a:pPr lvl="1">
-              <a:buClr>
-                <a:srgbClr val="FFCC99"/>
-              </a:buClr>
-              <a:buSzPct val="45000"/>
-              <a:buFont typeface="StarSymbol"/>
-              <a:buChar char="●"/>
+            <a:pPr marL="302383" lvl="1" indent="0">
+              <a:buNone/>
             </a:pPr>
             <a:r>
               <a:rPr lang="en-US" dirty="0"/>
@@ -10579,13 +10736,8 @@
             </a:r>
           </a:p>
           <a:p>
-            <a:pPr lvl="1">
-              <a:buClr>
-                <a:srgbClr val="FFCC99"/>
-              </a:buClr>
-              <a:buSzPct val="45000"/>
-              <a:buFont typeface="StarSymbol"/>
-              <a:buChar char="●"/>
+            <a:pPr marL="302383" lvl="1" indent="0">
+              <a:buNone/>
             </a:pPr>
             <a:r>
               <a:rPr lang="en-US" dirty="0"/>
@@ -10657,13 +10809,8 @@
             </a:r>
           </a:p>
           <a:p>
-            <a:pPr lvl="1">
-              <a:buClr>
-                <a:srgbClr val="FFCC99"/>
-              </a:buClr>
-              <a:buSzPct val="45000"/>
-              <a:buFont typeface="StarSymbol"/>
-              <a:buChar char="●"/>
+            <a:pPr marL="302383" lvl="1" indent="0">
+              <a:buNone/>
             </a:pPr>
             <a:r>
               <a:rPr lang="en-US" dirty="0"/>
@@ -10751,28 +10898,14 @@
             </a:r>
           </a:p>
           <a:p>
-            <a:pPr lvl="0">
-              <a:buClr>
-                <a:srgbClr val="FFCC99"/>
-              </a:buClr>
-              <a:buSzPct val="45000"/>
-              <a:buFont typeface="StarSymbol"/>
-              <a:buChar char="●"/>
-            </a:pPr>
+            <a:pPr lvl="0"/>
             <a:r>
               <a:rPr lang="en-US" dirty="0"/>
               <a:t>Now linear time</a:t>
             </a:r>
           </a:p>
           <a:p>
-            <a:pPr lvl="0">
-              <a:buClr>
-                <a:srgbClr val="FFCC99"/>
-              </a:buClr>
-              <a:buSzPct val="45000"/>
-              <a:buFont typeface="StarSymbol"/>
-              <a:buChar char="●"/>
-            </a:pPr>
+            <a:pPr lvl="0"/>
             <a:r>
               <a:rPr lang="en-US" dirty="0"/>
               <a:t>Forward Mode Automatic Differentiation(AD)</a:t>
@@ -10855,13 +10988,12 @@
           <a:bodyPr/>
           <a:lstStyle/>
           <a:p>
-            <a:pPr lvl="0">
+            <a:pPr marL="0" lvl="0" indent="0">
               <a:buClr>
                 <a:srgbClr val="FFCC99"/>
               </a:buClr>
               <a:buSzPct val="45000"/>
-              <a:buFont typeface="StarSymbol"/>
-              <a:buChar char="●"/>
+              <a:buNone/>
             </a:pPr>
             <a:r>
               <a:rPr lang="en-US" i="1" dirty="0"/>
@@ -10889,15 +11021,22 @@
             </a:r>
           </a:p>
           <a:p>
-            <a:pPr lvl="0">
+            <a:pPr marL="0" lvl="0" indent="0">
               <a:buClr>
                 <a:srgbClr val="FFCC99"/>
               </a:buClr>
               <a:buSzPct val="45000"/>
-              <a:buFont typeface="StarSymbol"/>
-              <a:buChar char="●"/>
+              <a:buNone/>
             </a:pPr>
             <a:r>
+              <a:rPr lang="zh-CN" altLang="en-US" dirty="0"/>
+              <a:t>→</a:t>
+            </a:r>
+            <a:r>
+              <a:rPr lang="en-US" altLang="zh-CN" dirty="0"/>
+              <a:t>	</a:t>
+            </a:r>
+            <a:r>
               <a:rPr lang="en-US" dirty="0"/>
               <a:t>(</a:t>
             </a:r>
@@ -10927,15 +11066,18 @@
             </a:r>
           </a:p>
           <a:p>
-            <a:pPr lvl="0">
+            <a:pPr marL="0" lvl="0" indent="0">
               <a:buClr>
                 <a:srgbClr val="FFCC99"/>
               </a:buClr>
               <a:buSzPct val="45000"/>
-              <a:buFont typeface="StarSymbol"/>
-              <a:buChar char="●"/>
+              <a:buNone/>
             </a:pPr>
             <a:r>
+              <a:rPr lang="en-US" altLang="zh-CN" dirty="0"/>
+              <a:t>=	</a:t>
+            </a:r>
+            <a:r>
               <a:rPr lang="en-US" dirty="0"/>
               <a:t>(</a:t>
             </a:r>
@@ -10973,15 +11115,18 @@
             </a:r>
           </a:p>
           <a:p>
-            <a:pPr lvl="0">
+            <a:pPr marL="0" lvl="0" indent="0">
               <a:buClr>
                 <a:srgbClr val="FFCC99"/>
               </a:buClr>
               <a:buSzPct val="45000"/>
-              <a:buFont typeface="StarSymbol"/>
-              <a:buChar char="●"/>
+              <a:buNone/>
             </a:pPr>
             <a:r>
+              <a:rPr lang="en-US" altLang="zh-CN" dirty="0"/>
+              <a:t>=	</a:t>
+            </a:r>
+            <a:r>
               <a:rPr lang="en-US" dirty="0"/>
               <a:t>(</a:t>
             </a:r>
@@ -11019,15 +11164,18 @@
             </a:r>
           </a:p>
           <a:p>
-            <a:pPr lvl="0">
+            <a:pPr marL="0" lvl="0" indent="0">
               <a:buClr>
                 <a:srgbClr val="FFCC99"/>
               </a:buClr>
               <a:buSzPct val="45000"/>
-              <a:buFont typeface="StarSymbol"/>
-              <a:buChar char="●"/>
+              <a:buNone/>
             </a:pPr>
             <a:r>
+              <a:rPr lang="en-US" altLang="zh-CN" dirty="0"/>
+              <a:t>=	</a:t>
+            </a:r>
+            <a:r>
               <a:rPr lang="en-US" dirty="0"/>
               <a:t>(</a:t>
             </a:r>
@@ -11065,14 +11213,17 @@
             </a:r>
           </a:p>
           <a:p>
-            <a:pPr lvl="0">
+            <a:pPr marL="0" lvl="0" indent="0">
               <a:buClr>
                 <a:srgbClr val="FFCC99"/>
               </a:buClr>
               <a:buSzPct val="45000"/>
-              <a:buFont typeface="StarSymbol"/>
-              <a:buChar char="●"/>
+              <a:buNone/>
             </a:pPr>
+            <a:r>
+              <a:rPr lang="en-US" altLang="zh-CN" dirty="0"/>
+              <a:t>=	</a:t>
+            </a:r>
             <a:r>
               <a:rPr lang="en-US" dirty="0"/>
               <a:t>(</a:t>
@@ -11448,73 +11599,53 @@
           <a:p>
             <a:pPr lvl="0"/>
             <a:r>
+              <a:rPr lang="en-US" dirty="0"/>
+              <a:t>Remember the Talk Title?</a:t>
+            </a:r>
+          </a:p>
+        </p:txBody>
+      </p:sp>
+      <p:sp>
+        <p:nvSpPr>
+          <p:cNvPr id="3" name="文本占位符 2">
+            <a:extLst>
+              <a:ext uri="{FF2B5EF4-FFF2-40B4-BE49-F238E27FC236}">
+                <a16:creationId xmlns:a16="http://schemas.microsoft.com/office/drawing/2014/main" id="{58B41F8B-8EF8-40DE-842D-6C9703145B77}"/>
+              </a:ext>
+            </a:extLst>
+          </p:cNvPr>
+          <p:cNvSpPr txBox="1">
+            <a:spLocks noGrp="1"/>
+          </p:cNvSpPr>
+          <p:nvPr>
+            <p:ph idx="1"/>
+          </p:nvPr>
+        </p:nvSpPr>
+        <p:spPr/>
+        <p:txBody>
+          <a:bodyPr/>
+          <a:lstStyle/>
+          <a:p>
+            <a:pPr lvl="0"/>
+            <a:r>
               <a:rPr lang="en-US"/>
-              <a:t>Remember the talk title?</a:t>
-            </a:r>
-          </a:p>
-        </p:txBody>
-      </p:sp>
-      <p:sp>
-        <p:nvSpPr>
-          <p:cNvPr id="3" name="文本占位符 2">
-            <a:extLst>
-              <a:ext uri="{FF2B5EF4-FFF2-40B4-BE49-F238E27FC236}">
-                <a16:creationId xmlns:a16="http://schemas.microsoft.com/office/drawing/2014/main" id="{58B41F8B-8EF8-40DE-842D-6C9703145B77}"/>
-              </a:ext>
-            </a:extLst>
-          </p:cNvPr>
-          <p:cNvSpPr txBox="1">
-            <a:spLocks noGrp="1"/>
-          </p:cNvSpPr>
-          <p:nvPr>
-            <p:ph idx="1"/>
-          </p:nvPr>
-        </p:nvSpPr>
-        <p:spPr/>
-        <p:txBody>
-          <a:bodyPr/>
-          <a:lstStyle/>
-          <a:p>
-            <a:pPr lvl="0">
-              <a:buClr>
-                <a:srgbClr val="FFCC99"/>
-              </a:buClr>
-              <a:buSzPct val="45000"/>
-              <a:buFont typeface="StarSymbol"/>
-              <a:buChar char="●"/>
-            </a:pPr>
-            <a:r>
-              <a:rPr lang="en-US" dirty="0"/>
               <a:t>We don't want it to work on simple arithmetic.</a:t>
             </a:r>
           </a:p>
           <a:p>
-            <a:pPr lvl="0">
-              <a:buClr>
-                <a:srgbClr val="FFCC99"/>
-              </a:buClr>
-              <a:buSzPct val="45000"/>
-              <a:buFont typeface="StarSymbol"/>
-              <a:buChar char="●"/>
-            </a:pPr>
-            <a:r>
-              <a:rPr lang="en-US" dirty="0"/>
+            <a:pPr lvl="0"/>
+            <a:r>
+              <a:rPr lang="en-US"/>
               <a:t>We want it to work on program.</a:t>
             </a:r>
           </a:p>
           <a:p>
-            <a:pPr lvl="0">
-              <a:buClr>
-                <a:srgbClr val="FFCC99"/>
-              </a:buClr>
-              <a:buSzPct val="45000"/>
-              <a:buFont typeface="StarSymbol"/>
-              <a:buChar char="●"/>
-            </a:pPr>
-            <a:r>
-              <a:rPr lang="en-US" dirty="0"/>
+            <a:pPr lvl="0"/>
+            <a:r>
+              <a:rPr lang="en-US"/>
               <a:t>Trivial.</a:t>
             </a:r>
+            <a:endParaRPr lang="en-US" dirty="0"/>
           </a:p>
         </p:txBody>
       </p:sp>
@@ -11593,14 +11724,7 @@
           <a:bodyPr/>
           <a:lstStyle/>
           <a:p>
-            <a:pPr lvl="0">
-              <a:buClr>
-                <a:srgbClr val="FFCC99"/>
-              </a:buClr>
-              <a:buSzPct val="45000"/>
-              <a:buFont typeface="StarSymbol"/>
-              <a:buChar char="●"/>
-            </a:pPr>
+            <a:pPr lvl="0"/>
             <a:r>
               <a:rPr lang="en-US" b="1" dirty="0"/>
               <a:t>type</a:t>
@@ -11611,43 +11735,53 @@
             </a:r>
           </a:p>
           <a:p>
-            <a:pPr lvl="0">
-              <a:buClr>
-                <a:srgbClr val="FFCC99"/>
-              </a:buClr>
-              <a:buSzPct val="45000"/>
-              <a:buFont typeface="StarSymbol"/>
-              <a:buChar char="●"/>
-            </a:pPr>
+            <a:pPr lvl="0"/>
             <a:r>
               <a:rPr lang="en-US" b="1" dirty="0"/>
-              <a:t>type family</a:t>
-            </a:r>
-            <a:r>
-              <a:rPr lang="en-US" dirty="0"/>
-              <a:t> DiffType (</a:t>
-            </a:r>
-            <a:r>
-              <a:rPr lang="en-US" i="1" dirty="0"/>
-              <a:t>x </a:t>
-            </a:r>
-            <a:r>
-              <a:rPr lang="en-US" dirty="0"/>
-              <a:t>: *) : *</a:t>
-            </a:r>
-          </a:p>
-          <a:p>
-            <a:pPr lvl="0">
-              <a:buClr>
-                <a:srgbClr val="FFCC99"/>
-              </a:buClr>
-              <a:buSzPct val="45000"/>
-              <a:buFont typeface="StarSymbol"/>
-              <a:buChar char="●"/>
-            </a:pPr>
-            <a:r>
-              <a:rPr lang="en-US" dirty="0"/>
-              <a:t>type instance DiffType (</a:t>
+              <a:t>type family </a:t>
+            </a:r>
+            <a:r>
+              <a:rPr lang="en-US" dirty="0" err="1"/>
+              <a:t>DiffType</a:t>
+            </a:r>
+            <a:r>
+              <a:rPr lang="en-US" dirty="0"/>
+              <a:t> (</a:t>
+            </a:r>
+            <a:r>
+              <a:rPr lang="en-US" i="1" dirty="0"/>
+              <a:t>x</a:t>
+            </a:r>
+            <a:r>
+              <a:rPr lang="en-US" dirty="0"/>
+              <a:t> : *) : *</a:t>
+            </a:r>
+          </a:p>
+          <a:p>
+            <a:pPr lvl="0"/>
+            <a:r>
+              <a:rPr lang="en-US" b="1" dirty="0"/>
+              <a:t>type</a:t>
+            </a:r>
+            <a:r>
+              <a:rPr lang="en-US" dirty="0"/>
+              <a:t> </a:t>
+            </a:r>
+            <a:r>
+              <a:rPr lang="en-US" b="1" dirty="0"/>
+              <a:t>instance</a:t>
+            </a:r>
+            <a:r>
+              <a:rPr lang="en-US" dirty="0"/>
+              <a:t> </a:t>
+            </a:r>
+            <a:r>
+              <a:rPr lang="en-US" dirty="0" err="1"/>
+              <a:t>DiffType</a:t>
+            </a:r>
+            <a:r>
+              <a:rPr lang="en-US" dirty="0"/>
+              <a:t> (</a:t>
             </a:r>
             <a:r>
               <a:rPr lang="en-US" i="1" dirty="0"/>
@@ -11663,7 +11797,15 @@
             </a:r>
             <a:r>
               <a:rPr lang="en-US" dirty="0"/>
-              <a:t>) = DiffType </a:t>
+              <a:t>) = </a:t>
+            </a:r>
+            <a:r>
+              <a:rPr lang="en-US" dirty="0" err="1"/>
+              <a:t>DiffType</a:t>
+            </a:r>
+            <a:r>
+              <a:rPr lang="en-US" dirty="0"/>
+              <a:t> </a:t>
             </a:r>
             <a:r>
               <a:rPr lang="en-US" i="1" dirty="0"/>
@@ -11671,7 +11813,15 @@
             </a:r>
             <a:r>
               <a:rPr lang="en-US" dirty="0"/>
-              <a:t> → DiffType </a:t>
+              <a:t> → </a:t>
+            </a:r>
+            <a:r>
+              <a:rPr lang="en-US" dirty="0" err="1"/>
+              <a:t>DiffType</a:t>
+            </a:r>
+            <a:r>
+              <a:rPr lang="en-US" dirty="0"/>
+              <a:t> </a:t>
             </a:r>
             <a:r>
               <a:rPr lang="en-US" i="1" dirty="0"/>
@@ -11679,17 +11829,18 @@
             </a:r>
           </a:p>
           <a:p>
-            <a:pPr lvl="0">
-              <a:buClr>
-                <a:srgbClr val="FFCC99"/>
-              </a:buClr>
-              <a:buSzPct val="45000"/>
-              <a:buFont typeface="StarSymbol"/>
-              <a:buChar char="●"/>
-            </a:pPr>
-            <a:r>
-              <a:rPr lang="en-US" dirty="0"/>
-              <a:t>type instance DiffType (</a:t>
+            <a:pPr lvl="0"/>
+            <a:r>
+              <a:rPr lang="en-US" b="1" dirty="0"/>
+              <a:t>type instance </a:t>
+            </a:r>
+            <a:r>
+              <a:rPr lang="en-US" dirty="0" err="1"/>
+              <a:t>DiffType</a:t>
+            </a:r>
+            <a:r>
+              <a:rPr lang="en-US" dirty="0"/>
+              <a:t> (</a:t>
             </a:r>
             <a:r>
               <a:rPr lang="en-US" i="1" dirty="0"/>
@@ -11705,7 +11856,15 @@
             </a:r>
             <a:r>
               <a:rPr lang="en-US" dirty="0"/>
-              <a:t>) = DiffType </a:t>
+              <a:t>) = </a:t>
+            </a:r>
+            <a:r>
+              <a:rPr lang="en-US" dirty="0" err="1"/>
+              <a:t>DiffType</a:t>
+            </a:r>
+            <a:r>
+              <a:rPr lang="en-US" dirty="0"/>
+              <a:t> </a:t>
             </a:r>
             <a:r>
               <a:rPr lang="en-US" i="1" dirty="0"/>
@@ -11713,7 +11872,15 @@
             </a:r>
             <a:r>
               <a:rPr lang="en-US" dirty="0"/>
-              <a:t> + DiffType </a:t>
+              <a:t> + </a:t>
+            </a:r>
+            <a:r>
+              <a:rPr lang="en-US" dirty="0" err="1"/>
+              <a:t>DiffType</a:t>
+            </a:r>
+            <a:r>
+              <a:rPr lang="en-US" dirty="0"/>
+              <a:t> </a:t>
             </a:r>
             <a:r>
               <a:rPr lang="en-US" i="1" dirty="0"/>
@@ -11721,17 +11888,18 @@
             </a:r>
           </a:p>
           <a:p>
-            <a:pPr lvl="0">
-              <a:buClr>
-                <a:srgbClr val="FFCC99"/>
-              </a:buClr>
-              <a:buSzPct val="45000"/>
-              <a:buFont typeface="StarSymbol"/>
-              <a:buChar char="●"/>
-            </a:pPr>
-            <a:r>
-              <a:rPr lang="en-US" dirty="0"/>
-              <a:t>type instance DiffType (</a:t>
+            <a:pPr lvl="0"/>
+            <a:r>
+              <a:rPr lang="en-US" b="1" dirty="0"/>
+              <a:t>type instance </a:t>
+            </a:r>
+            <a:r>
+              <a:rPr lang="en-US" dirty="0" err="1"/>
+              <a:t>DiffType</a:t>
+            </a:r>
+            <a:r>
+              <a:rPr lang="en-US" dirty="0"/>
+              <a:t> (</a:t>
             </a:r>
             <a:r>
               <a:rPr lang="en-US" i="1" dirty="0"/>
@@ -11747,7 +11915,15 @@
             </a:r>
             <a:r>
               <a:rPr lang="en-US" dirty="0"/>
-              <a:t>) = DiffType </a:t>
+              <a:t>) = </a:t>
+            </a:r>
+            <a:r>
+              <a:rPr lang="en-US" dirty="0" err="1"/>
+              <a:t>DiffType</a:t>
+            </a:r>
+            <a:r>
+              <a:rPr lang="en-US" dirty="0"/>
+              <a:t> </a:t>
             </a:r>
             <a:r>
               <a:rPr lang="en-US" i="1" dirty="0"/>
@@ -11755,7 +11931,15 @@
             </a:r>
             <a:r>
               <a:rPr lang="en-US" dirty="0"/>
-              <a:t> * DiffType </a:t>
+              <a:t> * </a:t>
+            </a:r>
+            <a:r>
+              <a:rPr lang="en-US" dirty="0" err="1"/>
+              <a:t>DiffType</a:t>
+            </a:r>
+            <a:r>
+              <a:rPr lang="en-US" dirty="0"/>
+              <a:t> </a:t>
             </a:r>
             <a:r>
               <a:rPr lang="en-US" i="1" dirty="0"/>
@@ -11763,17 +11947,18 @@
             </a:r>
           </a:p>
           <a:p>
-            <a:pPr lvl="0">
-              <a:buClr>
-                <a:srgbClr val="FFCC99"/>
-              </a:buClr>
-              <a:buSzPct val="45000"/>
-              <a:buFont typeface="StarSymbol"/>
-              <a:buChar char="●"/>
-            </a:pPr>
-            <a:r>
-              <a:rPr lang="en-US" dirty="0"/>
-              <a:t>type instance DiffType Real = (Real * Real)</a:t>
+            <a:pPr lvl="0"/>
+            <a:r>
+              <a:rPr lang="en-US" b="1" dirty="0"/>
+              <a:t>type instance </a:t>
+            </a:r>
+            <a:r>
+              <a:rPr lang="en-US" dirty="0" err="1"/>
+              <a:t>DiffType</a:t>
+            </a:r>
+            <a:r>
+              <a:rPr lang="en-US" dirty="0"/>
+              <a:t> Real = (Real * Real)</a:t>
             </a:r>
           </a:p>
         </p:txBody>
@@ -11853,46 +12038,26 @@
           <a:bodyPr/>
           <a:lstStyle/>
           <a:p>
-            <a:pPr lvl="0">
-              <a:buClr>
-                <a:srgbClr val="FFCC99"/>
-              </a:buClr>
-              <a:buSzPct val="45000"/>
-              <a:buFont typeface="StarSymbol"/>
-              <a:buChar char="●"/>
-            </a:pPr>
-            <a:r>
-              <a:rPr lang="en-US" dirty="0"/>
+            <a:pPr lvl="0"/>
+            <a:r>
+              <a:rPr lang="en-US"/>
               <a:t>We achieve the closure property</a:t>
             </a:r>
           </a:p>
           <a:p>
-            <a:pPr lvl="0">
-              <a:buClr>
-                <a:srgbClr val="FFCC99"/>
-              </a:buClr>
-              <a:buSzPct val="45000"/>
-              <a:buFont typeface="StarSymbol"/>
-              <a:buChar char="●"/>
-            </a:pPr>
-            <a:r>
-              <a:rPr lang="en-US" dirty="0"/>
+            <a:pPr lvl="0"/>
+            <a:r>
+              <a:rPr lang="en-US"/>
               <a:t>Do stuff with AST</a:t>
             </a:r>
           </a:p>
           <a:p>
-            <a:pPr lvl="0">
-              <a:buClr>
-                <a:srgbClr val="FFCC99"/>
-              </a:buClr>
-              <a:buSzPct val="45000"/>
-              <a:buFont typeface="StarSymbol"/>
-              <a:buChar char="●"/>
-            </a:pPr>
-            <a:r>
-              <a:rPr lang="en-US" dirty="0"/>
+            <a:pPr lvl="0"/>
+            <a:r>
+              <a:rPr lang="en-US"/>
               <a:t>Everything is typed</a:t>
             </a:r>
+            <a:endParaRPr lang="en-US" dirty="0"/>
           </a:p>
         </p:txBody>
       </p:sp>
@@ -11944,8 +12109,8 @@
           <a:p>
             <a:pPr lvl="0"/>
             <a:r>
-              <a:rPr lang="en-US"/>
-              <a:t>Road map</a:t>
+              <a:rPr lang="en-US" dirty="0"/>
+              <a:t>Roadmap</a:t>
             </a:r>
           </a:p>
         </p:txBody>
@@ -11971,58 +12136,30 @@
           <a:bodyPr/>
           <a:lstStyle/>
           <a:p>
-            <a:pPr lvl="0">
-              <a:buClr>
-                <a:srgbClr val="FFCC99"/>
-              </a:buClr>
-              <a:buSzPct val="45000"/>
-              <a:buFont typeface="StarSymbol"/>
-              <a:buChar char="●"/>
-            </a:pPr>
+            <a:pPr lvl="0"/>
             <a:r>
               <a:rPr lang="en-US" dirty="0"/>
               <a:t>Neural Network</a:t>
             </a:r>
           </a:p>
           <a:p>
-            <a:pPr lvl="0">
-              <a:buClr>
-                <a:srgbClr val="FFCC99"/>
-              </a:buClr>
-              <a:buSzPct val="45000"/>
-              <a:buFont typeface="StarSymbol"/>
-              <a:buChar char="●"/>
-            </a:pPr>
+            <a:pPr lvl="0"/>
             <a:r>
               <a:rPr lang="en-US" dirty="0"/>
               <a:t>Naive Automatic Differentiation(AD) – Quadratic</a:t>
             </a:r>
           </a:p>
           <a:p>
-            <a:pPr lvl="0">
-              <a:buClr>
-                <a:srgbClr val="FFCC99"/>
-              </a:buClr>
-              <a:buSzPct val="45000"/>
-              <a:buFont typeface="StarSymbol"/>
-              <a:buChar char="●"/>
-            </a:pPr>
+            <a:pPr lvl="0"/>
             <a:r>
               <a:rPr lang="en-US" dirty="0"/>
               <a:t>Forward Mode AD</a:t>
             </a:r>
           </a:p>
           <a:p>
-            <a:pPr lvl="0">
-              <a:buClr>
-                <a:srgbClr val="FFCC99"/>
-              </a:buClr>
-              <a:buSzPct val="45000"/>
-              <a:buFont typeface="StarSymbol"/>
-              <a:buChar char="●"/>
-            </a:pPr>
-            <a:r>
-              <a:rPr lang="en-US" dirty="0">
+            <a:pPr lvl="0"/>
+            <a:r>
+              <a:rPr lang="en-US" b="1" dirty="0">
                 <a:solidFill>
                   <a:schemeClr val="accent5"/>
                 </a:solidFill>
@@ -12031,28 +12168,14 @@
             </a:r>
           </a:p>
           <a:p>
-            <a:pPr lvl="0">
-              <a:buClr>
-                <a:srgbClr val="FFCC99"/>
-              </a:buClr>
-              <a:buSzPct val="45000"/>
-              <a:buFont typeface="StarSymbol"/>
-              <a:buChar char="●"/>
-            </a:pPr>
+            <a:pPr lvl="0"/>
             <a:r>
               <a:rPr lang="en-US" dirty="0"/>
               <a:t>Derivative of More Variable</a:t>
             </a:r>
           </a:p>
           <a:p>
-            <a:pPr lvl="0">
-              <a:buClr>
-                <a:srgbClr val="FFCC99"/>
-              </a:buClr>
-              <a:buSzPct val="45000"/>
-              <a:buFont typeface="StarSymbol"/>
-              <a:buChar char="●"/>
-            </a:pPr>
+            <a:pPr lvl="0"/>
             <a:r>
               <a:rPr lang="en-US" dirty="0" err="1"/>
               <a:t>Impl</a:t>
@@ -12063,14 +12186,7 @@
             </a:r>
           </a:p>
           <a:p>
-            <a:pPr lvl="0">
-              <a:buClr>
-                <a:srgbClr val="FFCC99"/>
-              </a:buClr>
-              <a:buSzPct val="45000"/>
-              <a:buFont typeface="StarSymbol"/>
-              <a:buChar char="●"/>
-            </a:pPr>
+            <a:pPr lvl="0"/>
             <a:r>
               <a:rPr lang="en-US" dirty="0"/>
               <a:t>Meaning of AD on PL</a:t>
@@ -12121,9 +12237,7 @@
         </p:nvSpPr>
         <p:spPr/>
         <p:txBody>
-          <a:bodyPr>
-            <a:normAutofit/>
-          </a:bodyPr>
+          <a:bodyPr/>
           <a:lstStyle/>
           <a:p>
             <a:pPr lvl="0"/>
@@ -12155,31 +12269,21 @@
           <a:bodyPr/>
           <a:lstStyle/>
           <a:p>
-            <a:pPr lvl="0">
-              <a:buClr>
-                <a:srgbClr val="FFCC99"/>
-              </a:buClr>
-              <a:buSzPct val="45000"/>
-              <a:buFont typeface="StarSymbol"/>
-              <a:buChar char="●"/>
-            </a:pPr>
+            <a:pPr lvl="0"/>
             <a:r>
               <a:rPr lang="en-US" dirty="0"/>
               <a:t>Look carefully at the transformation</a:t>
             </a:r>
           </a:p>
           <a:p>
-            <a:pPr lvl="0">
-              <a:buClr>
-                <a:srgbClr val="FFCC99"/>
-              </a:buClr>
-              <a:buSzPct val="45000"/>
-              <a:buFont typeface="StarSymbol"/>
-              <a:buChar char="●"/>
-            </a:pPr>
-            <a:r>
-              <a:rPr lang="en-US" dirty="0"/>
-              <a:t>lit </a:t>
+            <a:pPr lvl="0"/>
+            <a:r>
+              <a:rPr lang="en-US" b="1" dirty="0"/>
+              <a:t>lit</a:t>
+            </a:r>
+            <a:r>
+              <a:rPr lang="en-US" dirty="0"/>
+              <a:t> </a:t>
             </a:r>
             <a:r>
               <a:rPr lang="en-US" i="1" dirty="0"/>
@@ -12187,7 +12291,15 @@
             </a:r>
             <a:r>
               <a:rPr lang="en-US" dirty="0"/>
-              <a:t>		→ (lit </a:t>
+              <a:t>		→ (</a:t>
+            </a:r>
+            <a:r>
+              <a:rPr lang="en-US" b="1" dirty="0"/>
+              <a:t>lit</a:t>
+            </a:r>
+            <a:r>
+              <a:rPr lang="en-US" dirty="0"/>
+              <a:t> </a:t>
             </a:r>
             <a:r>
               <a:rPr lang="en-US" i="1" dirty="0"/>
@@ -12195,24 +12307,25 @@
             </a:r>
             <a:r>
               <a:rPr lang="en-US" dirty="0"/>
-              <a:t>, lit 0)</a:t>
-            </a:r>
-          </a:p>
-          <a:p>
-            <a:pPr lvl="0">
-              <a:buClr>
-                <a:srgbClr val="FFCC99"/>
-              </a:buClr>
-              <a:buSzPct val="45000"/>
-              <a:buFont typeface="StarSymbol"/>
-              <a:buChar char="●"/>
-            </a:pPr>
+              <a:t>, </a:t>
+            </a:r>
+            <a:r>
+              <a:rPr lang="en-US" b="1" dirty="0"/>
+              <a:t>lit</a:t>
+            </a:r>
+            <a:r>
+              <a:rPr lang="en-US" dirty="0"/>
+              <a:t> 0)</a:t>
+            </a:r>
+          </a:p>
+          <a:p>
+            <a:pPr lvl="0"/>
             <a:r>
               <a:rPr lang="en-US" dirty="0"/>
               <a:t>+		→ </a:t>
             </a:r>
             <a:r>
-              <a:rPr lang="en-US" altLang="zh-CN" dirty="0"/>
+              <a:rPr lang="en-US" altLang="zh-CN" b="1" dirty="0"/>
               <a:t>λ</a:t>
             </a:r>
             <a:r>
@@ -12285,20 +12398,13 @@
             </a:r>
           </a:p>
           <a:p>
-            <a:pPr lvl="0">
-              <a:buClr>
-                <a:srgbClr val="FFCC99"/>
-              </a:buClr>
-              <a:buSzPct val="45000"/>
-              <a:buFont typeface="StarSymbol"/>
-              <a:buChar char="●"/>
-            </a:pPr>
+            <a:pPr lvl="0"/>
             <a:r>
               <a:rPr lang="en-US" dirty="0"/>
               <a:t>-			→ </a:t>
             </a:r>
             <a:r>
-              <a:rPr lang="en-US" altLang="zh-CN" dirty="0"/>
+              <a:rPr lang="en-US" altLang="zh-CN" b="1" dirty="0"/>
               <a:t>λ</a:t>
             </a:r>
             <a:r>
@@ -12371,20 +12477,13 @@
             </a:r>
           </a:p>
           <a:p>
-            <a:pPr lvl="0">
-              <a:buClr>
-                <a:srgbClr val="FFCC99"/>
-              </a:buClr>
-              <a:buSzPct val="45000"/>
-              <a:buFont typeface="StarSymbol"/>
-              <a:buChar char="●"/>
-            </a:pPr>
+            <a:pPr lvl="0"/>
             <a:r>
               <a:rPr lang="en-US" dirty="0"/>
               <a:t>*			→ </a:t>
             </a:r>
             <a:r>
-              <a:rPr lang="en-US" altLang="zh-CN" dirty="0"/>
+              <a:rPr lang="en-US" altLang="zh-CN" b="1" dirty="0"/>
               <a:t>λ</a:t>
             </a:r>
             <a:r>
@@ -12473,20 +12572,13 @@
             </a:r>
           </a:p>
           <a:p>
-            <a:pPr lvl="0">
-              <a:buClr>
-                <a:srgbClr val="FFCC99"/>
-              </a:buClr>
-              <a:buSzPct val="45000"/>
-              <a:buFont typeface="StarSymbol"/>
-              <a:buChar char="●"/>
-            </a:pPr>
+            <a:pPr lvl="0"/>
             <a:r>
               <a:rPr lang="en-US" dirty="0"/>
               <a:t>/			→ </a:t>
             </a:r>
             <a:r>
-              <a:rPr lang="en-US" altLang="zh-CN" dirty="0"/>
+              <a:rPr lang="en-US" altLang="zh-CN" b="1" dirty="0"/>
               <a:t>λ</a:t>
             </a:r>
             <a:r>
@@ -12543,11 +12635,11 @@
             </a:r>
             <a:r>
               <a:rPr lang="en-US" i="1" dirty="0"/>
-              <a:t>l </a:t>
-            </a:r>
-            <a:r>
-              <a:rPr lang="en-US" dirty="0"/>
-              <a:t>/ </a:t>
+              <a:t>l</a:t>
+            </a:r>
+            <a:r>
+              <a:rPr lang="en-US" dirty="0"/>
+              <a:t> / </a:t>
             </a:r>
             <a:r>
               <a:rPr lang="en-US" i="1" dirty="0"/>
@@ -12567,11 +12659,11 @@
             </a:r>
             <a:r>
               <a:rPr lang="en-US" i="1" dirty="0"/>
-              <a:t>l </a:t>
-            </a:r>
-            <a:r>
-              <a:rPr lang="en-US" dirty="0"/>
-              <a:t>/ (</a:t>
+              <a:t>l</a:t>
+            </a:r>
+            <a:r>
+              <a:rPr lang="en-US" dirty="0"/>
+              <a:t> / (</a:t>
             </a:r>
             <a:r>
               <a:rPr lang="en-US" i="1" dirty="0"/>
@@ -12599,14 +12691,7 @@
             </a:r>
           </a:p>
           <a:p>
-            <a:pPr lvl="0">
-              <a:buClr>
-                <a:srgbClr val="FFCC99"/>
-              </a:buClr>
-              <a:buSzPct val="45000"/>
-              <a:buFont typeface="StarSymbol"/>
-              <a:buChar char="●"/>
-            </a:pPr>
+            <a:pPr lvl="0"/>
             <a:r>
               <a:rPr lang="en-US" dirty="0" err="1"/>
               <a:t>exp</a:t>
@@ -12616,7 +12701,7 @@
               <a:t>		→ </a:t>
             </a:r>
             <a:r>
-              <a:rPr lang="en-US" altLang="zh-CN" dirty="0"/>
+              <a:rPr lang="en-US" altLang="zh-CN" b="1" dirty="0"/>
               <a:t>λ</a:t>
             </a:r>
             <a:r>
@@ -12755,7 +12840,7 @@
             <a:pPr lvl="0"/>
             <a:r>
               <a:rPr lang="en-US" dirty="0"/>
-              <a:t>Main Idea</a:t>
+              <a:t>Agenda</a:t>
             </a:r>
           </a:p>
         </p:txBody>
@@ -12781,32 +12866,19 @@
           <a:bodyPr/>
           <a:lstStyle/>
           <a:p>
-            <a:pPr lvl="0">
-              <a:buClr>
-                <a:srgbClr val="FFCC99"/>
-              </a:buClr>
-              <a:buSzPct val="45000"/>
-              <a:buFont typeface="StarSymbol"/>
-              <a:buChar char="●"/>
-            </a:pPr>
-            <a:r>
-              <a:rPr lang="en-US" dirty="0"/>
+            <a:pPr lvl="0"/>
+            <a:r>
+              <a:rPr lang="en-US"/>
               <a:t>Neural Networks are Program</a:t>
             </a:r>
           </a:p>
           <a:p>
-            <a:pPr lvl="0">
-              <a:buClr>
-                <a:srgbClr val="FFCC99"/>
-              </a:buClr>
-              <a:buSzPct val="45000"/>
-              <a:buFont typeface="StarSymbol"/>
-              <a:buChar char="●"/>
-            </a:pPr>
-            <a:r>
-              <a:rPr lang="en-US" dirty="0"/>
+            <a:pPr lvl="0"/>
+            <a:r>
+              <a:rPr lang="en-US"/>
               <a:t>Apply PL/FP to Neural Network(NN)</a:t>
             </a:r>
+            <a:endParaRPr lang="en-US" dirty="0"/>
           </a:p>
         </p:txBody>
       </p:sp>
@@ -12887,28 +12959,14 @@
           </a:bodyPr>
           <a:lstStyle/>
           <a:p>
-            <a:pPr lvl="0">
-              <a:buClr>
-                <a:srgbClr val="FFCC99"/>
-              </a:buClr>
-              <a:buSzPct val="45000"/>
-              <a:buFont typeface="StarSymbol"/>
-              <a:buChar char="●"/>
-            </a:pPr>
+            <a:pPr lvl="0"/>
             <a:r>
               <a:rPr lang="en-US" dirty="0"/>
               <a:t>Unit is a Vector Space, 0 weight</a:t>
             </a:r>
           </a:p>
           <a:p>
-            <a:pPr lvl="0">
-              <a:buClr>
-                <a:srgbClr val="FFCC99"/>
-              </a:buClr>
-              <a:buSzPct val="45000"/>
-              <a:buFont typeface="StarSymbol"/>
-              <a:buChar char="●"/>
-            </a:pPr>
+            <a:pPr lvl="0"/>
             <a:r>
               <a:rPr lang="en-US" b="1" dirty="0"/>
               <a:t>R</a:t>
@@ -12919,14 +12977,7 @@
             </a:r>
           </a:p>
           <a:p>
-            <a:pPr lvl="0">
-              <a:buClr>
-                <a:srgbClr val="FFCC99"/>
-              </a:buClr>
-              <a:buSzPct val="45000"/>
-              <a:buFont typeface="StarSymbol"/>
-              <a:buChar char="●"/>
-            </a:pPr>
+            <a:pPr lvl="0"/>
             <a:r>
               <a:rPr lang="en-US" dirty="0"/>
               <a:t>(</a:t>
@@ -12949,45 +13000,36 @@
             </a:r>
           </a:p>
           <a:p>
-            <a:pPr lvl="0">
-              <a:buClr>
-                <a:srgbClr val="FFCC99"/>
-              </a:buClr>
-              <a:buSzPct val="45000"/>
-              <a:buFont typeface="StarSymbol"/>
-              <a:buChar char="●"/>
-            </a:pPr>
-            <a:r>
-              <a:rPr lang="en-US" dirty="0"/>
-              <a:t>V[1000] is a Vector Space</a:t>
-            </a:r>
-          </a:p>
-          <a:p>
-            <a:pPr lvl="0">
-              <a:buClr>
-                <a:srgbClr val="FFCC99"/>
-              </a:buClr>
-              <a:buSzPct val="45000"/>
-              <a:buFont typeface="StarSymbol"/>
-              <a:buChar char="●"/>
-            </a:pPr>
+            <a:pPr lvl="0"/>
+            <a:r>
+              <a:rPr lang="en-US" i="1" dirty="0"/>
+              <a:t>V</a:t>
+            </a:r>
+            <a:r>
+              <a:rPr lang="en-US" dirty="0"/>
+              <a:t>[1000] is a Vector Space</a:t>
+            </a:r>
+          </a:p>
+          <a:p>
+            <a:pPr lvl="0"/>
             <a:r>
               <a:rPr lang="en-US" dirty="0"/>
               <a:t>Minimal definition:</a:t>
             </a:r>
           </a:p>
           <a:p>
-            <a:pPr lvl="0">
-              <a:buClr>
-                <a:srgbClr val="FFCC99"/>
-              </a:buClr>
-              <a:buSzPct val="45000"/>
-              <a:buFont typeface="StarSymbol"/>
-              <a:buChar char="●"/>
-            </a:pPr>
-            <a:r>
-              <a:rPr lang="en-US" dirty="0"/>
-              <a:t>	0		:: </a:t>
+            <a:pPr lvl="0"/>
+            <a:r>
+              <a:rPr lang="en-US" dirty="0"/>
+              <a:t>	</a:t>
+            </a:r>
+            <a:r>
+              <a:rPr lang="en-US" b="1" dirty="0"/>
+              <a:t>0</a:t>
+            </a:r>
+            <a:r>
+              <a:rPr lang="en-US" dirty="0"/>
+              <a:t>		:: </a:t>
             </a:r>
             <a:r>
               <a:rPr lang="en-US" i="1" dirty="0"/>
@@ -12995,17 +13037,18 @@
             </a:r>
           </a:p>
           <a:p>
-            <a:pPr lvl="0">
-              <a:buClr>
-                <a:srgbClr val="FFCC99"/>
-              </a:buClr>
-              <a:buSzPct val="45000"/>
-              <a:buFont typeface="StarSymbol"/>
-              <a:buChar char="●"/>
-            </a:pPr>
-            <a:r>
-              <a:rPr lang="en-US" dirty="0"/>
-              <a:t>	+		:: </a:t>
+            <a:pPr lvl="0"/>
+            <a:r>
+              <a:rPr lang="en-US" dirty="0"/>
+              <a:t>	</a:t>
+            </a:r>
+            <a:r>
+              <a:rPr lang="en-US" b="1" dirty="0"/>
+              <a:t>+</a:t>
+            </a:r>
+            <a:r>
+              <a:rPr lang="en-US" dirty="0"/>
+              <a:t>		:: </a:t>
             </a:r>
             <a:r>
               <a:rPr lang="en-US" i="1" dirty="0"/>
@@ -13029,17 +13072,18 @@
             </a:r>
           </a:p>
           <a:p>
-            <a:pPr lvl="0">
-              <a:buClr>
-                <a:srgbClr val="FFCC99"/>
-              </a:buClr>
-              <a:buSzPct val="45000"/>
-              <a:buFont typeface="StarSymbol"/>
-              <a:buChar char="●"/>
-            </a:pPr>
-            <a:r>
-              <a:rPr lang="en-US" dirty="0"/>
-              <a:t>	scale	:: </a:t>
+            <a:pPr lvl="0"/>
+            <a:r>
+              <a:rPr lang="en-US" dirty="0"/>
+              <a:t>	</a:t>
+            </a:r>
+            <a:r>
+              <a:rPr lang="en-US" b="1" dirty="0"/>
+              <a:t>scale</a:t>
+            </a:r>
+            <a:r>
+              <a:rPr lang="en-US" dirty="0"/>
+              <a:t>	:: </a:t>
             </a:r>
             <a:r>
               <a:rPr lang="en-US" b="1" dirty="0"/>
@@ -13063,17 +13107,14 @@
             </a:r>
           </a:p>
           <a:p>
-            <a:pPr lvl="0">
-              <a:buClr>
-                <a:srgbClr val="FFCC99"/>
-              </a:buClr>
-              <a:buSzPct val="45000"/>
-              <a:buFont typeface="StarSymbol"/>
-              <a:buChar char="●"/>
-            </a:pPr>
-            <a:r>
-              <a:rPr lang="en-US" dirty="0"/>
-              <a:t>DiffType now take an extra parameter </a:t>
+            <a:pPr lvl="0"/>
+            <a:r>
+              <a:rPr lang="en-US" dirty="0" err="1"/>
+              <a:t>DiffType</a:t>
+            </a:r>
+            <a:r>
+              <a:rPr lang="en-US" dirty="0"/>
+              <a:t> now take an extra parameter </a:t>
             </a:r>
             <a:r>
               <a:rPr lang="en-US" i="1" dirty="0"/>
@@ -13083,7 +13124,6 @@
               <a:rPr lang="en-US" dirty="0"/>
               <a:t>, to represent the vector space</a:t>
             </a:r>
-            <a:endParaRPr lang="en-US" i="1" dirty="0"/>
           </a:p>
         </p:txBody>
       </p:sp>
@@ -13162,13 +13202,12 @@
           <a:bodyPr/>
           <a:lstStyle/>
           <a:p>
-            <a:pPr lvl="0">
+            <a:pPr marL="0" lvl="0" indent="0">
               <a:buClr>
                 <a:srgbClr val="FFCC99"/>
               </a:buClr>
               <a:buSzPct val="45000"/>
-              <a:buFont typeface="StarSymbol"/>
-              <a:buChar char="●"/>
+              <a:buNone/>
             </a:pPr>
             <a:r>
               <a:rPr lang="en-US" i="1" dirty="0"/>
@@ -13216,15 +13255,22 @@
             </a:r>
           </a:p>
           <a:p>
-            <a:pPr lvl="0">
+            <a:pPr marL="0" lvl="0" indent="0">
               <a:buClr>
                 <a:srgbClr val="FFCC99"/>
               </a:buClr>
               <a:buSzPct val="45000"/>
-              <a:buFont typeface="StarSymbol"/>
-              <a:buChar char="●"/>
+              <a:buNone/>
             </a:pPr>
             <a:r>
+              <a:rPr lang="zh-CN" altLang="en-US" dirty="0"/>
+              <a:t>→</a:t>
+            </a:r>
+            <a:r>
+              <a:rPr lang="en-US" altLang="zh-CN" dirty="0"/>
+              <a:t>	</a:t>
+            </a:r>
+            <a:r>
               <a:rPr lang="en-US" dirty="0"/>
               <a:t>(</a:t>
             </a:r>
@@ -13278,17 +13324,16 @@
             </a:r>
           </a:p>
           <a:p>
-            <a:pPr lvl="0">
+            <a:pPr marL="0" lvl="0" indent="0">
               <a:buClr>
                 <a:srgbClr val="FFCC99"/>
               </a:buClr>
               <a:buSzPct val="45000"/>
-              <a:buFont typeface="StarSymbol"/>
-              <a:buChar char="●"/>
+              <a:buNone/>
             </a:pPr>
             <a:r>
               <a:rPr lang="en-US" dirty="0"/>
-              <a:t>(</a:t>
+              <a:t>=	(</a:t>
             </a:r>
             <a:r>
               <a:rPr lang="en-US" i="1" dirty="0"/>
@@ -13372,17 +13417,16 @@
             </a:r>
           </a:p>
           <a:p>
-            <a:pPr lvl="0">
+            <a:pPr marL="0" lvl="0" indent="0">
               <a:buClr>
                 <a:srgbClr val="FFCC99"/>
               </a:buClr>
               <a:buSzPct val="45000"/>
-              <a:buFont typeface="StarSymbol"/>
-              <a:buChar char="●"/>
+              <a:buNone/>
             </a:pPr>
             <a:r>
               <a:rPr lang="en-US" dirty="0"/>
-              <a:t>(</a:t>
+              <a:t>=	(</a:t>
             </a:r>
             <a:r>
               <a:rPr lang="en-US" i="1" dirty="0"/>
@@ -13515,8 +13559,8 @@
           <a:p>
             <a:pPr lvl="0"/>
             <a:r>
-              <a:rPr lang="en-US"/>
-              <a:t>Road map</a:t>
+              <a:rPr lang="en-US" dirty="0"/>
+              <a:t>Roadmap</a:t>
             </a:r>
           </a:p>
         </p:txBody>
@@ -13542,72 +13586,37 @@
           <a:bodyPr/>
           <a:lstStyle/>
           <a:p>
-            <a:pPr lvl="0">
-              <a:buClr>
-                <a:srgbClr val="FFCC99"/>
-              </a:buClr>
-              <a:buSzPct val="45000"/>
-              <a:buFont typeface="StarSymbol"/>
-              <a:buChar char="●"/>
-            </a:pPr>
+            <a:pPr lvl="0"/>
             <a:r>
               <a:rPr lang="en-US" dirty="0"/>
               <a:t>Neural Network</a:t>
             </a:r>
           </a:p>
           <a:p>
-            <a:pPr lvl="0">
-              <a:buClr>
-                <a:srgbClr val="FFCC99"/>
-              </a:buClr>
-              <a:buSzPct val="45000"/>
-              <a:buFont typeface="StarSymbol"/>
-              <a:buChar char="●"/>
-            </a:pPr>
+            <a:pPr lvl="0"/>
             <a:r>
               <a:rPr lang="en-US" dirty="0"/>
               <a:t>Naive Automatic Differentiation(AD) – Quadratic</a:t>
             </a:r>
           </a:p>
           <a:p>
-            <a:pPr lvl="0">
-              <a:buClr>
-                <a:srgbClr val="FFCC99"/>
-              </a:buClr>
-              <a:buSzPct val="45000"/>
-              <a:buFont typeface="StarSymbol"/>
-              <a:buChar char="●"/>
-            </a:pPr>
+            <a:pPr lvl="0"/>
             <a:r>
               <a:rPr lang="en-US" dirty="0"/>
               <a:t>Forward Mode AD</a:t>
             </a:r>
           </a:p>
           <a:p>
-            <a:pPr lvl="0">
-              <a:buClr>
-                <a:srgbClr val="FFCC99"/>
-              </a:buClr>
-              <a:buSzPct val="45000"/>
-              <a:buFont typeface="StarSymbol"/>
-              <a:buChar char="●"/>
-            </a:pPr>
+            <a:pPr lvl="0"/>
             <a:r>
               <a:rPr lang="en-US" dirty="0"/>
               <a:t>Derivative of Multiple Variable</a:t>
             </a:r>
           </a:p>
           <a:p>
-            <a:pPr lvl="0">
-              <a:buClr>
-                <a:srgbClr val="FFCC99"/>
-              </a:buClr>
-              <a:buSzPct val="45000"/>
-              <a:buFont typeface="StarSymbol"/>
-              <a:buChar char="●"/>
-            </a:pPr>
-            <a:r>
-              <a:rPr lang="en-US" dirty="0">
+            <a:pPr lvl="0"/>
+            <a:r>
+              <a:rPr lang="en-US" b="1" dirty="0">
                 <a:solidFill>
                   <a:schemeClr val="accent5"/>
                 </a:solidFill>
@@ -13616,14 +13625,7 @@
             </a:r>
           </a:p>
           <a:p>
-            <a:pPr lvl="0">
-              <a:buClr>
-                <a:srgbClr val="FFCC99"/>
-              </a:buClr>
-              <a:buSzPct val="45000"/>
-              <a:buFont typeface="StarSymbol"/>
-              <a:buChar char="●"/>
-            </a:pPr>
+            <a:pPr lvl="0"/>
             <a:r>
               <a:rPr lang="en-US" dirty="0" err="1"/>
               <a:t>Impl</a:t>
@@ -13634,14 +13636,7 @@
             </a:r>
           </a:p>
           <a:p>
-            <a:pPr lvl="0">
-              <a:buClr>
-                <a:srgbClr val="FFCC99"/>
-              </a:buClr>
-              <a:buSzPct val="45000"/>
-              <a:buFont typeface="StarSymbol"/>
-              <a:buChar char="●"/>
-            </a:pPr>
+            <a:pPr lvl="0"/>
             <a:r>
               <a:rPr lang="en-US" dirty="0"/>
               <a:t>Meaning of AD on PL</a:t>
@@ -13697,9 +13692,10 @@
           <a:p>
             <a:pPr lvl="0"/>
             <a:r>
-              <a:rPr lang="en-US" dirty="0"/>
+              <a:rPr lang="en-US"/>
               <a:t>A slight problem</a:t>
             </a:r>
+            <a:endParaRPr lang="en-US" dirty="0"/>
           </a:p>
         </p:txBody>
       </p:sp>
@@ -13724,14 +13720,7 @@
           <a:bodyPr/>
           <a:lstStyle/>
           <a:p>
-            <a:pPr lvl="0">
-              <a:buClr>
-                <a:srgbClr val="FFCC99"/>
-              </a:buClr>
-              <a:buSzPct val="45000"/>
-              <a:buFont typeface="StarSymbol"/>
-              <a:buChar char="●"/>
-            </a:pPr>
+            <a:pPr lvl="0"/>
             <a:r>
               <a:rPr lang="en-US" dirty="0"/>
               <a:t>Suppose </a:t>
@@ -13746,28 +13735,22 @@
             </a:r>
           </a:p>
           <a:p>
-            <a:pPr lvl="0">
-              <a:buClr>
-                <a:srgbClr val="FFCC99"/>
-              </a:buClr>
-              <a:buSzPct val="45000"/>
-              <a:buFont typeface="StarSymbol"/>
-              <a:buChar char="●"/>
-            </a:pPr>
-            <a:r>
-              <a:rPr lang="en-US" dirty="0"/>
-              <a:t>Expensive to 0/+/scale</a:t>
-            </a:r>
-          </a:p>
-          <a:p>
-            <a:pPr lvl="0">
-              <a:buClr>
-                <a:srgbClr val="FFCC99"/>
-              </a:buClr>
-              <a:buSzPct val="45000"/>
-              <a:buFont typeface="StarSymbol"/>
-              <a:buChar char="●"/>
-            </a:pPr>
+            <a:pPr lvl="0"/>
+            <a:r>
+              <a:rPr lang="en-US" dirty="0"/>
+              <a:t>Expensive to </a:t>
+            </a:r>
+            <a:r>
+              <a:rPr lang="en-US" b="1" dirty="0"/>
+              <a:t>0</a:t>
+            </a:r>
+            <a:r>
+              <a:rPr lang="en-US" dirty="0"/>
+              <a:t>/+/scale</a:t>
+            </a:r>
+          </a:p>
+          <a:p>
+            <a:pPr lvl="0"/>
             <a:r>
               <a:rPr lang="en-US" dirty="0"/>
               <a:t>Accumulate the “scale factor” in a parameter</a:t>
@@ -13775,48 +13758,79 @@
           </a:p>
           <a:p>
             <a:pPr marL="0" lvl="0" indent="0">
-              <a:buClr>
-                <a:srgbClr val="FFCC99"/>
-              </a:buClr>
-              <a:buSzPct val="45000"/>
               <a:buNone/>
             </a:pPr>
             <a:r>
-              <a:rPr lang="en-US" dirty="0"/>
-              <a:t>instance Vector x </a:t>
-            </a:r>
-            <a:r>
-              <a:rPr lang="en-US" altLang="zh-CN" dirty="0"/>
-              <a:t>=&gt;</a:t>
-            </a:r>
-            <a:r>
-              <a:rPr lang="zh-CN" altLang="en-US" dirty="0"/>
+              <a:rPr lang="en-US" b="1" dirty="0"/>
+              <a:t>instance</a:t>
+            </a:r>
+            <a:r>
+              <a:rPr lang="en-US" dirty="0"/>
+              <a:t> Vector </a:t>
+            </a:r>
+            <a:r>
+              <a:rPr lang="en-US" i="1" dirty="0"/>
+              <a:t>x</a:t>
+            </a:r>
+            <a:r>
+              <a:rPr lang="en-US" dirty="0"/>
               <a:t> </a:t>
             </a:r>
             <a:r>
-              <a:rPr lang="en-US" dirty="0"/>
-              <a:t>Vector (Real → x) where</a:t>
+              <a:rPr lang="en-US" dirty="0">
+                <a:latin typeface="Cambria Math" panose="02040503050406030204" pitchFamily="18" charset="0"/>
+                <a:ea typeface="Cambria Math" panose="02040503050406030204" pitchFamily="18" charset="0"/>
+              </a:rPr>
+              <a:t>⇒ </a:t>
+            </a:r>
+            <a:r>
+              <a:rPr lang="en-US" dirty="0"/>
+              <a:t>Vector (Real → </a:t>
+            </a:r>
+            <a:r>
+              <a:rPr lang="en-US" i="1" dirty="0"/>
+              <a:t>x</a:t>
+            </a:r>
+            <a:r>
+              <a:rPr lang="en-US" dirty="0"/>
+              <a:t>) </a:t>
+            </a:r>
+            <a:r>
+              <a:rPr lang="en-US" b="1" dirty="0"/>
+              <a:t>where</a:t>
             </a:r>
           </a:p>
           <a:p>
             <a:pPr marL="0" lvl="0" indent="0">
-              <a:buClr>
-                <a:srgbClr val="FFCC99"/>
-              </a:buClr>
-              <a:buSzPct val="45000"/>
               <a:buNone/>
             </a:pPr>
             <a:r>
               <a:rPr lang="en-US" dirty="0"/>
-              <a:t>    0 = const 0</a:t>
+              <a:t>    </a:t>
+            </a:r>
+            <a:r>
+              <a:rPr lang="en-US" b="1" dirty="0"/>
+              <a:t>0 </a:t>
+            </a:r>
+            <a:r>
+              <a:rPr lang="en-US" dirty="0"/>
+              <a:t>= </a:t>
+            </a:r>
+            <a:r>
+              <a:rPr lang="en-US" dirty="0" err="1"/>
+              <a:t>const</a:t>
+            </a:r>
+            <a:r>
+              <a:rPr lang="en-US" dirty="0"/>
+              <a:t> </a:t>
+            </a:r>
+            <a:r>
+              <a:rPr lang="en-US" b="1" dirty="0"/>
+              <a:t>0</a:t>
             </a:r>
           </a:p>
           <a:p>
             <a:pPr marL="0" lvl="0" indent="0">
-              <a:buClr>
-                <a:srgbClr val="FFCC99"/>
-              </a:buClr>
-              <a:buSzPct val="45000"/>
               <a:buNone/>
             </a:pPr>
             <a:r>
@@ -13841,11 +13855,11 @@
             </a:r>
             <a:r>
               <a:rPr lang="en-US" i="1" dirty="0"/>
-              <a:t>x </a:t>
-            </a:r>
-            <a:r>
-              <a:rPr lang="en-US" dirty="0"/>
-              <a:t>= (</a:t>
+              <a:t>x</a:t>
+            </a:r>
+            <a:r>
+              <a:rPr lang="en-US" dirty="0"/>
+              <a:t> = (</a:t>
             </a:r>
             <a:r>
               <a:rPr lang="en-US" i="1" dirty="0"/>
@@ -13866,10 +13880,6 @@
           </a:p>
           <a:p>
             <a:pPr marL="0" lvl="0" indent="0">
-              <a:buClr>
-                <a:srgbClr val="FFCC99"/>
-              </a:buClr>
-              <a:buSzPct val="45000"/>
               <a:buNone/>
             </a:pPr>
             <a:r>
@@ -13882,7 +13892,15 @@
             </a:r>
             <a:r>
               <a:rPr lang="en-US" dirty="0"/>
-              <a:t> `scale` </a:t>
+              <a:t> </a:t>
+            </a:r>
+            <a:r>
+              <a:rPr lang="en-US" b="1" dirty="0"/>
+              <a:t>`scale`</a:t>
+            </a:r>
+            <a:r>
+              <a:rPr lang="en-US" dirty="0"/>
+              <a:t> </a:t>
             </a:r>
             <a:r>
               <a:rPr lang="en-US" i="1" dirty="0"/>
@@ -13894,11 +13912,11 @@
             </a:r>
             <a:r>
               <a:rPr lang="en-US" i="1" dirty="0"/>
-              <a:t>x </a:t>
-            </a:r>
-            <a:r>
-              <a:rPr lang="en-US" dirty="0"/>
-              <a:t>= </a:t>
+              <a:t>x</a:t>
+            </a:r>
+            <a:r>
+              <a:rPr lang="en-US" dirty="0"/>
+              <a:t> = </a:t>
             </a:r>
             <a:r>
               <a:rPr lang="en-US" i="1" dirty="0"/>
@@ -14002,28 +14020,14 @@
           <a:bodyPr/>
           <a:lstStyle/>
           <a:p>
-            <a:pPr lvl="0">
-              <a:buClr>
-                <a:srgbClr val="FFCC99"/>
-              </a:buClr>
-              <a:buSzPct val="45000"/>
-              <a:buFont typeface="StarSymbol"/>
-              <a:buChar char="●"/>
-            </a:pPr>
+            <a:pPr lvl="0"/>
             <a:r>
               <a:rPr lang="en-US" dirty="0"/>
               <a:t>Exponential, now much worse</a:t>
             </a:r>
           </a:p>
           <a:p>
-            <a:pPr lvl="0">
-              <a:buClr>
-                <a:srgbClr val="FFCC99"/>
-              </a:buClr>
-              <a:buSzPct val="45000"/>
-              <a:buFont typeface="StarSymbol"/>
-              <a:buChar char="●"/>
-            </a:pPr>
+            <a:pPr lvl="0"/>
             <a:r>
               <a:rPr lang="en-US" dirty="0"/>
               <a:t>Consider </a:t>
@@ -14090,42 +14094,21 @@
             </a:r>
           </a:p>
           <a:p>
-            <a:pPr lvl="0">
-              <a:buClr>
-                <a:srgbClr val="FFCC99"/>
-              </a:buClr>
-              <a:buSzPct val="45000"/>
-              <a:buFont typeface="StarSymbol"/>
-              <a:buChar char="●"/>
-            </a:pPr>
+            <a:pPr lvl="0"/>
             <a:r>
               <a:rPr lang="en-US" dirty="0"/>
               <a:t>We need to share the actual function as well</a:t>
             </a:r>
           </a:p>
           <a:p>
-            <a:pPr lvl="0">
-              <a:buClr>
-                <a:srgbClr val="FFCC99"/>
-              </a:buClr>
-              <a:buSzPct val="45000"/>
-              <a:buFont typeface="StarSymbol"/>
-              <a:buChar char="●"/>
-            </a:pPr>
+            <a:pPr lvl="0"/>
             <a:r>
               <a:rPr lang="en-US" dirty="0"/>
               <a:t>Cant compare function (Halting Problem)</a:t>
             </a:r>
           </a:p>
           <a:p>
-            <a:pPr lvl="0">
-              <a:buClr>
-                <a:srgbClr val="FFCC99"/>
-              </a:buClr>
-              <a:buSzPct val="45000"/>
-              <a:buFont typeface="StarSymbol"/>
-              <a:buChar char="●"/>
-            </a:pPr>
+            <a:pPr lvl="0"/>
             <a:r>
               <a:rPr lang="en-US" dirty="0"/>
               <a:t>But we can compare AST</a:t>
@@ -14208,17 +14191,14 @@
           <a:bodyPr/>
           <a:lstStyle/>
           <a:p>
-            <a:pPr lvl="0">
-              <a:buClr>
-                <a:srgbClr val="FFCC99"/>
-              </a:buClr>
-              <a:buSzPct val="45000"/>
-              <a:buFont typeface="StarSymbol"/>
-              <a:buChar char="●"/>
-            </a:pPr>
-            <a:r>
-              <a:rPr lang="en-US" dirty="0"/>
-              <a:t>DiffType </a:t>
+            <a:pPr lvl="0"/>
+            <a:r>
+              <a:rPr lang="en-US" dirty="0" err="1"/>
+              <a:t>DiffType</a:t>
+            </a:r>
+            <a:r>
+              <a:rPr lang="en-US" dirty="0"/>
+              <a:t> </a:t>
             </a:r>
             <a:r>
               <a:rPr lang="en-US" i="1" dirty="0"/>
@@ -14270,17 +14250,14 @@
             </a:r>
           </a:p>
           <a:p>
-            <a:pPr lvl="0">
-              <a:buClr>
-                <a:srgbClr val="FFCC99"/>
-              </a:buClr>
-              <a:buSzPct val="45000"/>
-              <a:buFont typeface="StarSymbol"/>
-              <a:buChar char="●"/>
-            </a:pPr>
-            <a:r>
-              <a:rPr lang="en-US" dirty="0"/>
-              <a:t>DiffType </a:t>
+            <a:pPr lvl="0"/>
+            <a:r>
+              <a:rPr lang="en-US" dirty="0" err="1"/>
+              <a:t>DiffType</a:t>
+            </a:r>
+            <a:r>
+              <a:rPr lang="en-US" dirty="0"/>
+              <a:t> </a:t>
             </a:r>
             <a:r>
               <a:rPr lang="en-US" i="1" dirty="0"/>
@@ -14324,11 +14301,11 @@
             </a:r>
             <a:r>
               <a:rPr lang="en-US" i="1" dirty="0"/>
-              <a:t>v </a:t>
-            </a:r>
-            <a:r>
-              <a:rPr lang="en-US" dirty="0"/>
-              <a:t>:: </a:t>
+              <a:t>v</a:t>
+            </a:r>
+            <a:r>
+              <a:rPr lang="en-US" dirty="0"/>
+              <a:t> :: </a:t>
             </a:r>
             <a:r>
               <a:rPr lang="en-US" i="1" dirty="0"/>
@@ -14344,17 +14321,18 @@
             </a:r>
           </a:p>
           <a:p>
-            <a:pPr lvl="0">
-              <a:buClr>
-                <a:srgbClr val="FFCC99"/>
-              </a:buClr>
-              <a:buSzPct val="45000"/>
-              <a:buFont typeface="StarSymbol"/>
-              <a:buChar char="●"/>
-            </a:pPr>
-            <a:r>
-              <a:rPr lang="en-US" dirty="0"/>
-              <a:t>Wrapper for a term on (fold on DiffType and </a:t>
+            <a:pPr lvl="0"/>
+            <a:r>
+              <a:rPr lang="en-US" dirty="0"/>
+              <a:t>Wrapper for a term on (fold on </a:t>
+            </a:r>
+            <a:r>
+              <a:rPr lang="en-US" dirty="0" err="1"/>
+              <a:t>DiffType</a:t>
+            </a:r>
+            <a:r>
+              <a:rPr lang="en-US" dirty="0"/>
+              <a:t> and </a:t>
             </a:r>
             <a:r>
               <a:rPr lang="en-US" i="1" dirty="0"/>
@@ -14366,14 +14344,7 @@
             </a:r>
           </a:p>
           <a:p>
-            <a:pPr lvl="0">
-              <a:buClr>
-                <a:srgbClr val="FFCC99"/>
-              </a:buClr>
-              <a:buSzPct val="45000"/>
-              <a:buFont typeface="StarSymbol"/>
-              <a:buChar char="●"/>
-            </a:pPr>
+            <a:pPr lvl="0"/>
             <a:r>
               <a:rPr lang="en-US" dirty="0"/>
               <a:t>Data Type A La Carte(DTALC) → ADT</a:t>
@@ -14885,9 +14856,10 @@
           <a:p>
             <a:pPr lvl="0"/>
             <a:r>
-              <a:rPr lang="en-US" dirty="0"/>
+              <a:rPr lang="en-US"/>
               <a:t>TermVector is a Vector</a:t>
             </a:r>
+            <a:endParaRPr lang="en-US" dirty="0"/>
           </a:p>
         </p:txBody>
       </p:sp>
@@ -14912,46 +14884,26 @@
           <a:bodyPr/>
           <a:lstStyle/>
           <a:p>
-            <a:pPr lvl="0">
-              <a:buClr>
-                <a:srgbClr val="FFCC99"/>
-              </a:buClr>
-              <a:buSzPct val="45000"/>
-              <a:buFont typeface="StarSymbol"/>
-              <a:buChar char="●"/>
-            </a:pPr>
-            <a:r>
-              <a:rPr lang="en-US" dirty="0"/>
+            <a:pPr lvl="0"/>
+            <a:r>
+              <a:rPr lang="en-US"/>
               <a:t>Rather Obvious: call the constructor.</a:t>
             </a:r>
           </a:p>
           <a:p>
-            <a:pPr lvl="0">
-              <a:buClr>
-                <a:srgbClr val="FFCC99"/>
-              </a:buClr>
-              <a:buSzPct val="45000"/>
-              <a:buFont typeface="StarSymbol"/>
-              <a:buChar char="●"/>
-            </a:pPr>
-            <a:r>
-              <a:rPr lang="en-US" dirty="0"/>
+            <a:pPr lvl="0"/>
+            <a:r>
+              <a:rPr lang="en-US"/>
               <a:t>Still exponential in that example.</a:t>
             </a:r>
           </a:p>
           <a:p>
-            <a:pPr lvl="0">
-              <a:buClr>
-                <a:srgbClr val="FFCC99"/>
-              </a:buClr>
-              <a:buSzPct val="45000"/>
-              <a:buFont typeface="StarSymbol"/>
-              <a:buChar char="●"/>
-            </a:pPr>
-            <a:r>
-              <a:rPr lang="en-US" dirty="0"/>
+            <a:pPr lvl="0"/>
+            <a:r>
+              <a:rPr lang="en-US"/>
               <a:t>But we reduce the problem to a simpler one.</a:t>
             </a:r>
+            <a:endParaRPr lang="en-US" dirty="0"/>
           </a:p>
         </p:txBody>
       </p:sp>
@@ -15030,31 +14982,33 @@
           <a:bodyPr/>
           <a:lstStyle/>
           <a:p>
-            <a:pPr lvl="0">
-              <a:buClr>
-                <a:srgbClr val="FFCC99"/>
-              </a:buClr>
-              <a:buSzPct val="45000"/>
-              <a:buFont typeface="StarSymbol"/>
-              <a:buChar char="●"/>
-            </a:pPr>
+            <a:pPr lvl="0"/>
             <a:r>
               <a:rPr lang="en-US" dirty="0"/>
               <a:t>Implementing Explicit and Finding Implicit Sharing in Embedded DSLs.</a:t>
             </a:r>
           </a:p>
           <a:p>
-            <a:pPr lvl="0">
-              <a:buClr>
-                <a:srgbClr val="FFCC99"/>
-              </a:buClr>
-              <a:buSzPct val="45000"/>
-              <a:buFont typeface="StarSymbol"/>
-              <a:buChar char="●"/>
-            </a:pPr>
-            <a:r>
-              <a:rPr lang="en-US" dirty="0"/>
-              <a:t>State (Bimap (TermVectorF </a:t>
+            <a:pPr lvl="0"/>
+            <a:r>
+              <a:rPr lang="en-US" dirty="0"/>
+              <a:t>State (</a:t>
+            </a:r>
+            <a:r>
+              <a:rPr lang="en-US" dirty="0" err="1"/>
+              <a:t>Bimap</a:t>
+            </a:r>
+            <a:r>
+              <a:rPr lang="en-US" dirty="0"/>
+              <a:t> (</a:t>
+            </a:r>
+            <a:r>
+              <a:rPr lang="en-US" dirty="0" err="1"/>
+              <a:t>TermVectorF</a:t>
+            </a:r>
+            <a:r>
+              <a:rPr lang="en-US" dirty="0"/>
+              <a:t> </a:t>
             </a:r>
             <a:r>
               <a:rPr lang="en-US" i="1" dirty="0"/>
@@ -15062,8 +15016,29 @@
             </a:r>
             <a:r>
               <a:rPr lang="en-US" dirty="0"/>
-              <a:t> Int) Int) Int</a:t>
-            </a:r>
+              <a:t> </a:t>
+            </a:r>
+            <a:r>
+              <a:rPr lang="en-US" dirty="0" err="1"/>
+              <a:t>Int</a:t>
+            </a:r>
+            <a:r>
+              <a:rPr lang="en-US" dirty="0"/>
+              <a:t>) </a:t>
+            </a:r>
+            <a:r>
+              <a:rPr lang="en-US" dirty="0" err="1"/>
+              <a:t>Int</a:t>
+            </a:r>
+            <a:r>
+              <a:rPr lang="en-US" dirty="0"/>
+              <a:t>) </a:t>
+            </a:r>
+            <a:r>
+              <a:rPr lang="en-US" dirty="0" err="1"/>
+              <a:t>Int</a:t>
+            </a:r>
+            <a:endParaRPr lang="en-US" dirty="0"/>
           </a:p>
         </p:txBody>
       </p:sp>
@@ -15142,46 +15117,26 @@
           <a:bodyPr/>
           <a:lstStyle/>
           <a:p>
-            <a:pPr lvl="0">
-              <a:buClr>
-                <a:srgbClr val="FFCC99"/>
-              </a:buClr>
-              <a:buSzPct val="45000"/>
-              <a:buFont typeface="StarSymbol"/>
-              <a:buChar char="●"/>
-            </a:pPr>
-            <a:r>
-              <a:rPr lang="en-US" dirty="0"/>
+            <a:pPr lvl="0"/>
+            <a:r>
+              <a:rPr lang="en-US"/>
               <a:t>A program that contains implicit parameters (weights).</a:t>
             </a:r>
           </a:p>
           <a:p>
-            <a:pPr lvl="0">
-              <a:buClr>
-                <a:srgbClr val="FFCC99"/>
-              </a:buClr>
-              <a:buSzPct val="45000"/>
-              <a:buFont typeface="StarSymbol"/>
-              <a:buChar char="●"/>
-            </a:pPr>
-            <a:r>
-              <a:rPr lang="en-US" dirty="0"/>
+            <a:pPr lvl="0"/>
+            <a:r>
+              <a:rPr lang="en-US"/>
               <a:t>Find Best Weight</a:t>
             </a:r>
           </a:p>
           <a:p>
-            <a:pPr lvl="0">
-              <a:buClr>
-                <a:srgbClr val="FFCC99"/>
-              </a:buClr>
-              <a:buSzPct val="45000"/>
-              <a:buFont typeface="StarSymbol"/>
-              <a:buChar char="●"/>
-            </a:pPr>
-            <a:r>
-              <a:rPr lang="en-US" dirty="0"/>
+            <a:pPr lvl="0"/>
+            <a:r>
+              <a:rPr lang="en-US"/>
               <a:t>https://en.wikipedia.org/wiki/Gradient_descent</a:t>
             </a:r>
+            <a:endParaRPr lang="en-US" dirty="0"/>
           </a:p>
         </p:txBody>
       </p:sp>
@@ -15215,13 +15170,6 @@
             <a:off x="7098506" y="2137569"/>
             <a:ext cx="4248150" cy="4552950"/>
           </a:xfrm>
-          <a:prstGeom prst="rect">
-            <a:avLst/>
-          </a:prstGeom>
-          <a:noFill/>
-          <a:ln>
-            <a:noFill/>
-          </a:ln>
         </p:spPr>
       </p:pic>
     </p:spTree>
@@ -15299,17 +15247,26 @@
           <a:bodyPr/>
           <a:lstStyle/>
           <a:p>
-            <a:pPr lvl="0">
-              <a:buClr>
-                <a:srgbClr val="FFCC99"/>
-              </a:buClr>
-              <a:buSzPct val="45000"/>
-              <a:buFont typeface="StarSymbol"/>
-              <a:buChar char="●"/>
-            </a:pPr>
-            <a:r>
-              <a:rPr lang="en-US" dirty="0"/>
-              <a:t>State (Bimap (TermVectorF </a:t>
+            <a:pPr lvl="0"/>
+            <a:r>
+              <a:rPr lang="en-US" dirty="0"/>
+              <a:t>State (</a:t>
+            </a:r>
+            <a:r>
+              <a:rPr lang="en-US" dirty="0" err="1"/>
+              <a:t>Bimap</a:t>
+            </a:r>
+            <a:r>
+              <a:rPr lang="en-US" dirty="0"/>
+              <a:t> (</a:t>
+            </a:r>
+            <a:r>
+              <a:rPr lang="en-US" dirty="0" err="1"/>
+              <a:t>TermVectorF</a:t>
+            </a:r>
+            <a:r>
+              <a:rPr lang="en-US" dirty="0"/>
+              <a:t> </a:t>
             </a:r>
             <a:r>
               <a:rPr lang="en-US" i="1" dirty="0"/>
@@ -15317,91 +15274,122 @@
             </a:r>
             <a:r>
               <a:rPr lang="en-US" dirty="0"/>
-              <a:t> Int) Int)</a:t>
-            </a:r>
-          </a:p>
-          <a:p>
-            <a:pPr lvl="0">
-              <a:buClr>
-                <a:srgbClr val="FFCC99"/>
-              </a:buClr>
-              <a:buSzPct val="45000"/>
-              <a:buFont typeface="StarSymbol"/>
-              <a:buChar char="●"/>
-            </a:pPr>
-            <a:r>
-              <a:rPr lang="en-US" dirty="0"/>
-              <a:t>Insert empty bimap, get a pair of bimap and int</a:t>
-            </a:r>
-          </a:p>
-          <a:p>
-            <a:pPr lvl="0">
-              <a:buClr>
-                <a:srgbClr val="FFCC99"/>
-              </a:buClr>
-              <a:buSzPct val="45000"/>
-              <a:buFont typeface="StarSymbol"/>
-              <a:buChar char="●"/>
-            </a:pPr>
-            <a:r>
-              <a:rPr lang="en-US" dirty="0"/>
-              <a:t>Create Map Int Real</a:t>
-            </a:r>
-          </a:p>
-          <a:p>
-            <a:pPr lvl="0">
-              <a:buClr>
-                <a:srgbClr val="FFCC99"/>
-              </a:buClr>
-              <a:buSzPct val="45000"/>
-              <a:buFont typeface="StarSymbol"/>
-              <a:buChar char="●"/>
-            </a:pPr>
+              <a:t> </a:t>
+            </a:r>
+            <a:r>
+              <a:rPr lang="en-US" dirty="0" err="1"/>
+              <a:t>Int</a:t>
+            </a:r>
+            <a:r>
+              <a:rPr lang="en-US" dirty="0"/>
+              <a:t>) </a:t>
+            </a:r>
+            <a:r>
+              <a:rPr lang="en-US" dirty="0" err="1"/>
+              <a:t>Int</a:t>
+            </a:r>
+            <a:r>
+              <a:rPr lang="en-US" dirty="0"/>
+              <a:t>)</a:t>
+            </a:r>
+          </a:p>
+          <a:p>
+            <a:pPr lvl="0"/>
+            <a:r>
+              <a:rPr lang="en-US" dirty="0"/>
+              <a:t>Insert empty </a:t>
+            </a:r>
+            <a:r>
+              <a:rPr lang="en-US" dirty="0" err="1"/>
+              <a:t>bimap</a:t>
+            </a:r>
+            <a:r>
+              <a:rPr lang="en-US" dirty="0"/>
+              <a:t>, get a pair of </a:t>
+            </a:r>
+            <a:r>
+              <a:rPr lang="en-US" u="sng" dirty="0" err="1"/>
+              <a:t>bimap</a:t>
+            </a:r>
+            <a:r>
+              <a:rPr lang="en-US" dirty="0"/>
+              <a:t> and </a:t>
+            </a:r>
+            <a:r>
+              <a:rPr lang="en-US" u="sng" dirty="0" err="1"/>
+              <a:t>int</a:t>
+            </a:r>
+            <a:endParaRPr lang="en-US" u="sng" dirty="0"/>
+          </a:p>
+          <a:p>
+            <a:pPr lvl="0"/>
+            <a:r>
+              <a:rPr lang="en-US" dirty="0"/>
+              <a:t>Create Map </a:t>
+            </a:r>
+            <a:r>
+              <a:rPr lang="en-US" dirty="0" err="1"/>
+              <a:t>Int</a:t>
+            </a:r>
+            <a:r>
+              <a:rPr lang="en-US" dirty="0"/>
+              <a:t> Real</a:t>
+            </a:r>
+          </a:p>
+          <a:p>
+            <a:pPr lvl="0"/>
             <a:r>
               <a:rPr lang="en-US" dirty="0"/>
               <a:t>Map each AST to 'accumulating scaling value‘ - sensitivity</a:t>
             </a:r>
           </a:p>
           <a:p>
-            <a:pPr lvl="0">
-              <a:buClr>
-                <a:srgbClr val="FFCC99"/>
-              </a:buClr>
-              <a:buSzPct val="45000"/>
-              <a:buFont typeface="StarSymbol"/>
-              <a:buChar char="●"/>
-            </a:pPr>
-            <a:r>
-              <a:rPr lang="en-US" dirty="0"/>
-              <a:t>Wengert List.</a:t>
-            </a:r>
-          </a:p>
-          <a:p>
-            <a:pPr lvl="0">
-              <a:buClr>
-                <a:srgbClr val="FFCC99"/>
-              </a:buClr>
-              <a:buSzPct val="45000"/>
-              <a:buFont typeface="StarSymbol"/>
-              <a:buChar char="●"/>
-            </a:pPr>
-            <a:r>
-              <a:rPr lang="en-US" dirty="0"/>
-              <a:t>Recurse starting from nodeid, -1 every time</a:t>
-            </a:r>
-          </a:p>
-          <a:p>
-            <a:pPr lvl="0">
-              <a:buClr>
-                <a:srgbClr val="FFCC99"/>
-              </a:buClr>
-              <a:buSzPct val="45000"/>
-              <a:buFont typeface="StarSymbol"/>
-              <a:buChar char="●"/>
-            </a:pPr>
-            <a:r>
-              <a:rPr lang="en-US" dirty="0"/>
-              <a:t>Return State (Map Int Real) (FreeVectorBuilder </a:t>
+            <a:pPr lvl="0"/>
+            <a:r>
+              <a:rPr lang="en-US" dirty="0" err="1"/>
+              <a:t>Wengert</a:t>
+            </a:r>
+            <a:r>
+              <a:rPr lang="en-US" dirty="0"/>
+              <a:t> List.</a:t>
+            </a:r>
+          </a:p>
+          <a:p>
+            <a:pPr lvl="0"/>
+            <a:r>
+              <a:rPr lang="en-US" dirty="0"/>
+              <a:t>Recurse starting from </a:t>
+            </a:r>
+            <a:r>
+              <a:rPr lang="en-US" dirty="0" err="1"/>
+              <a:t>nodeid</a:t>
+            </a:r>
+            <a:r>
+              <a:rPr lang="en-US" dirty="0"/>
+              <a:t>, −1 every time</a:t>
+            </a:r>
+          </a:p>
+          <a:p>
+            <a:pPr lvl="0"/>
+            <a:r>
+              <a:rPr lang="en-US" dirty="0"/>
+              <a:t>Return State (Map </a:t>
+            </a:r>
+            <a:r>
+              <a:rPr lang="en-US" dirty="0" err="1"/>
+              <a:t>Int</a:t>
+            </a:r>
+            <a:r>
+              <a:rPr lang="en-US" dirty="0"/>
+              <a:t> Real) (</a:t>
+            </a:r>
+            <a:r>
+              <a:rPr lang="en-US" dirty="0" err="1"/>
+              <a:t>FreeVectorBuilder</a:t>
+            </a:r>
+            <a:r>
+              <a:rPr lang="en-US" dirty="0"/>
+              <a:t> </a:t>
             </a:r>
             <a:r>
               <a:rPr lang="en-US" i="1" dirty="0"/>
@@ -15457,14 +15445,12 @@
         </p:nvSpPr>
         <p:spPr/>
         <p:txBody>
-          <a:bodyPr>
-            <a:normAutofit fontScale="90000"/>
-          </a:bodyPr>
-          <a:lstStyle/>
-          <a:p>
-            <a:pPr lvl="0"/>
-            <a:r>
-              <a:rPr lang="en-US" sz="5866"/>
+          <a:bodyPr/>
+          <a:lstStyle/>
+          <a:p>
+            <a:pPr lvl="0"/>
+            <a:r>
+              <a:rPr lang="en-US"/>
               <a:t>Backward Mode = Back Propagation</a:t>
             </a:r>
           </a:p>
@@ -15491,17 +15477,18 @@
           <a:bodyPr/>
           <a:lstStyle/>
           <a:p>
-            <a:pPr lvl="0">
-              <a:buClr>
-                <a:srgbClr val="FFCC99"/>
-              </a:buClr>
-              <a:buSzPct val="45000"/>
-              <a:buFont typeface="StarSymbol"/>
-              <a:buChar char="●"/>
-            </a:pPr>
-            <a:r>
-              <a:rPr lang="en-US" dirty="0"/>
-              <a:t>Match on (TermVectorF </a:t>
+            <a:pPr lvl="0"/>
+            <a:r>
+              <a:rPr lang="en-US" dirty="0"/>
+              <a:t>Match on (</a:t>
+            </a:r>
+            <a:r>
+              <a:rPr lang="en-US" dirty="0" err="1"/>
+              <a:t>TermVectorF</a:t>
+            </a:r>
+            <a:r>
+              <a:rPr lang="en-US" dirty="0"/>
+              <a:t> </a:t>
             </a:r>
             <a:r>
               <a:rPr lang="en-US" i="1" dirty="0"/>
@@ -15509,18 +15496,19 @@
             </a:r>
             <a:r>
               <a:rPr lang="en-US" dirty="0"/>
-              <a:t> Int) from the map:</a:t>
-            </a:r>
-          </a:p>
-          <a:p>
-            <a:pPr lvl="0">
-              <a:buClr>
-                <a:srgbClr val="FFCC99"/>
-              </a:buClr>
-              <a:buSzPct val="45000"/>
-              <a:buFont typeface="StarSymbol"/>
-              <a:buChar char="●"/>
-            </a:pPr>
+              <a:t> </a:t>
+            </a:r>
+            <a:r>
+              <a:rPr lang="en-US" dirty="0" err="1"/>
+              <a:t>Int</a:t>
+            </a:r>
+            <a:r>
+              <a:rPr lang="en-US" dirty="0"/>
+              <a:t>) from the map:</a:t>
+            </a:r>
+          </a:p>
+          <a:p>
+            <a:pPr lvl="0"/>
             <a:r>
               <a:rPr lang="en-US" dirty="0"/>
               <a:t>Zero </a:t>
@@ -15535,14 +15523,7 @@
             </a:r>
           </a:p>
           <a:p>
-            <a:pPr lvl="0">
-              <a:buClr>
-                <a:srgbClr val="FFCC99"/>
-              </a:buClr>
-              <a:buSzPct val="45000"/>
-              <a:buFont typeface="StarSymbol"/>
-              <a:buChar char="●"/>
-            </a:pPr>
+            <a:pPr lvl="0"/>
             <a:r>
               <a:rPr lang="en-US" dirty="0"/>
               <a:t>Basis </a:t>
@@ -15565,21 +15546,14 @@
             </a:r>
           </a:p>
           <a:p>
-            <a:pPr lvl="0">
-              <a:buClr>
-                <a:srgbClr val="FFCC99"/>
-              </a:buClr>
-              <a:buSzPct val="45000"/>
-              <a:buFont typeface="StarSymbol"/>
-              <a:buChar char="●"/>
-            </a:pPr>
-            <a:r>
-              <a:rPr lang="en-US" i="1" dirty="0"/>
-              <a:t>l</a:t>
-            </a:r>
-            <a:r>
-              <a:rPr lang="en-US" dirty="0"/>
-              <a:t> `</a:t>
+            <a:pPr lvl="0"/>
+            <a:r>
+              <a:rPr lang="en-US" i="1" dirty="0"/>
+              <a:t>l </a:t>
+            </a:r>
+            <a:r>
+              <a:rPr lang="en-US" dirty="0"/>
+              <a:t>`</a:t>
             </a:r>
             <a:r>
               <a:rPr lang="en-US" dirty="0" err="1"/>
@@ -15607,11 +15581,11 @@
             </a:r>
             <a:r>
               <a:rPr lang="en-US" i="1" dirty="0"/>
-              <a:t>l </a:t>
-            </a:r>
-            <a:r>
-              <a:rPr lang="en-US" dirty="0"/>
-              <a:t>/ </a:t>
+              <a:t>l</a:t>
+            </a:r>
+            <a:r>
+              <a:rPr lang="en-US" dirty="0"/>
+              <a:t> / </a:t>
             </a:r>
             <a:r>
               <a:rPr lang="en-US" i="1" dirty="0"/>
@@ -15619,14 +15593,7 @@
             </a:r>
           </a:p>
           <a:p>
-            <a:pPr lvl="0">
-              <a:buClr>
-                <a:srgbClr val="FFCC99"/>
-              </a:buClr>
-              <a:buSzPct val="45000"/>
-              <a:buFont typeface="StarSymbol"/>
-              <a:buChar char="●"/>
-            </a:pPr>
+            <a:pPr lvl="0"/>
             <a:r>
               <a:rPr lang="en-US" i="1" dirty="0"/>
               <a:t>l</a:t>
@@ -15665,32 +15632,23 @@
             </a:r>
           </a:p>
           <a:p>
-            <a:pPr lvl="0">
-              <a:buClr>
-                <a:srgbClr val="FFCC99"/>
-              </a:buClr>
-              <a:buSzPct val="45000"/>
-              <a:buFont typeface="StarSymbol"/>
-              <a:buChar char="●"/>
-            </a:pPr>
-            <a:r>
-              <a:rPr lang="en-US" dirty="0"/>
-              <a:t>Recurse and add the two Builder</a:t>
-            </a:r>
-          </a:p>
-          <a:p>
-            <a:pPr lvl="0">
-              <a:buClr>
-                <a:srgbClr val="FFCC99"/>
-              </a:buClr>
-              <a:buSzPct val="45000"/>
-              <a:buFont typeface="StarSymbol"/>
-              <a:buChar char="●"/>
-            </a:pPr>
-            <a:r>
-              <a:rPr lang="en-US" dirty="0"/>
-              <a:t>Turn Builder into FreeVector</a:t>
-            </a:r>
+            <a:pPr lvl="0"/>
+            <a:r>
+              <a:rPr lang="en-US" dirty="0"/>
+              <a:t>Recurse and add the two Builders</a:t>
+            </a:r>
+          </a:p>
+          <a:p>
+            <a:pPr lvl="0"/>
+            <a:r>
+              <a:rPr lang="en-US" dirty="0"/>
+              <a:t>Turn Builder into </a:t>
+            </a:r>
+            <a:r>
+              <a:rPr lang="en-US" dirty="0" err="1"/>
+              <a:t>FreeVector</a:t>
+            </a:r>
+            <a:endParaRPr lang="en-US" dirty="0"/>
           </a:p>
         </p:txBody>
       </p:sp>
@@ -15742,8 +15700,8 @@
           <a:p>
             <a:pPr lvl="0"/>
             <a:r>
-              <a:rPr lang="en-US"/>
-              <a:t>Road map</a:t>
+              <a:rPr lang="en-US" dirty="0"/>
+              <a:t>Roadmap</a:t>
             </a:r>
           </a:p>
         </p:txBody>
@@ -15769,86 +15727,44 @@
           <a:bodyPr/>
           <a:lstStyle/>
           <a:p>
-            <a:pPr lvl="0">
-              <a:buClr>
-                <a:srgbClr val="FFCC99"/>
-              </a:buClr>
-              <a:buSzPct val="45000"/>
-              <a:buFont typeface="StarSymbol"/>
-              <a:buChar char="●"/>
-            </a:pPr>
+            <a:pPr lvl="0"/>
             <a:r>
               <a:rPr lang="en-US" dirty="0"/>
               <a:t>Neural Network</a:t>
             </a:r>
           </a:p>
           <a:p>
-            <a:pPr lvl="0">
-              <a:buClr>
-                <a:srgbClr val="FFCC99"/>
-              </a:buClr>
-              <a:buSzPct val="45000"/>
-              <a:buFont typeface="StarSymbol"/>
-              <a:buChar char="●"/>
-            </a:pPr>
+            <a:pPr lvl="0"/>
             <a:r>
               <a:rPr lang="en-US" dirty="0"/>
               <a:t>Naive Automatic Differentiation(AD) – Quadratic</a:t>
             </a:r>
           </a:p>
           <a:p>
-            <a:pPr lvl="0">
-              <a:buClr>
-                <a:srgbClr val="FFCC99"/>
-              </a:buClr>
-              <a:buSzPct val="45000"/>
-              <a:buFont typeface="StarSymbol"/>
-              <a:buChar char="●"/>
-            </a:pPr>
+            <a:pPr lvl="0"/>
             <a:r>
               <a:rPr lang="en-US" dirty="0"/>
               <a:t>Forward Mode AD</a:t>
             </a:r>
           </a:p>
           <a:p>
-            <a:pPr lvl="0">
-              <a:buClr>
-                <a:srgbClr val="FFCC99"/>
-              </a:buClr>
-              <a:buSzPct val="45000"/>
-              <a:buFont typeface="StarSymbol"/>
-              <a:buChar char="●"/>
-            </a:pPr>
+            <a:pPr lvl="0"/>
             <a:r>
               <a:rPr lang="en-US" dirty="0"/>
               <a:t>Derivative of Multiple Variable</a:t>
             </a:r>
           </a:p>
           <a:p>
-            <a:pPr lvl="0">
-              <a:buClr>
-                <a:srgbClr val="FFCC99"/>
-              </a:buClr>
-              <a:buSzPct val="45000"/>
-              <a:buFont typeface="StarSymbol"/>
-              <a:buChar char="●"/>
-            </a:pPr>
+            <a:pPr lvl="0"/>
             <a:r>
               <a:rPr lang="en-US" dirty="0"/>
               <a:t>Derivative of More Variable</a:t>
             </a:r>
           </a:p>
           <a:p>
-            <a:pPr lvl="0">
-              <a:buClr>
-                <a:srgbClr val="FFCC99"/>
-              </a:buClr>
-              <a:buSzPct val="45000"/>
-              <a:buFont typeface="StarSymbol"/>
-              <a:buChar char="●"/>
-            </a:pPr>
-            <a:r>
-              <a:rPr lang="en-US" dirty="0" err="1">
+            <a:pPr lvl="0"/>
+            <a:r>
+              <a:rPr lang="en-US" b="1" dirty="0" err="1">
                 <a:solidFill>
                   <a:schemeClr val="accent5"/>
                 </a:solidFill>
@@ -15856,7 +15772,7 @@
               <a:t>Impl</a:t>
             </a:r>
             <a:r>
-              <a:rPr lang="en-US" dirty="0">
+              <a:rPr lang="en-US" b="1" dirty="0">
                 <a:solidFill>
                   <a:schemeClr val="accent5"/>
                 </a:solidFill>
@@ -15865,14 +15781,7 @@
             </a:r>
           </a:p>
           <a:p>
-            <a:pPr lvl="0">
-              <a:buClr>
-                <a:srgbClr val="FFCC99"/>
-              </a:buClr>
-              <a:buSzPct val="45000"/>
-              <a:buFont typeface="StarSymbol"/>
-              <a:buChar char="●"/>
-            </a:pPr>
+            <a:pPr lvl="0"/>
             <a:r>
               <a:rPr lang="en-US" dirty="0"/>
               <a:t>Meaning of AD on PL</a:t>
@@ -15955,14 +15864,7 @@
           <a:bodyPr/>
           <a:lstStyle/>
           <a:p>
-            <a:pPr lvl="0">
-              <a:buClr>
-                <a:srgbClr val="FFCC99"/>
-              </a:buClr>
-              <a:buSzPct val="45000"/>
-              <a:buFont typeface="StarSymbol"/>
-              <a:buChar char="●"/>
-            </a:pPr>
+            <a:pPr lvl="0"/>
             <a:r>
               <a:rPr lang="en-US" dirty="0"/>
               <a:t>A NN of type </a:t>
@@ -15973,15 +15875,11 @@
             </a:r>
             <a:r>
               <a:rPr lang="en-US" dirty="0"/>
-              <a:t> is just a </a:t>
-            </a:r>
-            <a:r>
-              <a:rPr lang="en-US" b="1" dirty="0"/>
-              <a:t>exists</a:t>
-            </a:r>
-            <a:r>
-              <a:rPr lang="en-US" dirty="0"/>
-              <a:t> </a:t>
+              <a:t> is just an </a:t>
+            </a:r>
+            <a:r>
+              <a:rPr lang="zh-CN" altLang="en-US" b="1" dirty="0"/>
+              <a:t>∃</a:t>
             </a:r>
             <a:r>
               <a:rPr lang="en-US" i="1" dirty="0"/>
@@ -16009,36 +15907,23 @@
             </a:r>
           </a:p>
           <a:p>
-            <a:pPr lvl="0">
-              <a:buClr>
-                <a:srgbClr val="FFCC99"/>
-              </a:buClr>
-              <a:buSzPct val="45000"/>
-              <a:buFont typeface="StarSymbol"/>
-              <a:buChar char="●"/>
-            </a:pPr>
+            <a:pPr lvl="0"/>
             <a:r>
               <a:rPr lang="en-US" dirty="0"/>
               <a:t>A Term is a NN: </a:t>
             </a:r>
             <a:r>
-              <a:rPr lang="en-US" b="1" dirty="0"/>
-              <a:t>exists </a:t>
-            </a:r>
-            <a:r>
-              <a:rPr lang="en-US" dirty="0"/>
-              <a:t>()</a:t>
-            </a:r>
-          </a:p>
-          <a:p>
-            <a:pPr lvl="0">
-              <a:buClr>
-                <a:srgbClr val="FFCC99"/>
-              </a:buClr>
-              <a:buSzPct val="45000"/>
-              <a:buFont typeface="StarSymbol"/>
-              <a:buChar char="●"/>
-            </a:pPr>
+              <a:rPr lang="zh-CN" altLang="en-US" b="1" dirty="0"/>
+              <a:t>∃</a:t>
+            </a:r>
+            <a:r>
+              <a:rPr lang="en-US" altLang="zh-CN" dirty="0"/>
+              <a:t>Unit</a:t>
+            </a:r>
+            <a:endParaRPr lang="en-US" dirty="0"/>
+          </a:p>
+          <a:p>
+            <a:pPr lvl="0"/>
             <a:r>
               <a:rPr lang="en-US" dirty="0"/>
               <a:t>Term (</a:t>
@@ -16073,14 +15958,7 @@
             </a:r>
           </a:p>
           <a:p>
-            <a:pPr lvl="0">
-              <a:buClr>
-                <a:srgbClr val="FFCC99"/>
-              </a:buClr>
-              <a:buSzPct val="45000"/>
-              <a:buFont typeface="StarSymbol"/>
-              <a:buChar char="●"/>
-            </a:pPr>
+            <a:pPr lvl="0"/>
             <a:r>
               <a:rPr lang="en-US" dirty="0"/>
               <a:t>Finally Tagless</a:t>
@@ -16163,28 +16041,14 @@
           <a:bodyPr/>
           <a:lstStyle/>
           <a:p>
-            <a:pPr lvl="0">
-              <a:buClr>
-                <a:srgbClr val="FFCC99"/>
-              </a:buClr>
-              <a:buSzPct val="45000"/>
-              <a:buFont typeface="StarSymbol"/>
-              <a:buChar char="●"/>
-            </a:pPr>
+            <a:pPr lvl="0"/>
             <a:r>
               <a:rPr lang="en-US" dirty="0"/>
               <a:t>weight : NN Real</a:t>
             </a:r>
           </a:p>
           <a:p>
-            <a:pPr lvl="0">
-              <a:buClr>
-                <a:srgbClr val="FFCC99"/>
-              </a:buClr>
-              <a:buSzPct val="45000"/>
-              <a:buFont typeface="StarSymbol"/>
-              <a:buChar char="●"/>
-            </a:pPr>
+            <a:pPr lvl="0"/>
             <a:r>
               <a:rPr lang="en-US" dirty="0"/>
               <a:t>sigmoid </a:t>
@@ -16215,42 +16079,29 @@
             </a:r>
           </a:p>
           <a:p>
-            <a:pPr lvl="0">
-              <a:buClr>
-                <a:srgbClr val="FFCC99"/>
-              </a:buClr>
-              <a:buSzPct val="45000"/>
-              <a:buFont typeface="StarSymbol"/>
-              <a:buChar char="●"/>
-            </a:pPr>
+            <a:pPr lvl="0"/>
             <a:r>
               <a:rPr lang="en-US" dirty="0"/>
               <a:t>add, bias, scale</a:t>
             </a:r>
           </a:p>
           <a:p>
-            <a:pPr lvl="0">
-              <a:buClr>
-                <a:srgbClr val="FFCC99"/>
-              </a:buClr>
-              <a:buSzPct val="45000"/>
-              <a:buFont typeface="StarSymbol"/>
-              <a:buChar char="●"/>
-            </a:pPr>
-            <a:r>
-              <a:rPr lang="en-US" dirty="0"/>
-              <a:t>neuron : NN ((Real * Real) -&gt; Real)</a:t>
-            </a:r>
-          </a:p>
-          <a:p>
-            <a:pPr lvl="0">
-              <a:buClr>
-                <a:srgbClr val="FFCC99"/>
-              </a:buClr>
-              <a:buSzPct val="45000"/>
-              <a:buFont typeface="StarSymbol"/>
-              <a:buChar char="●"/>
-            </a:pPr>
+            <a:pPr lvl="0"/>
+            <a:r>
+              <a:rPr lang="en-US" dirty="0"/>
+              <a:t>neuron : NN ((Real * Real) </a:t>
+            </a:r>
+            <a:r>
+              <a:rPr lang="zh-CN" altLang="en-US" dirty="0"/>
+              <a:t>→</a:t>
+            </a:r>
+            <a:r>
+              <a:rPr lang="en-US" dirty="0"/>
+              <a:t> Real)</a:t>
+            </a:r>
+          </a:p>
+          <a:p>
+            <a:pPr lvl="0"/>
             <a:r>
               <a:rPr lang="en-US" dirty="0" err="1"/>
               <a:t>xor</a:t>
@@ -16261,28 +16112,14 @@
             </a:r>
           </a:p>
           <a:p>
-            <a:pPr lvl="0">
-              <a:buClr>
-                <a:srgbClr val="FFCC99"/>
-              </a:buClr>
-              <a:buSzPct val="45000"/>
-              <a:buFont typeface="StarSymbol"/>
-              <a:buChar char="●"/>
-            </a:pPr>
+            <a:pPr lvl="0"/>
             <a:r>
               <a:rPr lang="en-US" dirty="0"/>
               <a:t>loss : NN ((Real → Real → Real) → Real)</a:t>
             </a:r>
           </a:p>
           <a:p>
-            <a:pPr lvl="0">
-              <a:buClr>
-                <a:srgbClr val="FFCC99"/>
-              </a:buClr>
-              <a:buSzPct val="45000"/>
-              <a:buFont typeface="StarSymbol"/>
-              <a:buChar char="●"/>
-            </a:pPr>
+            <a:pPr lvl="0"/>
             <a:r>
               <a:rPr lang="en-US" dirty="0"/>
               <a:t>loss </a:t>
@@ -16346,8 +16183,8 @@
           <a:p>
             <a:pPr lvl="0"/>
             <a:r>
-              <a:rPr lang="en-US"/>
-              <a:t>Road map</a:t>
+              <a:rPr lang="en-US" dirty="0"/>
+              <a:t>Roadmap</a:t>
             </a:r>
           </a:p>
         </p:txBody>
@@ -16373,84 +16210,42 @@
           <a:bodyPr/>
           <a:lstStyle/>
           <a:p>
-            <a:pPr lvl="0">
-              <a:buClr>
-                <a:srgbClr val="FFCC99"/>
-              </a:buClr>
-              <a:buSzPct val="45000"/>
-              <a:buFont typeface="StarSymbol"/>
-              <a:buChar char="●"/>
-            </a:pPr>
+            <a:pPr lvl="0"/>
             <a:r>
               <a:rPr lang="en-US" dirty="0"/>
               <a:t>Neural Network</a:t>
             </a:r>
           </a:p>
           <a:p>
-            <a:pPr lvl="0">
-              <a:buClr>
-                <a:srgbClr val="FFCC99"/>
-              </a:buClr>
-              <a:buSzPct val="45000"/>
-              <a:buFont typeface="StarSymbol"/>
-              <a:buChar char="●"/>
-            </a:pPr>
+            <a:pPr lvl="0"/>
             <a:r>
               <a:rPr lang="en-US" dirty="0"/>
               <a:t>Naive Automatic Differentiation(AD) – Quadratic</a:t>
             </a:r>
           </a:p>
           <a:p>
-            <a:pPr lvl="0">
-              <a:buClr>
-                <a:srgbClr val="FFCC99"/>
-              </a:buClr>
-              <a:buSzPct val="45000"/>
-              <a:buFont typeface="StarSymbol"/>
-              <a:buChar char="●"/>
-            </a:pPr>
+            <a:pPr lvl="0"/>
             <a:r>
               <a:rPr lang="en-US" dirty="0"/>
               <a:t>Forward Mode AD</a:t>
             </a:r>
           </a:p>
           <a:p>
-            <a:pPr lvl="0">
-              <a:buClr>
-                <a:srgbClr val="FFCC99"/>
-              </a:buClr>
-              <a:buSzPct val="45000"/>
-              <a:buFont typeface="StarSymbol"/>
-              <a:buChar char="●"/>
-            </a:pPr>
+            <a:pPr lvl="0"/>
             <a:r>
               <a:rPr lang="en-US" dirty="0"/>
               <a:t>Derivative of Multiple Variable</a:t>
             </a:r>
           </a:p>
           <a:p>
-            <a:pPr lvl="0">
-              <a:buClr>
-                <a:srgbClr val="FFCC99"/>
-              </a:buClr>
-              <a:buSzPct val="45000"/>
-              <a:buFont typeface="StarSymbol"/>
-              <a:buChar char="●"/>
-            </a:pPr>
+            <a:pPr lvl="0"/>
             <a:r>
               <a:rPr lang="en-US" dirty="0"/>
               <a:t>Derivative of More Variable</a:t>
             </a:r>
           </a:p>
           <a:p>
-            <a:pPr lvl="0">
-              <a:buClr>
-                <a:srgbClr val="FFCC99"/>
-              </a:buClr>
-              <a:buSzPct val="45000"/>
-              <a:buFont typeface="StarSymbol"/>
-              <a:buChar char="●"/>
-            </a:pPr>
+            <a:pPr lvl="0"/>
             <a:r>
               <a:rPr lang="en-US" dirty="0" err="1"/>
               <a:t>Impl</a:t>
@@ -16461,16 +16256,9 @@
             </a:r>
           </a:p>
           <a:p>
-            <a:pPr lvl="0">
-              <a:buClr>
-                <a:srgbClr val="FFCC99"/>
-              </a:buClr>
-              <a:buSzPct val="45000"/>
-              <a:buFont typeface="StarSymbol"/>
-              <a:buChar char="●"/>
-            </a:pPr>
-            <a:r>
-              <a:rPr lang="en-US" dirty="0">
+            <a:pPr lvl="0"/>
+            <a:r>
+              <a:rPr lang="en-US" b="1" dirty="0">
                 <a:solidFill>
                   <a:schemeClr val="accent5"/>
                 </a:solidFill>
@@ -16490,7 +16278,7 @@
 
 <file path=ppt/slides/slide36.xml><?xml version="1.0" encoding="utf-8"?>
 <p:sld xmlns:a="http://schemas.openxmlformats.org/drawingml/2006/main" xmlns:r="http://schemas.openxmlformats.org/officeDocument/2006/relationships" xmlns:p="http://schemas.openxmlformats.org/presentationml/2006/main">
-  <p:cSld name="page36">
+  <p:cSld>
     <p:spTree>
       <p:nvGrpSpPr>
         <p:cNvPr id="1" name=""/>
@@ -16510,11 +16298,11 @@
           <p:cNvPr id="2" name="标题 1">
             <a:extLst>
               <a:ext uri="{FF2B5EF4-FFF2-40B4-BE49-F238E27FC236}">
-                <a16:creationId xmlns:a16="http://schemas.microsoft.com/office/drawing/2014/main" id="{F5DDDE05-259F-46E3-906A-500D44EB8C1B}"/>
-              </a:ext>
-            </a:extLst>
-          </p:cNvPr>
-          <p:cNvSpPr txBox="1">
+                <a16:creationId xmlns:a16="http://schemas.microsoft.com/office/drawing/2014/main" id="{EB3D18EB-3A5C-4D62-B86B-ED05E567D25F}"/>
+              </a:ext>
+            </a:extLst>
+          </p:cNvPr>
+          <p:cNvSpPr>
             <a:spLocks noGrp="1"/>
           </p:cNvSpPr>
           <p:nvPr>
@@ -16524,28 +16312,35 @@
         <p:spPr/>
         <p:txBody>
           <a:bodyPr>
-            <a:normAutofit/>
+            <a:normAutofit fontScale="90000"/>
           </a:bodyPr>
           <a:lstStyle/>
           <a:p>
-            <a:pPr lvl="0"/>
-            <a:r>
-              <a:rPr lang="en-US" sz="4266"/>
-              <a:t>Meaning of differentiating higher order function</a:t>
-            </a:r>
-          </a:p>
-        </p:txBody>
-      </p:sp>
-      <p:sp>
-        <p:nvSpPr>
-          <p:cNvPr id="3" name="文本占位符 2">
-            <a:extLst>
-              <a:ext uri="{FF2B5EF4-FFF2-40B4-BE49-F238E27FC236}">
-                <a16:creationId xmlns:a16="http://schemas.microsoft.com/office/drawing/2014/main" id="{377805C6-B89E-4EDE-B71D-3FE8F7459584}"/>
-              </a:ext>
-            </a:extLst>
-          </p:cNvPr>
-          <p:cNvSpPr txBox="1">
+            <a:r>
+              <a:rPr lang="en-US" sz="5400" dirty="0"/>
+              <a:t>Meaning of Differentiating</a:t>
+            </a:r>
+            <a:br>
+              <a:rPr lang="en-US" sz="5400" dirty="0"/>
+            </a:br>
+            <a:r>
+              <a:rPr lang="en-US" sz="5400" dirty="0"/>
+              <a:t>Higher Order Function</a:t>
+            </a:r>
+            <a:endParaRPr lang="en-US" dirty="0"/>
+          </a:p>
+        </p:txBody>
+      </p:sp>
+      <p:sp>
+        <p:nvSpPr>
+          <p:cNvPr id="3" name="内容占位符 2">
+            <a:extLst>
+              <a:ext uri="{FF2B5EF4-FFF2-40B4-BE49-F238E27FC236}">
+                <a16:creationId xmlns:a16="http://schemas.microsoft.com/office/drawing/2014/main" id="{3B1DD6B3-FE08-4F88-85AE-392755912223}"/>
+              </a:ext>
+            </a:extLst>
+          </p:cNvPr>
+          <p:cNvSpPr>
             <a:spLocks noGrp="1"/>
           </p:cNvSpPr>
           <p:nvPr>
@@ -16554,86 +16349,125 @@
         </p:nvSpPr>
         <p:spPr/>
         <p:txBody>
-          <a:bodyPr>
-            <a:normAutofit/>
-          </a:bodyPr>
-          <a:lstStyle/>
-          <a:p>
-            <a:pPr lvl="0">
-              <a:buClr>
-                <a:srgbClr val="FFCC99"/>
-              </a:buClr>
-              <a:buSzPct val="45000"/>
-              <a:buFont typeface="StarSymbol"/>
-              <a:buChar char="●"/>
+          <a:bodyPr/>
+          <a:lstStyle/>
+          <a:p>
+            <a:r>
+              <a:rPr lang="en-US" dirty="0"/>
+              <a:t>We need to step back</a:t>
+            </a:r>
+          </a:p>
+          <a:p>
+            <a:r>
+              <a:rPr lang="en-US" dirty="0"/>
+              <a:t>Denote to nonstandard language Term, </a:t>
+            </a:r>
+            <a:r>
+              <a:rPr lang="en-US" dirty="0" err="1"/>
+              <a:t>NonStdTerm</a:t>
+            </a:r>
+            <a:endParaRPr lang="en-US" dirty="0"/>
+          </a:p>
+          <a:p>
+            <a:r>
+              <a:rPr lang="en-US" dirty="0"/>
+              <a:t>Same as the old STLC:</a:t>
+            </a:r>
+          </a:p>
+          <a:p>
+            <a:pPr marL="0" indent="0">
+              <a:buNone/>
             </a:pPr>
             <a:r>
               <a:rPr lang="en-US" dirty="0"/>
-              <a:t>We need to step back</a:t>
-            </a:r>
-          </a:p>
-          <a:p>
-            <a:pPr lvl="0">
-              <a:buClr>
-                <a:srgbClr val="FFCC99"/>
-              </a:buClr>
-              <a:buSzPct val="45000"/>
-              <a:buFont typeface="StarSymbol"/>
-              <a:buChar char="●"/>
+              <a:t>old </a:t>
+            </a:r>
+            <a:r>
+              <a:rPr lang="en-US" b="1" dirty="0"/>
+              <a:t>lit</a:t>
+            </a:r>
+            <a:r>
+              <a:rPr lang="en-US" dirty="0"/>
+              <a:t>: Real → Term Real		||		</a:t>
+            </a:r>
+            <a:r>
+              <a:rPr lang="en-US" b="1" dirty="0"/>
+              <a:t>lit</a:t>
+            </a:r>
+            <a:r>
+              <a:rPr lang="en-US" dirty="0"/>
+              <a:t>: (Real → Real) → Term Real</a:t>
+            </a:r>
+          </a:p>
+          <a:p>
+            <a:pPr marL="0" indent="0">
+              <a:buNone/>
             </a:pPr>
             <a:r>
-              <a:rPr lang="en-US" dirty="0"/>
-              <a:t>Denote to nonstandard language Term, NonStdTerm</a:t>
-            </a:r>
-          </a:p>
-          <a:p>
-            <a:pPr lvl="0">
-              <a:buClr>
-                <a:srgbClr val="FFCC99"/>
-              </a:buClr>
-              <a:buSzPct val="45000"/>
-              <a:buFont typeface="StarSymbol"/>
-              <a:buChar char="●"/>
+              <a:rPr lang="en-US" b="1" dirty="0"/>
+              <a:t>lit</a:t>
+            </a:r>
+            <a:r>
+              <a:rPr lang="en-US" dirty="0"/>
+              <a:t> </a:t>
+            </a:r>
+            <a:r>
+              <a:rPr lang="en-US" i="1" dirty="0"/>
+              <a:t>x</a:t>
+            </a:r>
+            <a:r>
+              <a:rPr lang="en-US" dirty="0"/>
+              <a:t>										→		</a:t>
+            </a:r>
+            <a:r>
+              <a:rPr lang="en-US" b="1" dirty="0"/>
+              <a:t>lit</a:t>
+            </a:r>
+            <a:r>
+              <a:rPr lang="en-US" dirty="0"/>
+              <a:t> (\_ → </a:t>
+            </a:r>
+            <a:r>
+              <a:rPr lang="en-US" i="1" dirty="0"/>
+              <a:t>x</a:t>
+            </a:r>
+            <a:r>
+              <a:rPr lang="en-US" dirty="0"/>
+              <a:t>)</a:t>
+            </a:r>
+          </a:p>
+          <a:p>
+            <a:pPr marL="0" indent="0">
+              <a:buNone/>
             </a:pPr>
             <a:r>
               <a:rPr lang="en-US" dirty="0"/>
-              <a:t>Same as the old STLC:</a:t>
-            </a:r>
-          </a:p>
-          <a:p>
-            <a:pPr lvl="0">
-              <a:buClr>
-                <a:srgbClr val="FFCC99"/>
-              </a:buClr>
-              <a:buSzPct val="45000"/>
-              <a:buFont typeface="StarSymbol"/>
-              <a:buChar char="●"/>
+              <a:t>+											→		+, with operational semantic of</a:t>
+            </a:r>
+          </a:p>
+          <a:p>
+            <a:pPr marL="0" indent="0">
+              <a:buNone/>
             </a:pPr>
             <a:r>
               <a:rPr lang="en-US" dirty="0"/>
-              <a:t>old lit: Real → Term Real			||		lit: (Real → Real) → Term Real</a:t>
-            </a:r>
-          </a:p>
-          <a:p>
-            <a:pPr lvl="0">
-              <a:buClr>
-                <a:srgbClr val="FFCC99"/>
-              </a:buClr>
-              <a:buSzPct val="45000"/>
-              <a:buFont typeface="StarSymbol"/>
-              <a:buChar char="●"/>
-            </a:pPr>
-            <a:r>
-              <a:rPr lang="en-US" dirty="0"/>
-              <a:t>lit </a:t>
-            </a:r>
-            <a:r>
-              <a:rPr lang="en-US" i="1" dirty="0"/>
-              <a:t>x											</a:t>
-            </a:r>
-            <a:r>
-              <a:rPr lang="en-US" dirty="0"/>
-              <a:t>→		lit (\_ → </a:t>
+              <a:t>														lit </a:t>
+            </a:r>
+            <a:r>
+              <a:rPr lang="en-US" i="1" dirty="0"/>
+              <a:t>l</a:t>
+            </a:r>
+            <a:r>
+              <a:rPr lang="en-US" dirty="0"/>
+              <a:t> + lit </a:t>
+            </a:r>
+            <a:r>
+              <a:rPr lang="en-US" i="1" dirty="0"/>
+              <a:t>r</a:t>
+            </a:r>
+            <a:r>
+              <a:rPr lang="en-US" dirty="0"/>
+              <a:t> → lit (\</a:t>
             </a:r>
             <a:r>
               <a:rPr lang="en-US" i="1" dirty="0"/>
@@ -16641,80 +16475,36 @@
             </a:r>
             <a:r>
               <a:rPr lang="en-US" dirty="0"/>
+              <a:t> → </a:t>
+            </a:r>
+            <a:r>
+              <a:rPr lang="en-US" i="1" dirty="0"/>
+              <a:t>l x</a:t>
+            </a:r>
+            <a:r>
+              <a:rPr lang="en-US" dirty="0"/>
+              <a:t> + </a:t>
+            </a:r>
+            <a:r>
+              <a:rPr lang="en-US" i="1" dirty="0"/>
+              <a:t>r x</a:t>
+            </a:r>
+            <a:r>
+              <a:rPr lang="en-US" dirty="0"/>
               <a:t>)</a:t>
             </a:r>
           </a:p>
           <a:p>
-            <a:pPr lvl="0">
-              <a:buClr>
-                <a:srgbClr val="FFCC99"/>
-              </a:buClr>
-              <a:buSzPct val="45000"/>
-              <a:buFont typeface="StarSymbol"/>
-              <a:buChar char="●"/>
-            </a:pPr>
-            <a:r>
-              <a:rPr lang="en-US" dirty="0"/>
-              <a:t>+											→		+, with operational semantic of</a:t>
-            </a:r>
-          </a:p>
-          <a:p>
-            <a:pPr lvl="0">
-              <a:buClr>
-                <a:srgbClr val="FFCC99"/>
-              </a:buClr>
-              <a:buSzPct val="45000"/>
-              <a:buFont typeface="StarSymbol"/>
-              <a:buChar char="●"/>
-            </a:pPr>
-            <a:r>
-              <a:rPr lang="en-US" dirty="0"/>
-              <a:t>														lit </a:t>
-            </a:r>
-            <a:r>
-              <a:rPr lang="en-US" i="1" dirty="0"/>
-              <a:t>l</a:t>
-            </a:r>
-            <a:r>
-              <a:rPr lang="en-US" dirty="0"/>
-              <a:t> + lit </a:t>
-            </a:r>
-            <a:r>
-              <a:rPr lang="en-US" i="1" dirty="0"/>
-              <a:t>r</a:t>
-            </a:r>
-            <a:r>
-              <a:rPr lang="en-US" dirty="0"/>
-              <a:t> → lit (\</a:t>
-            </a:r>
-            <a:r>
-              <a:rPr lang="en-US" i="1" dirty="0"/>
-              <a:t>x</a:t>
-            </a:r>
-            <a:r>
-              <a:rPr lang="en-US" dirty="0"/>
-              <a:t> → </a:t>
-            </a:r>
-            <a:r>
-              <a:rPr lang="en-US" i="1" dirty="0"/>
-              <a:t>l x</a:t>
-            </a:r>
-            <a:r>
-              <a:rPr lang="en-US" dirty="0"/>
-              <a:t> + </a:t>
-            </a:r>
-            <a:r>
-              <a:rPr lang="en-US" i="1" dirty="0"/>
-              <a:t>r x</a:t>
-            </a:r>
-            <a:r>
-              <a:rPr lang="en-US" dirty="0"/>
-              <a:t>)</a:t>
-            </a:r>
+            <a:endParaRPr lang="en-US" dirty="0"/>
           </a:p>
         </p:txBody>
       </p:sp>
     </p:spTree>
+    <p:extLst>
+      <p:ext uri="{BB962C8B-B14F-4D97-AF65-F5344CB8AC3E}">
+        <p14:creationId xmlns:p14="http://schemas.microsoft.com/office/powerpoint/2010/main" val="749043992"/>
+      </p:ext>
+    </p:extLst>
   </p:cSld>
   <p:clrMapOvr>
     <a:masterClrMapping/>
@@ -16762,8 +16552,8 @@
           <a:p>
             <a:pPr lvl="0"/>
             <a:r>
-              <a:rPr lang="en-US"/>
-              <a:t>Back to the problem</a:t>
+              <a:rPr lang="en-US" dirty="0"/>
+              <a:t>Back to The Problem</a:t>
             </a:r>
           </a:p>
         </p:txBody>
@@ -16787,7 +16577,7 @@
         <p:spPr/>
         <p:txBody>
           <a:bodyPr>
-            <a:normAutofit lnSpcReduction="10000"/>
+            <a:normAutofit/>
           </a:bodyPr>
           <a:lstStyle/>
           <a:p>
@@ -16803,7 +16593,7 @@
               <a:t>LR: </a:t>
             </a:r>
             <a:r>
-              <a:rPr lang="en-US" b="1" dirty="0"/>
+              <a:rPr lang="en-US" b="1" dirty="0" err="1"/>
               <a:t>forall</a:t>
             </a:r>
             <a:r>
@@ -16816,7 +16606,7 @@
             </a:r>
             <a:r>
               <a:rPr lang="en-US" dirty="0"/>
-              <a:t>, NonStdTerm (DiffType </a:t>
+              <a:t>. NonStdTerm (DiffType </a:t>
             </a:r>
             <a:r>
               <a:rPr lang="en-US" i="1" dirty="0"/>
@@ -16865,7 +16655,7 @@
             </a:r>
             <a:r>
               <a:rPr lang="en-US" dirty="0"/>
-              <a:t> = </a:t>
+              <a:t>  =	</a:t>
             </a:r>
             <a:r>
               <a:rPr lang="en-US" b="1" dirty="0"/>
@@ -16889,7 +16679,90 @@
             </a:r>
             <a:r>
               <a:rPr lang="en-US" dirty="0"/>
-              <a:t>,</a:t>
+              <a:t>. </a:t>
+            </a:r>
+            <a:r>
+              <a:rPr lang="en-US" i="1" dirty="0"/>
+              <a:t>t</a:t>
+            </a:r>
+            <a:r>
+              <a:rPr lang="en-US" dirty="0"/>
+              <a:t> </a:t>
+            </a:r>
+            <a:r>
+              <a:rPr lang="en-US" u="sng" dirty="0"/>
+              <a:t>evaluates to</a:t>
+            </a:r>
+            <a:r>
+              <a:rPr lang="en-US" dirty="0"/>
+              <a:t> app (app (mkProd </a:t>
+            </a:r>
+            <a:r>
+              <a:rPr lang="en-US" i="1" dirty="0"/>
+              <a:t>x</a:t>
+            </a:r>
+            <a:r>
+              <a:rPr lang="en-US" dirty="0"/>
+              <a:t>) </a:t>
+            </a:r>
+            <a:r>
+              <a:rPr lang="en-US" i="1" dirty="0"/>
+              <a:t>y</a:t>
+            </a:r>
+            <a:r>
+              <a:rPr lang="en-US" dirty="0"/>
+              <a:t>),</a:t>
+            </a:r>
+            <a:br>
+              <a:rPr lang="en-US" dirty="0"/>
+            </a:br>
+            <a:r>
+              <a:rPr lang="en-US" dirty="0"/>
+              <a:t>					</a:t>
+            </a:r>
+            <a:r>
+              <a:rPr lang="en-US" b="1" dirty="0"/>
+              <a:t>and </a:t>
+            </a:r>
+            <a:r>
+              <a:rPr lang="en-US" dirty="0"/>
+              <a:t>LR </a:t>
+            </a:r>
+            <a:r>
+              <a:rPr lang="en-US" i="1" dirty="0"/>
+              <a:t>l</a:t>
+            </a:r>
+            <a:r>
+              <a:rPr lang="en-US" dirty="0"/>
+              <a:t> </a:t>
+            </a:r>
+            <a:r>
+              <a:rPr lang="en-US" i="1" dirty="0"/>
+              <a:t>x</a:t>
+            </a:r>
+            <a:r>
+              <a:rPr lang="en-US" dirty="0"/>
+              <a:t> </a:t>
+            </a:r>
+            <a:r>
+              <a:rPr lang="en-US" b="1" dirty="0"/>
+              <a:t>and</a:t>
+            </a:r>
+            <a:r>
+              <a:rPr lang="en-US" dirty="0"/>
+              <a:t> LR </a:t>
+            </a:r>
+            <a:r>
+              <a:rPr lang="en-US" i="1" dirty="0"/>
+              <a:t>r</a:t>
+            </a:r>
+            <a:r>
+              <a:rPr lang="en-US" dirty="0"/>
+              <a:t> </a:t>
+            </a:r>
+            <a:r>
+              <a:rPr lang="en-US" i="1" dirty="0"/>
+              <a:t>y</a:t>
             </a:r>
           </a:p>
           <a:p>
@@ -16901,20 +16774,72 @@
               <a:buNone/>
             </a:pPr>
             <a:r>
-              <a:rPr lang="en-US" i="1" dirty="0"/>
-              <a:t>	t</a:t>
+              <a:rPr lang="en-US" dirty="0"/>
+              <a:t>LR (</a:t>
+            </a:r>
+            <a:r>
+              <a:rPr lang="en-US" i="1" dirty="0"/>
+              <a:t>l</a:t>
+            </a:r>
+            <a:r>
+              <a:rPr lang="en-US" dirty="0"/>
+              <a:t> + </a:t>
+            </a:r>
+            <a:r>
+              <a:rPr lang="en-US" i="1" dirty="0"/>
+              <a:t>r</a:t>
+            </a:r>
+            <a:r>
+              <a:rPr lang="en-US" dirty="0"/>
+              <a:t>) </a:t>
+            </a:r>
+            <a:r>
+              <a:rPr lang="en-US" i="1" dirty="0"/>
+              <a:t>t</a:t>
+            </a:r>
+            <a:r>
+              <a:rPr lang="en-US" dirty="0"/>
+              <a:t> =	</a:t>
+            </a:r>
+            <a:r>
+              <a:rPr lang="en-US" b="1" dirty="0"/>
+              <a:t>exists</a:t>
             </a:r>
             <a:r>
               <a:rPr lang="en-US" dirty="0"/>
               <a:t> </a:t>
             </a:r>
             <a:r>
+              <a:rPr lang="en-US" i="1" dirty="0"/>
+              <a:t>x</a:t>
+            </a:r>
+            <a:r>
+              <a:rPr lang="en-US" dirty="0"/>
+              <a:t>. </a:t>
+            </a:r>
+            <a:r>
+              <a:rPr lang="en-US" i="1" dirty="0"/>
+              <a:t>t</a:t>
+            </a:r>
+            <a:r>
+              <a:rPr lang="en-US" dirty="0"/>
+              <a:t> </a:t>
+            </a:r>
+            <a:r>
               <a:rPr lang="en-US" u="sng" dirty="0"/>
-              <a:t>eval to</a:t>
-            </a:r>
-            <a:r>
-              <a:rPr lang="en-US" dirty="0"/>
-              <a:t> app (app (mkProd </a:t>
+              <a:t>evaluates to</a:t>
+            </a:r>
+            <a:r>
+              <a:rPr lang="en-US" dirty="0"/>
+              <a:t> app </a:t>
+            </a:r>
+            <a:r>
+              <a:rPr lang="en-US" b="1" dirty="0"/>
+              <a:t>left</a:t>
+            </a:r>
+            <a:r>
+              <a:rPr lang="en-US" dirty="0"/>
+              <a:t> </a:t>
             </a:r>
             <a:r>
               <a:rPr lang="en-US" i="1" dirty="0"/>
@@ -16922,7 +16847,26 @@
             </a:r>
             <a:r>
               <a:rPr lang="en-US" dirty="0"/>
-              <a:t>) </a:t>
+              <a:t>, LR </a:t>
+            </a:r>
+            <a:r>
+              <a:rPr lang="en-US" i="1" dirty="0"/>
+              <a:t>l x</a:t>
+            </a:r>
+            <a:br>
+              <a:rPr lang="en-US" i="1" dirty="0"/>
+            </a:br>
+            <a:r>
+              <a:rPr lang="en-US" dirty="0"/>
+              <a:t>			</a:t>
+            </a:r>
+            <a:r>
+              <a:rPr lang="en-US" b="1" dirty="0"/>
+              <a:t>or,	exists</a:t>
+            </a:r>
+            <a:r>
+              <a:rPr lang="en-US" dirty="0"/>
+              <a:t> </a:t>
             </a:r>
             <a:r>
               <a:rPr lang="en-US" i="1" dirty="0"/>
@@ -16930,19 +16874,35 @@
             </a:r>
             <a:r>
               <a:rPr lang="en-US" dirty="0"/>
-              <a:t>), LR </a:t>
-            </a:r>
-            <a:r>
-              <a:rPr lang="en-US" i="1" dirty="0"/>
-              <a:t>l</a:t>
+              <a:t>. </a:t>
+            </a:r>
+            <a:r>
+              <a:rPr lang="en-US" i="1" dirty="0"/>
+              <a:t>t</a:t>
             </a:r>
             <a:r>
               <a:rPr lang="en-US" dirty="0"/>
               <a:t> </a:t>
             </a:r>
             <a:r>
-              <a:rPr lang="en-US" i="1" dirty="0"/>
-              <a:t>x</a:t>
+              <a:rPr lang="en-US" u="sng" dirty="0"/>
+              <a:t>evaluates to</a:t>
+            </a:r>
+            <a:r>
+              <a:rPr lang="en-US" dirty="0"/>
+              <a:t> app </a:t>
+            </a:r>
+            <a:r>
+              <a:rPr lang="en-US" b="1" dirty="0"/>
+              <a:t>right</a:t>
+            </a:r>
+            <a:r>
+              <a:rPr lang="en-US" dirty="0"/>
+              <a:t> </a:t>
+            </a:r>
+            <a:r>
+              <a:rPr lang="en-US" i="1" dirty="0"/>
+              <a:t>y</a:t>
             </a:r>
             <a:r>
               <a:rPr lang="en-US" dirty="0"/>
@@ -16950,15 +16910,7 @@
             </a:r>
             <a:r>
               <a:rPr lang="en-US" i="1" dirty="0"/>
-              <a:t>r</a:t>
-            </a:r>
-            <a:r>
-              <a:rPr lang="en-US" dirty="0"/>
-              <a:t> </a:t>
-            </a:r>
-            <a:r>
-              <a:rPr lang="en-US" i="1" dirty="0"/>
-              <a:t>y</a:t>
+              <a:t>r y</a:t>
             </a:r>
           </a:p>
           <a:p>
@@ -16979,7 +16931,7 @@
             </a:r>
             <a:r>
               <a:rPr lang="en-US" dirty="0"/>
-              <a:t> + </a:t>
+              <a:t> → </a:t>
             </a:r>
             <a:r>
               <a:rPr lang="en-US" i="1" dirty="0"/>
@@ -16995,7 +16947,63 @@
             </a:r>
             <a:r>
               <a:rPr lang="en-US" dirty="0"/>
-              <a:t> =</a:t>
+              <a:t> =	</a:t>
+            </a:r>
+            <a:r>
+              <a:rPr lang="en-US" b="1" dirty="0" err="1"/>
+              <a:t>forall</a:t>
+            </a:r>
+            <a:r>
+              <a:rPr lang="en-US" dirty="0"/>
+              <a:t> </a:t>
+            </a:r>
+            <a:r>
+              <a:rPr lang="en-US" i="1" dirty="0" err="1"/>
+              <a:t>inp</a:t>
+            </a:r>
+            <a:r>
+              <a:rPr lang="en-US" dirty="0"/>
+              <a:t>. LR </a:t>
+            </a:r>
+            <a:r>
+              <a:rPr lang="en-US" i="1" dirty="0"/>
+              <a:t>l</a:t>
+            </a:r>
+            <a:r>
+              <a:rPr lang="en-US" dirty="0"/>
+              <a:t> </a:t>
+            </a:r>
+            <a:r>
+              <a:rPr lang="en-US" i="1" dirty="0"/>
+              <a:t>inp</a:t>
+            </a:r>
+            <a:r>
+              <a:rPr lang="en-US" dirty="0"/>
+              <a:t> → LR </a:t>
+            </a:r>
+            <a:r>
+              <a:rPr lang="en-US" i="1" dirty="0"/>
+              <a:t>r</a:t>
+            </a:r>
+            <a:r>
+              <a:rPr lang="en-US" dirty="0"/>
+              <a:t> (app </a:t>
+            </a:r>
+            <a:r>
+              <a:rPr lang="en-US" i="1" dirty="0"/>
+              <a:t>t</a:t>
+            </a:r>
+            <a:r>
+              <a:rPr lang="en-US" dirty="0"/>
+              <a:t> </a:t>
+            </a:r>
+            <a:r>
+              <a:rPr lang="en-US" i="1" dirty="0"/>
+              <a:t>inp</a:t>
+            </a:r>
+            <a:r>
+              <a:rPr lang="en-US" dirty="0"/>
+              <a:t>)</a:t>
             </a:r>
           </a:p>
           <a:p>
@@ -17008,226 +17016,11 @@
             </a:pPr>
             <a:r>
               <a:rPr lang="en-US" dirty="0"/>
-              <a:t>	</a:t>
-            </a:r>
-            <a:r>
-              <a:rPr lang="en-US" b="1" dirty="0"/>
-              <a:t>exists</a:t>
-            </a:r>
-            <a:r>
-              <a:rPr lang="en-US" dirty="0"/>
-              <a:t> </a:t>
-            </a:r>
-            <a:r>
-              <a:rPr lang="en-US" i="1" dirty="0"/>
-              <a:t>x</a:t>
-            </a:r>
-            <a:r>
-              <a:rPr lang="en-US" dirty="0"/>
-              <a:t>, </a:t>
-            </a:r>
-            <a:r>
-              <a:rPr lang="en-US" i="1" dirty="0"/>
-              <a:t>t</a:t>
-            </a:r>
-            <a:r>
-              <a:rPr lang="en-US" dirty="0"/>
-              <a:t> </a:t>
+              <a:t>LR Unit t = t </a:t>
             </a:r>
             <a:r>
               <a:rPr lang="en-US" u="sng" dirty="0"/>
-              <a:t>eval to</a:t>
-            </a:r>
-            <a:r>
-              <a:rPr lang="en-US" dirty="0"/>
-              <a:t> app left </a:t>
-            </a:r>
-            <a:r>
-              <a:rPr lang="en-US" i="1" dirty="0"/>
-              <a:t>x</a:t>
-            </a:r>
-            <a:r>
-              <a:rPr lang="en-US" dirty="0"/>
-              <a:t>, LR </a:t>
-            </a:r>
-            <a:r>
-              <a:rPr lang="en-US" i="1" dirty="0"/>
-              <a:t>l x</a:t>
-            </a:r>
-          </a:p>
-          <a:p>
-            <a:pPr marL="0" lvl="0" indent="0">
-              <a:buClr>
-                <a:srgbClr val="FFCC99"/>
-              </a:buClr>
-              <a:buSzPct val="45000"/>
-              <a:buNone/>
-            </a:pPr>
-            <a:r>
-              <a:rPr lang="en-US" dirty="0"/>
-              <a:t>	</a:t>
-            </a:r>
-            <a:r>
-              <a:rPr lang="en-US" b="1" dirty="0"/>
-              <a:t>or</a:t>
-            </a:r>
-            <a:r>
-              <a:rPr lang="en-US" dirty="0"/>
-              <a:t> </a:t>
-            </a:r>
-            <a:r>
-              <a:rPr lang="en-US" b="1" dirty="0"/>
-              <a:t>exists</a:t>
-            </a:r>
-            <a:r>
-              <a:rPr lang="en-US" dirty="0"/>
-              <a:t> </a:t>
-            </a:r>
-            <a:r>
-              <a:rPr lang="en-US" i="1" dirty="0"/>
-              <a:t>y</a:t>
-            </a:r>
-            <a:r>
-              <a:rPr lang="en-US" dirty="0"/>
-              <a:t>, </a:t>
-            </a:r>
-            <a:r>
-              <a:rPr lang="en-US" i="1" dirty="0"/>
-              <a:t>t</a:t>
-            </a:r>
-            <a:r>
-              <a:rPr lang="en-US" dirty="0"/>
-              <a:t> </a:t>
-            </a:r>
-            <a:r>
-              <a:rPr lang="en-US" u="sng" dirty="0"/>
-              <a:t>eval to</a:t>
-            </a:r>
-            <a:r>
-              <a:rPr lang="en-US" dirty="0"/>
-              <a:t> app right </a:t>
-            </a:r>
-            <a:r>
-              <a:rPr lang="en-US" i="1" dirty="0"/>
-              <a:t>y</a:t>
-            </a:r>
-            <a:r>
-              <a:rPr lang="en-US" dirty="0"/>
-              <a:t>, LR </a:t>
-            </a:r>
-            <a:r>
-              <a:rPr lang="en-US" i="1" dirty="0"/>
-              <a:t>r y</a:t>
-            </a:r>
-          </a:p>
-          <a:p>
-            <a:pPr marL="0" lvl="0" indent="0">
-              <a:buClr>
-                <a:srgbClr val="FFCC99"/>
-              </a:buClr>
-              <a:buSzPct val="45000"/>
-              <a:buNone/>
-            </a:pPr>
-            <a:r>
-              <a:rPr lang="en-US" dirty="0"/>
-              <a:t>LR (</a:t>
-            </a:r>
-            <a:r>
-              <a:rPr lang="en-US" i="1" dirty="0"/>
-              <a:t>l</a:t>
-            </a:r>
-            <a:r>
-              <a:rPr lang="en-US" dirty="0"/>
-              <a:t> → </a:t>
-            </a:r>
-            <a:r>
-              <a:rPr lang="en-US" i="1" dirty="0"/>
-              <a:t>r</a:t>
-            </a:r>
-            <a:r>
-              <a:rPr lang="en-US" dirty="0"/>
-              <a:t>) </a:t>
-            </a:r>
-            <a:r>
-              <a:rPr lang="en-US" i="1" dirty="0"/>
-              <a:t>t</a:t>
-            </a:r>
-            <a:r>
-              <a:rPr lang="en-US" dirty="0"/>
-              <a:t> = </a:t>
-            </a:r>
-            <a:r>
-              <a:rPr lang="en-US" b="1" dirty="0"/>
-              <a:t>forall</a:t>
-            </a:r>
-            <a:r>
-              <a:rPr lang="en-US" dirty="0"/>
-              <a:t> </a:t>
-            </a:r>
-            <a:r>
-              <a:rPr lang="en-US" i="1" dirty="0"/>
-              <a:t>inp</a:t>
-            </a:r>
-            <a:r>
-              <a:rPr lang="en-US" dirty="0"/>
-              <a:t>, LR </a:t>
-            </a:r>
-            <a:r>
-              <a:rPr lang="en-US" i="1" dirty="0"/>
-              <a:t>l</a:t>
-            </a:r>
-            <a:r>
-              <a:rPr lang="en-US" dirty="0"/>
-              <a:t> </a:t>
-            </a:r>
-            <a:r>
-              <a:rPr lang="en-US" i="1" dirty="0"/>
-              <a:t>inp</a:t>
-            </a:r>
-            <a:r>
-              <a:rPr lang="en-US" dirty="0"/>
-              <a:t> → LR </a:t>
-            </a:r>
-            <a:r>
-              <a:rPr lang="en-US" i="1" dirty="0"/>
-              <a:t>r</a:t>
-            </a:r>
-            <a:r>
-              <a:rPr lang="en-US" dirty="0"/>
-              <a:t> (app </a:t>
-            </a:r>
-            <a:r>
-              <a:rPr lang="en-US" i="1" dirty="0"/>
-              <a:t>t</a:t>
-            </a:r>
-            <a:r>
-              <a:rPr lang="en-US" dirty="0"/>
-              <a:t> </a:t>
-            </a:r>
-            <a:r>
-              <a:rPr lang="en-US" i="1" dirty="0"/>
-              <a:t>inp</a:t>
-            </a:r>
-            <a:r>
-              <a:rPr lang="en-US" dirty="0"/>
-              <a:t>)</a:t>
-            </a:r>
-          </a:p>
-          <a:p>
-            <a:pPr marL="0" lvl="0" indent="0">
-              <a:buClr>
-                <a:srgbClr val="FFCC99"/>
-              </a:buClr>
-              <a:buSzPct val="45000"/>
-              <a:buNone/>
-            </a:pPr>
-            <a:r>
-              <a:rPr lang="en-US" dirty="0"/>
-              <a:t>LR Unit t = t </a:t>
-            </a:r>
-            <a:r>
-              <a:rPr lang="en-US" u="sng" dirty="0"/>
-              <a:t>eval to</a:t>
+              <a:t>evaluates to</a:t>
             </a:r>
             <a:r>
               <a:rPr lang="en-US" dirty="0"/>
@@ -17302,8 +17095,8 @@
           <a:p>
             <a:pPr lvl="0"/>
             <a:r>
-              <a:rPr lang="en-US"/>
-              <a:t>The main part</a:t>
+              <a:rPr lang="en-US" dirty="0"/>
+              <a:t>The Main Part</a:t>
             </a:r>
           </a:p>
         </p:txBody>
@@ -17371,7 +17164,7 @@
             </a:r>
             <a:r>
               <a:rPr lang="en-US" u="sng" dirty="0"/>
-              <a:t>eval to</a:t>
+              <a:t>evaluates to</a:t>
             </a:r>
             <a:r>
               <a:rPr lang="en-US" dirty="0"/>
@@ -17388,7 +17181,11 @@
             </a:pPr>
             <a:r>
               <a:rPr lang="en-US" b="1" dirty="0"/>
-              <a:t>	forall</a:t>
+              <a:t>	</a:t>
+            </a:r>
+            <a:r>
+              <a:rPr lang="en-US" b="1" dirty="0" err="1"/>
+              <a:t>forall</a:t>
             </a:r>
             <a:r>
               <a:rPr lang="en-US" dirty="0"/>
@@ -17400,7 +17197,7 @@
             </a:r>
             <a:r>
               <a:rPr lang="en-US" dirty="0"/>
-              <a:t>, diff </a:t>
+              <a:t>. diff </a:t>
             </a:r>
             <a:r>
               <a:rPr lang="en-US" i="1" dirty="0"/>
@@ -17412,7 +17209,15 @@
             </a:r>
             <a:r>
               <a:rPr lang="en-US" u="sng" dirty="0"/>
-              <a:t>newton diff of</a:t>
+              <a:t>newton </a:t>
+            </a:r>
+            <a:r>
+              <a:rPr lang="en-US" u="sng" dirty="0" err="1"/>
+              <a:t>differental</a:t>
+            </a:r>
+            <a:r>
+              <a:rPr lang="en-US" u="sng" dirty="0"/>
+              <a:t> of</a:t>
             </a:r>
             <a:r>
               <a:rPr lang="en-US" dirty="0"/>
@@ -17507,8 +17312,8 @@
           <a:p>
             <a:pPr lvl="0"/>
             <a:r>
-              <a:rPr lang="en-US"/>
-              <a:t>Back to standard</a:t>
+              <a:rPr lang="en-US" dirty="0"/>
+              <a:t>Back to Standard</a:t>
             </a:r>
           </a:p>
         </p:txBody>
@@ -17534,148 +17339,208 @@
           <a:bodyPr/>
           <a:lstStyle/>
           <a:p>
-            <a:pPr>
-              <a:buClr>
-                <a:srgbClr val="FFCC99"/>
-              </a:buClr>
-              <a:buSzPct val="45000"/>
-            </a:pPr>
-            <a:r>
-              <a:rPr lang="en-US" dirty="0"/>
-              <a:t>stdify: </a:t>
-            </a:r>
-            <a:r>
-              <a:rPr lang="en-US" b="1" dirty="0"/>
-              <a:t>forall</a:t>
-            </a:r>
-            <a:r>
-              <a:rPr lang="en-US" dirty="0"/>
-              <a:t> </a:t>
-            </a:r>
-            <a:r>
-              <a:rPr lang="en-US" i="1" dirty="0"/>
-              <a:t>t</a:t>
-            </a:r>
-            <a:r>
-              <a:rPr lang="en-US" dirty="0"/>
-              <a:t>, Real → NonStdTerm </a:t>
-            </a:r>
-            <a:r>
-              <a:rPr lang="en-US" i="1" dirty="0"/>
-              <a:t>t</a:t>
-            </a:r>
-            <a:r>
-              <a:rPr lang="en-US" dirty="0"/>
-              <a:t> → Term </a:t>
-            </a:r>
-            <a:r>
-              <a:rPr lang="en-US" i="1" dirty="0"/>
-              <a:t>t</a:t>
-            </a:r>
-          </a:p>
-          <a:p>
-            <a:pPr>
-              <a:buClr>
-                <a:srgbClr val="FFCC99"/>
-              </a:buClr>
-              <a:buSzPct val="45000"/>
-            </a:pPr>
-            <a:r>
-              <a:rPr lang="en-US" dirty="0"/>
-              <a:t>app (stdify </a:t>
-            </a:r>
-            <a:r>
-              <a:rPr lang="en-US" i="1" dirty="0"/>
-              <a:t>r f</a:t>
-            </a:r>
-            <a:r>
-              <a:rPr lang="en-US" dirty="0"/>
-              <a:t>) (stdify </a:t>
-            </a:r>
-            <a:r>
-              <a:rPr lang="en-US" i="1" dirty="0"/>
-              <a:t>r x</a:t>
-            </a:r>
-            <a:r>
-              <a:rPr lang="en-US" dirty="0"/>
-              <a:t>) = stdify </a:t>
-            </a:r>
-            <a:r>
-              <a:rPr lang="en-US" i="1" dirty="0"/>
-              <a:t>r</a:t>
-            </a:r>
-            <a:r>
-              <a:rPr lang="en-US" dirty="0"/>
-              <a:t> (app </a:t>
-            </a:r>
-            <a:r>
-              <a:rPr lang="en-US" i="1" dirty="0"/>
-              <a:t>f x</a:t>
-            </a:r>
-            <a:r>
-              <a:rPr lang="en-US" dirty="0"/>
-              <a:t>)</a:t>
-            </a:r>
-          </a:p>
-          <a:p>
-            <a:pPr>
-              <a:buClr>
-                <a:srgbClr val="FFCC99"/>
-              </a:buClr>
-              <a:buSzPct val="45000"/>
-            </a:pPr>
-            <a:r>
-              <a:rPr lang="en-US" dirty="0"/>
-              <a:t>apply (\</a:t>
-            </a:r>
-            <a:r>
-              <a:rPr lang="en-US" i="1" dirty="0"/>
-              <a:t>x</a:t>
-            </a:r>
-            <a:r>
-              <a:rPr lang="en-US" dirty="0"/>
-              <a:t> → </a:t>
-            </a:r>
-            <a:r>
-              <a:rPr lang="en-US" i="1" dirty="0"/>
-              <a:t>x</a:t>
-            </a:r>
-            <a:r>
-              <a:rPr lang="en-US" dirty="0"/>
-              <a:t>, \</a:t>
-            </a:r>
-            <a:r>
-              <a:rPr lang="en-US" i="1" dirty="0"/>
-              <a:t>x</a:t>
-            </a:r>
-            <a:r>
-              <a:rPr lang="en-US" dirty="0"/>
-              <a:t> → 1) to Real → Real, apply </a:t>
-            </a:r>
-            <a:r>
-              <a:rPr lang="en-US" i="1" dirty="0"/>
-              <a:t>x</a:t>
-            </a:r>
-            <a:r>
-              <a:rPr lang="en-US" dirty="0"/>
-              <a:t> to rhs</a:t>
-            </a:r>
-          </a:p>
-          <a:p>
-            <a:pPr marL="0" lvl="0" indent="0">
-              <a:buClr>
-                <a:srgbClr val="FFCC99"/>
-              </a:buClr>
-              <a:buSzPct val="45000"/>
+            <a:pPr marL="0" indent="0">
               <a:buNone/>
             </a:pPr>
             <a:r>
-              <a:rPr lang="en-US" altLang="zh-CN" dirty="0"/>
+              <a:rPr lang="en-US" dirty="0" err="1"/>
+              <a:t>stdify</a:t>
+            </a:r>
+            <a:r>
+              <a:rPr lang="en-US" dirty="0"/>
+              <a:t>: </a:t>
+            </a:r>
+            <a:r>
+              <a:rPr lang="en-US" b="1" dirty="0" err="1"/>
+              <a:t>forall</a:t>
+            </a:r>
+            <a:r>
+              <a:rPr lang="en-US" dirty="0"/>
+              <a:t> </a:t>
+            </a:r>
+            <a:r>
+              <a:rPr lang="en-US" i="1" dirty="0"/>
+              <a:t>t</a:t>
+            </a:r>
+            <a:r>
+              <a:rPr lang="en-US" dirty="0"/>
+              <a:t>, Real → </a:t>
+            </a:r>
+            <a:r>
+              <a:rPr lang="en-US" dirty="0" err="1"/>
+              <a:t>NonStdTerm</a:t>
+            </a:r>
+            <a:r>
+              <a:rPr lang="en-US" dirty="0"/>
+              <a:t> </a:t>
+            </a:r>
+            <a:r>
+              <a:rPr lang="en-US" i="1" dirty="0"/>
+              <a:t>t</a:t>
+            </a:r>
+            <a:r>
+              <a:rPr lang="en-US" dirty="0"/>
+              <a:t> → Term </a:t>
+            </a:r>
+            <a:r>
+              <a:rPr lang="en-US" i="1" dirty="0"/>
+              <a:t>t</a:t>
+            </a:r>
+          </a:p>
+          <a:p>
+            <a:pPr marL="0" indent="0">
+              <a:buNone/>
+            </a:pPr>
+            <a:r>
+              <a:rPr lang="en-US" dirty="0"/>
+              <a:t>app (</a:t>
+            </a:r>
+            <a:r>
+              <a:rPr lang="en-US" dirty="0" err="1"/>
+              <a:t>stdify</a:t>
+            </a:r>
+            <a:r>
+              <a:rPr lang="en-US" dirty="0"/>
+              <a:t> </a:t>
+            </a:r>
+            <a:r>
+              <a:rPr lang="en-US" i="1" dirty="0"/>
+              <a:t>r f</a:t>
+            </a:r>
+            <a:r>
+              <a:rPr lang="en-US" dirty="0"/>
+              <a:t>) (</a:t>
+            </a:r>
+            <a:r>
+              <a:rPr lang="en-US" dirty="0" err="1"/>
+              <a:t>stdify</a:t>
+            </a:r>
+            <a:r>
+              <a:rPr lang="en-US" dirty="0"/>
+              <a:t> </a:t>
+            </a:r>
+            <a:r>
+              <a:rPr lang="en-US" i="1" dirty="0"/>
+              <a:t>r x</a:t>
+            </a:r>
+            <a:r>
+              <a:rPr lang="en-US" dirty="0"/>
+              <a:t>) = </a:t>
+            </a:r>
+            <a:r>
+              <a:rPr lang="en-US" dirty="0" err="1"/>
+              <a:t>stdify</a:t>
+            </a:r>
+            <a:r>
+              <a:rPr lang="en-US" dirty="0"/>
+              <a:t> </a:t>
+            </a:r>
+            <a:r>
+              <a:rPr lang="en-US" i="1" dirty="0"/>
+              <a:t>r</a:t>
+            </a:r>
+            <a:r>
+              <a:rPr lang="en-US" dirty="0"/>
+              <a:t> (app </a:t>
+            </a:r>
+            <a:r>
+              <a:rPr lang="en-US" i="1" dirty="0"/>
+              <a:t>f x</a:t>
+            </a:r>
+            <a:r>
+              <a:rPr lang="en-US" dirty="0"/>
+              <a:t>)</a:t>
+            </a:r>
+          </a:p>
+          <a:p>
+            <a:pPr marL="0" indent="0">
+              <a:buNone/>
+            </a:pPr>
+            <a:r>
+              <a:rPr lang="en-US" u="sng" dirty="0"/>
+              <a:t>apply</a:t>
+            </a:r>
+            <a:r>
+              <a:rPr lang="en-US" dirty="0"/>
+              <a:t> (\</a:t>
+            </a:r>
+            <a:r>
+              <a:rPr lang="en-US" i="1" dirty="0"/>
+              <a:t>x</a:t>
+            </a:r>
+            <a:r>
+              <a:rPr lang="en-US" dirty="0"/>
+              <a:t> → </a:t>
+            </a:r>
+            <a:r>
+              <a:rPr lang="en-US" i="1" dirty="0"/>
+              <a:t>x</a:t>
+            </a:r>
+            <a:r>
+              <a:rPr lang="en-US" dirty="0"/>
+              <a:t>, \</a:t>
+            </a:r>
+            <a:r>
+              <a:rPr lang="en-US" i="1" dirty="0"/>
+              <a:t>x</a:t>
+            </a:r>
+            <a:r>
+              <a:rPr lang="en-US" dirty="0"/>
+              <a:t> → 1) </a:t>
+            </a:r>
+            <a:r>
+              <a:rPr lang="en-US" u="sng" dirty="0"/>
+              <a:t>to</a:t>
+            </a:r>
+            <a:r>
+              <a:rPr lang="en-US" dirty="0"/>
+              <a:t> Real → Real, </a:t>
+            </a:r>
+            <a:r>
+              <a:rPr lang="en-US" u="sng" dirty="0"/>
+              <a:t>apply</a:t>
+            </a:r>
+            <a:r>
+              <a:rPr lang="en-US" dirty="0"/>
+              <a:t> </a:t>
+            </a:r>
+            <a:r>
+              <a:rPr lang="en-US" i="1" dirty="0"/>
+              <a:t>x</a:t>
+            </a:r>
+            <a:r>
+              <a:rPr lang="en-US" dirty="0"/>
+              <a:t> </a:t>
+            </a:r>
+            <a:r>
+              <a:rPr lang="en-US" u="sng" dirty="0"/>
+              <a:t>to</a:t>
+            </a:r>
+            <a:r>
+              <a:rPr lang="en-US" dirty="0"/>
+              <a:t> </a:t>
+            </a:r>
+            <a:r>
+              <a:rPr lang="en-US" dirty="0" err="1"/>
+              <a:t>rhs</a:t>
+            </a:r>
+            <a:endParaRPr lang="en-US" dirty="0"/>
+          </a:p>
+          <a:p>
+            <a:pPr marL="0" indent="0">
+              <a:buNone/>
+            </a:pPr>
+            <a:r>
+              <a:rPr lang="en-US" dirty="0"/>
               <a:t>= </a:t>
             </a:r>
             <a:r>
-              <a:rPr lang="en-US" dirty="0"/>
-              <a:t>apply (</a:t>
+              <a:rPr lang="en-US" u="sng" dirty="0"/>
+              <a:t>apply</a:t>
+            </a:r>
+            <a:r>
+              <a:rPr lang="en-US" dirty="0"/>
+              <a:t> (</a:t>
             </a:r>
             <a:r>
               <a:rPr lang="en-US" i="1" dirty="0"/>
@@ -17683,18 +17548,31 @@
             </a:r>
             <a:r>
               <a:rPr lang="en-US" dirty="0"/>
-              <a:t>, 1) to Real → Real, take the rhs</a:t>
-            </a:r>
-          </a:p>
-          <a:p>
-            <a:pPr lvl="0">
-              <a:buClr>
-                <a:srgbClr val="FFCC99"/>
-              </a:buClr>
-              <a:buSzPct val="45000"/>
-              <a:buFont typeface="StarSymbol"/>
-              <a:buChar char="●"/>
-            </a:pPr>
+              <a:t>, 1) </a:t>
+            </a:r>
+            <a:r>
+              <a:rPr lang="en-US" u="sng" dirty="0"/>
+              <a:t>to</a:t>
+            </a:r>
+            <a:r>
+              <a:rPr lang="en-US" dirty="0"/>
+              <a:t> Real → Real, </a:t>
+            </a:r>
+            <a:r>
+              <a:rPr lang="en-US" u="sng" dirty="0"/>
+              <a:t>take the</a:t>
+            </a:r>
+            <a:r>
+              <a:rPr lang="en-US" dirty="0"/>
+              <a:t> </a:t>
+            </a:r>
+            <a:r>
+              <a:rPr lang="en-US" dirty="0" err="1"/>
+              <a:t>rhs</a:t>
+            </a:r>
+            <a:endParaRPr lang="en-US" dirty="0"/>
+          </a:p>
+          <a:p>
             <a:r>
               <a:rPr lang="en-US" dirty="0"/>
               <a:t>Optimize away the function</a:t>
@@ -17774,25 +17652,19 @@
         </p:nvSpPr>
         <p:spPr/>
         <p:txBody>
-          <a:bodyPr>
-            <a:normAutofit/>
-          </a:bodyPr>
-          <a:lstStyle/>
-          <a:p>
-            <a:pPr lvl="0">
-              <a:buClr>
-                <a:srgbClr val="FFCC99"/>
-              </a:buClr>
-              <a:buSzPct val="45000"/>
-              <a:buFont typeface="StarSymbol"/>
-              <a:buChar char="●"/>
-            </a:pPr>
-            <a:r>
-              <a:rPr lang="en-US" sz="3200" dirty="0">
+          <a:bodyPr/>
+          <a:lstStyle/>
+          <a:p>
+            <a:pPr lvl="0"/>
+            <a:r>
+              <a:rPr lang="en-US">
                 <a:hlinkClick r:id="rId3"/>
               </a:rPr>
               <a:t>http://colah.github.io/posts/2015-09-NN-Types-FP/</a:t>
             </a:r>
+            <a:endParaRPr lang="en-US" dirty="0">
+              <a:hlinkClick r:id="rId3"/>
+            </a:endParaRPr>
           </a:p>
         </p:txBody>
       </p:sp>
@@ -17810,20 +17682,18 @@
           </p:cNvPicPr>
           <p:nvPr/>
         </p:nvPicPr>
-        <p:blipFill>
+        <p:blipFill rotWithShape="1">
           <a:blip r:embed="rId4">
             <a:lum/>
             <a:alphaModFix/>
           </a:blip>
-          <a:srcRect/>
-          <a:stretch>
-            <a:fillRect/>
-          </a:stretch>
+          <a:srcRect l="11042"/>
+          <a:stretch/>
         </p:blipFill>
         <p:spPr>
           <a:xfrm>
-            <a:off x="1391017" y="3720420"/>
-            <a:ext cx="8456934" cy="2247182"/>
+            <a:off x="1391017" y="2824430"/>
+            <a:ext cx="7523104" cy="2247182"/>
           </a:xfrm>
           <a:prstGeom prst="rect">
             <a:avLst/>
@@ -17909,14 +17779,7 @@
           <a:bodyPr/>
           <a:lstStyle/>
           <a:p>
-            <a:pPr lvl="0">
-              <a:buClr>
-                <a:srgbClr val="FFCC99"/>
-              </a:buClr>
-              <a:buSzPct val="45000"/>
-              <a:buFont typeface="StarSymbol"/>
-              <a:buChar char="●"/>
-            </a:pPr>
+            <a:pPr lvl="0"/>
             <a:r>
               <a:rPr lang="en-US" dirty="0" err="1"/>
               <a:t>deq</a:t>
@@ -17931,7 +17794,15 @@
             </a:r>
             <a:r>
               <a:rPr lang="en-US" dirty="0"/>
-              <a:t> and Term (DiffType </a:t>
+              <a:t> and Term (</a:t>
+            </a:r>
+            <a:r>
+              <a:rPr lang="en-US" dirty="0" err="1"/>
+              <a:t>DiffType</a:t>
+            </a:r>
+            <a:r>
+              <a:rPr lang="en-US" dirty="0"/>
+              <a:t> </a:t>
             </a:r>
             <a:r>
               <a:rPr lang="en-US" i="1" dirty="0"/>
@@ -17943,14 +17814,7 @@
             </a:r>
           </a:p>
           <a:p>
-            <a:pPr lvl="0">
-              <a:buClr>
-                <a:srgbClr val="FFCC99"/>
-              </a:buClr>
-              <a:buSzPct val="45000"/>
-              <a:buFont typeface="StarSymbol"/>
-              <a:buChar char="●"/>
-            </a:pPr>
+            <a:pPr lvl="0"/>
             <a:r>
               <a:rPr lang="en-US" dirty="0"/>
               <a:t>Main theorem: </a:t>
@@ -17958,15 +17822,15 @@
           </a:p>
           <a:p>
             <a:pPr marL="0" lvl="0" indent="0">
-              <a:buClr>
-                <a:srgbClr val="FFCC99"/>
-              </a:buClr>
-              <a:buSzPct val="45000"/>
               <a:buNone/>
             </a:pPr>
             <a:r>
-              <a:rPr lang="en-US" b="1" dirty="0"/>
-              <a:t>		forall</a:t>
+              <a:rPr lang="en-US" dirty="0"/>
+              <a:t>		</a:t>
+            </a:r>
+            <a:r>
+              <a:rPr lang="en-US" b="1" dirty="0" err="1"/>
+              <a:t>forall</a:t>
             </a:r>
             <a:r>
               <a:rPr lang="en-US" dirty="0"/>
@@ -17974,11 +17838,11 @@
             </a:r>
             <a:r>
               <a:rPr lang="en-US" i="1" dirty="0"/>
-              <a:t>t </a:t>
-            </a:r>
-            <a:r>
-              <a:rPr lang="en-US" dirty="0"/>
-              <a:t>(</a:t>
+              <a:t>t</a:t>
+            </a:r>
+            <a:r>
+              <a:rPr lang="en-US" dirty="0"/>
+              <a:t> (</a:t>
             </a:r>
             <a:r>
               <a:rPr lang="en-US" i="1" dirty="0"/>
@@ -18006,11 +17870,27 @@
             </a:r>
             <a:r>
               <a:rPr lang="en-US" i="1" dirty="0"/>
+              <a:t>t term </a:t>
+            </a:r>
+            <a:r>
+              <a:rPr lang="en-US" dirty="0"/>
+              <a:t>(diff </a:t>
+            </a:r>
+            <a:r>
+              <a:rPr lang="en-US" i="1" dirty="0"/>
+              <a:t>term</a:t>
+            </a:r>
+            <a:r>
+              <a:rPr lang="en-US" dirty="0"/>
+              <a:t>) ∧ LR </a:t>
+            </a:r>
+            <a:r>
+              <a:rPr lang="en-US" i="1" dirty="0"/>
               <a:t>t</a:t>
             </a:r>
             <a:r>
               <a:rPr lang="en-US" dirty="0"/>
-              <a:t> </a:t>
+              <a:t> (diff </a:t>
             </a:r>
             <a:r>
               <a:rPr lang="en-US" i="1" dirty="0"/>
@@ -18018,81 +17898,25 @@
             </a:r>
             <a:r>
               <a:rPr lang="en-US" dirty="0"/>
-              <a:t> (diff </a:t>
-            </a:r>
-            <a:r>
-              <a:rPr lang="en-US" i="1" dirty="0"/>
-              <a:t>term</a:t>
-            </a:r>
-            <a:r>
-              <a:rPr lang="en-US" dirty="0"/>
-              <a:t>) </a:t>
-            </a:r>
-            <a:r>
-              <a:rPr lang="en-US" dirty="0">
-                <a:latin typeface="Cambria Math" panose="02040503050406030204" pitchFamily="18" charset="0"/>
-                <a:ea typeface="Cambria Math" panose="02040503050406030204" pitchFamily="18" charset="0"/>
-              </a:rPr>
-              <a:t>∧</a:t>
-            </a:r>
-            <a:r>
-              <a:rPr lang="en-US" dirty="0"/>
-              <a:t> LR </a:t>
-            </a:r>
-            <a:r>
-              <a:rPr lang="en-US" i="1" dirty="0"/>
-              <a:t>t</a:t>
-            </a:r>
-            <a:r>
-              <a:rPr lang="en-US" dirty="0"/>
-              <a:t> (diff </a:t>
-            </a:r>
-            <a:r>
-              <a:rPr lang="en-US" i="1" dirty="0"/>
-              <a:t>term</a:t>
-            </a:r>
-            <a:r>
-              <a:rPr lang="en-US" dirty="0"/>
               <a:t>)</a:t>
             </a:r>
           </a:p>
           <a:p>
-            <a:pPr lvl="0">
-              <a:buClr>
-                <a:srgbClr val="FFCC99"/>
-              </a:buClr>
-              <a:buSzPct val="45000"/>
-              <a:buFont typeface="StarSymbol"/>
-              <a:buChar char="●"/>
-            </a:pPr>
+            <a:pPr lvl="0"/>
             <a:r>
               <a:rPr lang="en-US" dirty="0"/>
               <a:t>Logical Relation</a:t>
             </a:r>
           </a:p>
           <a:p>
-            <a:pPr lvl="0">
-              <a:buClr>
-                <a:srgbClr val="FFCC99"/>
-              </a:buClr>
-              <a:buSzPct val="45000"/>
-              <a:buFont typeface="StarSymbol"/>
-              <a:buChar char="●"/>
-            </a:pPr>
+            <a:pPr lvl="0"/>
             <a:r>
               <a:rPr lang="en-US" dirty="0"/>
               <a:t>Operational Semantic</a:t>
             </a:r>
           </a:p>
           <a:p>
-            <a:pPr lvl="0">
-              <a:buClr>
-                <a:srgbClr val="FFCC99"/>
-              </a:buClr>
-              <a:buSzPct val="45000"/>
-              <a:buFont typeface="StarSymbol"/>
-              <a:buChar char="●"/>
-            </a:pPr>
+            <a:pPr lvl="0"/>
             <a:r>
               <a:rPr lang="en-US" dirty="0"/>
               <a:t>Denotational Semantic</a:t>
@@ -18141,9 +17965,10 @@
           <a:lstStyle/>
           <a:p>
             <a:r>
-              <a:rPr lang="en-US" dirty="0"/>
+              <a:rPr lang="en-US"/>
               <a:t>Drawing the Connection</a:t>
             </a:r>
+            <a:endParaRPr lang="en-US" dirty="0"/>
           </a:p>
         </p:txBody>
       </p:sp>
@@ -18157,25 +17982,15 @@
             <p:ph sz="half" idx="1"/>
           </p:nvPr>
         </p:nvSpPr>
-        <p:spPr>
-          <a:xfrm>
-            <a:off x="853441" y="2015914"/>
-            <a:ext cx="5476694" cy="4796543"/>
-          </a:xfrm>
-        </p:spPr>
+        <p:spPr/>
         <p:txBody>
           <a:bodyPr>
             <a:normAutofit/>
           </a:bodyPr>
           <a:lstStyle/>
           <a:p>
-            <a:pPr lvl="0">
-              <a:buClr>
-                <a:srgbClr val="FFCC99"/>
-              </a:buClr>
-              <a:buSzPct val="45000"/>
-              <a:buFont typeface="StarSymbol"/>
-              <a:buChar char="●"/>
+            <a:pPr marL="0" lvl="0" indent="0">
+              <a:buNone/>
             </a:pPr>
             <a:r>
               <a:rPr lang="en-US" sz="1600" dirty="0"/>
@@ -18183,13 +17998,8 @@
             </a:r>
           </a:p>
           <a:p>
-            <a:pPr lvl="0">
-              <a:buClr>
-                <a:srgbClr val="FFCC99"/>
-              </a:buClr>
-              <a:buSzPct val="45000"/>
-              <a:buFont typeface="StarSymbol"/>
-              <a:buChar char="●"/>
+            <a:pPr marL="0" lvl="0" indent="0">
+              <a:buNone/>
             </a:pPr>
             <a:r>
               <a:rPr lang="en-US" sz="1600" dirty="0"/>
@@ -18197,13 +18007,8 @@
             </a:r>
           </a:p>
           <a:p>
-            <a:pPr lvl="0">
-              <a:buClr>
-                <a:srgbClr val="FFCC99"/>
-              </a:buClr>
-              <a:buSzPct val="45000"/>
-              <a:buFont typeface="StarSymbol"/>
-              <a:buChar char="●"/>
+            <a:pPr marL="0" lvl="0" indent="0">
+              <a:buNone/>
             </a:pPr>
             <a:r>
               <a:rPr lang="en-US" sz="1600" dirty="0"/>
@@ -18219,13 +18024,8 @@
             </a:r>
           </a:p>
           <a:p>
-            <a:pPr lvl="0">
-              <a:buClr>
-                <a:srgbClr val="FFCC99"/>
-              </a:buClr>
-              <a:buSzPct val="45000"/>
-              <a:buFont typeface="StarSymbol"/>
-              <a:buChar char="●"/>
+            <a:pPr marL="0" lvl="0" indent="0">
+              <a:buNone/>
             </a:pPr>
             <a:r>
               <a:rPr lang="en-US" sz="1600" dirty="0" err="1"/>
@@ -18233,17 +18033,12 @@
             </a:r>
             <a:r>
               <a:rPr lang="en-US" sz="1600" dirty="0"/>
-              <a:t> → Generalized FWD mode AD</a:t>
-            </a:r>
-          </a:p>
-          <a:p>
-            <a:pPr lvl="0">
-              <a:buClr>
-                <a:srgbClr val="FFCC99"/>
-              </a:buClr>
-              <a:buSzPct val="45000"/>
-              <a:buFont typeface="StarSymbol"/>
-              <a:buChar char="●"/>
+              <a:t> → Generalized Forward AD</a:t>
+            </a:r>
+          </a:p>
+          <a:p>
+            <a:pPr marL="0" lvl="0" indent="0">
+              <a:buNone/>
             </a:pPr>
             <a:r>
               <a:rPr lang="en-US" sz="1600" dirty="0"/>
@@ -18255,17 +18050,12 @@
             </a:r>
             <a:r>
               <a:rPr lang="en-US" sz="1600" dirty="0"/>
-              <a:t> → BWD mode AD</a:t>
-            </a:r>
-          </a:p>
-          <a:p>
-            <a:pPr lvl="0">
-              <a:buClr>
-                <a:srgbClr val="FFCC99"/>
-              </a:buClr>
-              <a:buSzPct val="45000"/>
-              <a:buFont typeface="StarSymbol"/>
-              <a:buChar char="●"/>
+              <a:t> → Backward AD</a:t>
+            </a:r>
+          </a:p>
+          <a:p>
+            <a:pPr marL="0" lvl="0" indent="0">
+              <a:buNone/>
             </a:pPr>
             <a:r>
               <a:rPr lang="en-US" sz="1600" dirty="0"/>
@@ -18273,6 +18063,9 @@
             </a:r>
           </a:p>
           <a:p>
+            <a:pPr marL="0" indent="0">
+              <a:buNone/>
+            </a:pPr>
             <a:endParaRPr lang="en-US" sz="1600" dirty="0"/>
           </a:p>
         </p:txBody>
@@ -18287,20 +18080,20 @@
             <p:ph sz="half" idx="2"/>
           </p:nvPr>
         </p:nvSpPr>
-        <p:spPr/>
+        <p:spPr>
+          <a:xfrm>
+            <a:off x="6753487" y="2015914"/>
+            <a:ext cx="4939117" cy="4796543"/>
+          </a:xfrm>
+        </p:spPr>
         <p:txBody>
           <a:bodyPr>
             <a:normAutofit/>
           </a:bodyPr>
           <a:lstStyle/>
           <a:p>
-            <a:pPr lvl="0">
-              <a:buClr>
-                <a:srgbClr val="FFCC99"/>
-              </a:buClr>
-              <a:buSzPct val="45000"/>
-              <a:buFont typeface="StarSymbol"/>
-              <a:buChar char="●"/>
+            <a:pPr marL="0" lvl="0" indent="0">
+              <a:buNone/>
             </a:pPr>
             <a:r>
               <a:rPr lang="en-US" sz="1600" dirty="0"/>
@@ -18308,13 +18101,8 @@
             </a:r>
           </a:p>
           <a:p>
-            <a:pPr lvl="0">
-              <a:buClr>
-                <a:srgbClr val="FFCC99"/>
-              </a:buClr>
-              <a:buSzPct val="45000"/>
-              <a:buFont typeface="StarSymbol"/>
-              <a:buChar char="●"/>
+            <a:pPr marL="0" lvl="0" indent="0">
+              <a:buNone/>
             </a:pPr>
             <a:r>
               <a:rPr lang="en-US" sz="1600" u="sng" dirty="0"/>
@@ -18330,13 +18118,8 @@
             </a:r>
           </a:p>
           <a:p>
-            <a:pPr lvl="0">
-              <a:buClr>
-                <a:srgbClr val="FFCC99"/>
-              </a:buClr>
-              <a:buSzPct val="45000"/>
-              <a:buFont typeface="StarSymbol"/>
-              <a:buChar char="●"/>
+            <a:pPr marL="0" lvl="0" indent="0">
+              <a:buNone/>
             </a:pPr>
             <a:r>
               <a:rPr lang="en-US" sz="1600" u="sng" dirty="0"/>
@@ -18344,13 +18127,8 @@
             </a:r>
           </a:p>
           <a:p>
-            <a:pPr lvl="0">
-              <a:buClr>
-                <a:srgbClr val="FFCC99"/>
-              </a:buClr>
-              <a:buSzPct val="45000"/>
-              <a:buFont typeface="StarSymbol"/>
-              <a:buChar char="●"/>
+            <a:pPr marL="0" lvl="0" indent="0">
+              <a:buNone/>
             </a:pPr>
             <a:r>
               <a:rPr lang="en-US" sz="1600" dirty="0"/>
@@ -18358,27 +18136,17 @@
             </a:r>
           </a:p>
           <a:p>
-            <a:pPr lvl="0">
-              <a:buClr>
-                <a:srgbClr val="FFCC99"/>
-              </a:buClr>
-              <a:buSzPct val="45000"/>
-              <a:buFont typeface="StarSymbol"/>
-              <a:buChar char="●"/>
+            <a:pPr marL="0" lvl="0" indent="0">
+              <a:buNone/>
             </a:pPr>
             <a:r>
               <a:rPr lang="en-US" sz="1600" u="sng" dirty="0"/>
-              <a:t>Higher Order Abstract Syntax → Pretty API</a:t>
-            </a:r>
-          </a:p>
-          <a:p>
-            <a:pPr lvl="0">
-              <a:buClr>
-                <a:srgbClr val="FFCC99"/>
-              </a:buClr>
-              <a:buSzPct val="45000"/>
-              <a:buFont typeface="StarSymbol"/>
-              <a:buChar char="●"/>
+              <a:t>HOAS → Pretty API</a:t>
+            </a:r>
+          </a:p>
+          <a:p>
+            <a:pPr marL="0" lvl="0" indent="0">
+              <a:buNone/>
             </a:pPr>
             <a:r>
               <a:rPr lang="en-US" sz="1600" dirty="0"/>
@@ -18467,73 +18235,33 @@
           <a:bodyPr/>
           <a:lstStyle/>
           <a:p>
-            <a:pPr lvl="0">
-              <a:buClr>
-                <a:srgbClr val="FFCC99"/>
-              </a:buClr>
-              <a:buSzPct val="45000"/>
-              <a:buFont typeface="StarSymbol"/>
-              <a:buChar char="●"/>
-            </a:pPr>
-            <a:r>
-              <a:rPr lang="en-US" dirty="0"/>
+            <a:pPr lvl="0"/>
+            <a:r>
+              <a:rPr lang="en-US"/>
               <a:t>Finally Tagless mode, generalized AD, NN</a:t>
             </a:r>
           </a:p>
           <a:p>
-            <a:pPr lvl="0">
-              <a:buClr>
-                <a:srgbClr val="FFCC99"/>
-              </a:buClr>
-              <a:buSzPct val="45000"/>
-              <a:buFont typeface="StarSymbol"/>
-              <a:buChar char="●"/>
-            </a:pPr>
-            <a:r>
-              <a:rPr lang="en-US" dirty="0"/>
+            <a:pPr lvl="0"/>
+            <a:r>
+              <a:rPr lang="en-US"/>
               <a:t>And more! (Infinite tower of diff, example)</a:t>
             </a:r>
           </a:p>
           <a:p>
-            <a:pPr lvl="0">
-              <a:buClr>
-                <a:srgbClr val="FFCC99"/>
-              </a:buClr>
-              <a:buSzPct val="45000"/>
-              <a:buFont typeface="StarSymbol"/>
-              <a:buChar char="●"/>
-            </a:pPr>
-            <a:r>
-              <a:rPr lang="en-US" dirty="0">
+            <a:pPr lvl="0"/>
+            <a:r>
+              <a:rPr lang="en-US">
                 <a:hlinkClick r:id="rId3"/>
               </a:rPr>
               <a:t>https://github.com/ThoughtWorksInc/DeepDarkFantasy/</a:t>
             </a:r>
           </a:p>
           <a:p>
-            <a:pPr lvl="0">
-              <a:buClr>
-                <a:srgbClr val="FFCC99"/>
-              </a:buClr>
-              <a:buSzPct val="45000"/>
-              <a:buFont typeface="StarSymbol"/>
-              <a:buChar char="●"/>
-            </a:pPr>
-            <a:r>
-              <a:rPr lang="en-US" dirty="0"/>
-              <a:t>Example at DDF/</a:t>
-            </a:r>
-            <a:r>
-              <a:rPr lang="en-US" dirty="0" err="1"/>
-              <a:t>Poly.lhs</a:t>
-            </a:r>
-            <a:r>
-              <a:rPr lang="en-US" dirty="0"/>
-              <a:t>, DDF/</a:t>
-            </a:r>
-            <a:r>
-              <a:rPr lang="en-US" dirty="0" err="1"/>
-              <a:t>Xor.lhs</a:t>
+            <a:pPr lvl="0"/>
+            <a:r>
+              <a:rPr lang="en-US"/>
+              <a:t>Example at DDF/Poly.lhs, DDF/Xor.lhs</a:t>
             </a:r>
             <a:endParaRPr lang="en-US" dirty="0"/>
           </a:p>
@@ -18614,59 +18342,30 @@
           <a:bodyPr/>
           <a:lstStyle/>
           <a:p>
-            <a:pPr lvl="0">
-              <a:buClr>
-                <a:srgbClr val="FFCC99"/>
-              </a:buClr>
-              <a:buSzPct val="45000"/>
-              <a:buFont typeface="StarSymbol"/>
-              <a:buChar char="●"/>
-            </a:pPr>
-            <a:r>
-              <a:rPr lang="en-US" dirty="0"/>
+            <a:pPr lvl="0"/>
+            <a:r>
+              <a:rPr lang="en-US"/>
               <a:t>Implementing Explicit and Finding Implicit Sharing in Embedded DSLs</a:t>
             </a:r>
           </a:p>
           <a:p>
-            <a:pPr lvl="0">
-              <a:buClr>
-                <a:srgbClr val="FFCC99"/>
-              </a:buClr>
-              <a:buSzPct val="45000"/>
-              <a:buFont typeface="StarSymbol"/>
-              <a:buChar char="●"/>
-            </a:pPr>
-            <a:r>
-              <a:rPr lang="en-US" dirty="0">
+            <a:pPr lvl="0"/>
+            <a:r>
+              <a:rPr lang="en-US">
                 <a:hlinkClick r:id="rId3"/>
               </a:rPr>
               <a:t>http://colah.github.io/posts/2015-09-NN-Types-FP/</a:t>
             </a:r>
-            <a:endParaRPr lang="en-US" dirty="0"/>
-          </a:p>
-          <a:p>
-            <a:pPr>
-              <a:buClr>
-                <a:srgbClr val="FFCC99"/>
-              </a:buClr>
-              <a:buSzPct val="45000"/>
-              <a:buFont typeface="StarSymbol"/>
-              <a:buChar char="●"/>
-            </a:pPr>
-            <a:r>
-              <a:rPr lang="en-US" dirty="0"/>
+            <a:endParaRPr lang="en-US"/>
+          </a:p>
+          <a:p>
+            <a:r>
+              <a:rPr lang="en-US"/>
               <a:t>Reverse-Mode AD in a Functional Framework</a:t>
             </a:r>
           </a:p>
           <a:p>
-            <a:pPr lvl="0">
-              <a:buClr>
-                <a:srgbClr val="FFCC99"/>
-              </a:buClr>
-              <a:buSzPct val="45000"/>
-              <a:buFont typeface="StarSymbol"/>
-              <a:buChar char="●"/>
-            </a:pPr>
+            <a:pPr lvl="0"/>
             <a:endParaRPr lang="en-US" dirty="0"/>
           </a:p>
         </p:txBody>
@@ -18720,7 +18419,7 @@
             <a:pPr lvl="0"/>
             <a:r>
               <a:rPr lang="en-US" dirty="0"/>
-              <a:t>Thanks to (Alphabetical Order)</a:t>
+              <a:t>Acknowledgements</a:t>
             </a:r>
           </a:p>
         </p:txBody>
@@ -18746,88 +18445,35 @@
           <a:bodyPr/>
           <a:lstStyle/>
           <a:p>
-            <a:pPr lvl="0">
-              <a:buClr>
-                <a:srgbClr val="FFCC99"/>
-              </a:buClr>
-              <a:buSzPct val="45000"/>
-              <a:buFont typeface="StarSymbol"/>
-              <a:buChar char="●"/>
-            </a:pPr>
-            <a:r>
-              <a:rPr lang="en-US" dirty="0" err="1"/>
-              <a:t>Belleve</a:t>
-            </a:r>
-            <a:r>
-              <a:rPr lang="en-US" dirty="0"/>
-              <a:t> </a:t>
-            </a:r>
-            <a:r>
-              <a:rPr lang="en-US" dirty="0" err="1"/>
-              <a:t>Invis</a:t>
+            <a:r>
+              <a:rPr lang="en-US"/>
+              <a:t>Belleve Invis</a:t>
+            </a:r>
+          </a:p>
+          <a:p>
+            <a:r>
+              <a:rPr lang="en-US"/>
+              <a:t>Bill Zorn</a:t>
+            </a:r>
+          </a:p>
+          <a:p>
+            <a:r>
+              <a:rPr lang="en-US"/>
+              <a:t>Sam Elliott</a:t>
+            </a:r>
+          </a:p>
+          <a:p>
+            <a:r>
+              <a:rPr lang="en-US"/>
+              <a:t>Zachary Tatlock</a:t>
+            </a:r>
+          </a:p>
+          <a:p>
+            <a:r>
+              <a:rPr lang="en-US"/>
+              <a:t>Zheng Yang</a:t>
             </a:r>
             <a:endParaRPr lang="en-US" dirty="0"/>
-          </a:p>
-          <a:p>
-            <a:pPr>
-              <a:buClr>
-                <a:srgbClr val="FFCC99"/>
-              </a:buClr>
-              <a:buSzPct val="45000"/>
-              <a:buFont typeface="StarSymbol"/>
-              <a:buChar char="●"/>
-            </a:pPr>
-            <a:r>
-              <a:rPr lang="en-US" dirty="0"/>
-              <a:t>Bill Zorn</a:t>
-            </a:r>
-          </a:p>
-          <a:p>
-            <a:pPr>
-              <a:buClr>
-                <a:srgbClr val="FFCC99"/>
-              </a:buClr>
-              <a:buSzPct val="45000"/>
-              <a:buFont typeface="StarSymbol"/>
-              <a:buChar char="●"/>
-            </a:pPr>
-            <a:r>
-              <a:rPr lang="en-US" dirty="0"/>
-              <a:t>Sam Elliott</a:t>
-            </a:r>
-          </a:p>
-          <a:p>
-            <a:pPr lvl="0">
-              <a:buClr>
-                <a:srgbClr val="FFCC99"/>
-              </a:buClr>
-              <a:buSzPct val="45000"/>
-              <a:buFont typeface="StarSymbol"/>
-              <a:buChar char="●"/>
-            </a:pPr>
-            <a:r>
-              <a:rPr lang="en-US" dirty="0"/>
-              <a:t>Zachary </a:t>
-            </a:r>
-            <a:r>
-              <a:rPr lang="en-US" dirty="0" err="1"/>
-              <a:t>Tatlock</a:t>
-            </a:r>
-            <a:endParaRPr lang="en-US" dirty="0"/>
-          </a:p>
-          <a:p>
-            <a:pPr lvl="0">
-              <a:buClr>
-                <a:srgbClr val="FFCC99"/>
-              </a:buClr>
-              <a:buSzPct val="45000"/>
-              <a:buFont typeface="StarSymbol"/>
-              <a:buChar char="●"/>
-            </a:pPr>
-            <a:r>
-              <a:rPr lang="en-US" dirty="0"/>
-              <a:t>Zheng Yang</a:t>
-            </a:r>
           </a:p>
         </p:txBody>
       </p:sp>
@@ -18958,9 +18604,10 @@
           <a:p>
             <a:pPr lvl="0"/>
             <a:r>
-              <a:rPr lang="en-US" dirty="0"/>
+              <a:rPr lang="en-US"/>
               <a:t>More Examples</a:t>
             </a:r>
+            <a:endParaRPr lang="en-US" dirty="0"/>
           </a:p>
         </p:txBody>
       </p:sp>
@@ -18982,41 +18629,28 @@
         </p:nvSpPr>
         <p:spPr/>
         <p:txBody>
-          <a:bodyPr>
-            <a:normAutofit/>
-          </a:bodyPr>
-          <a:lstStyle/>
-          <a:p>
-            <a:pPr lvl="0">
-              <a:buClr>
-                <a:srgbClr val="FFCC99"/>
-              </a:buClr>
-              <a:buSzPct val="45000"/>
-              <a:buFont typeface="StarSymbol"/>
-              <a:buChar char="●"/>
-            </a:pPr>
-            <a:r>
-              <a:rPr lang="en-US" sz="3200" dirty="0">
+          <a:bodyPr/>
+          <a:lstStyle/>
+          <a:p>
+            <a:pPr lvl="0"/>
+            <a:r>
+              <a:rPr lang="en-US">
                 <a:hlinkClick r:id="rId3"/>
               </a:rPr>
               <a:t>http://colah.github.io/posts/2015-09-NN-Types-FP/</a:t>
             </a:r>
           </a:p>
           <a:p>
-            <a:pPr lvl="0">
-              <a:buClr>
-                <a:srgbClr val="FFCC99"/>
-              </a:buClr>
-              <a:buSzPct val="45000"/>
-              <a:buFont typeface="StarSymbol"/>
-              <a:buChar char="●"/>
-            </a:pPr>
-            <a:r>
-              <a:rPr lang="en-US" dirty="0">
+            <a:pPr lvl="0"/>
+            <a:r>
+              <a:rPr lang="en-US">
                 <a:hlinkClick r:id="rId3"/>
               </a:rPr>
               <a:t>http://blog.emillon.org/posts/2012-10-18-comonadic-life.html</a:t>
             </a:r>
+            <a:endParaRPr lang="en-US" dirty="0">
+              <a:hlinkClick r:id="rId3"/>
+            </a:endParaRPr>
           </a:p>
         </p:txBody>
       </p:sp>
@@ -19106,9 +18740,10 @@
           <a:p>
             <a:pPr lvl="0"/>
             <a:r>
-              <a:rPr lang="en-US" dirty="0"/>
+              <a:rPr lang="en-US"/>
               <a:t>How to Train Your Neural Network</a:t>
             </a:r>
+            <a:endParaRPr lang="en-US" dirty="0"/>
           </a:p>
         </p:txBody>
       </p:sp>
@@ -19133,47 +18768,73 @@
           <a:bodyPr/>
           <a:lstStyle/>
           <a:p>
-            <a:pPr lvl="0">
-              <a:buClr>
-                <a:srgbClr val="FFCC99"/>
-              </a:buClr>
-              <a:buSzPct val="45000"/>
-              <a:buFont typeface="StarSymbol"/>
-              <a:buChar char="●"/>
-            </a:pPr>
-            <a:r>
-              <a:rPr lang="en-US" dirty="0"/>
-              <a:t>train: w → NN → input → output → w</a:t>
-            </a:r>
-          </a:p>
-          <a:p>
-            <a:pPr lvl="0">
-              <a:buClr>
-                <a:srgbClr val="FFCC99"/>
-              </a:buClr>
-              <a:buSzPct val="45000"/>
-              <a:buFont typeface="StarSymbol"/>
-              <a:buChar char="●"/>
-            </a:pPr>
+            <a:pPr lvl="0"/>
+            <a:r>
+              <a:rPr lang="en-US" dirty="0"/>
+              <a:t>train: </a:t>
+            </a:r>
+            <a:r>
+              <a:rPr lang="en-US" b="1" dirty="0"/>
+              <a:t>w</a:t>
+            </a:r>
+            <a:r>
+              <a:rPr lang="en-US" dirty="0"/>
+              <a:t> → </a:t>
+            </a:r>
+            <a:r>
+              <a:rPr lang="en-US" b="1" dirty="0"/>
+              <a:t>NN</a:t>
+            </a:r>
+            <a:r>
+              <a:rPr lang="en-US" dirty="0"/>
+              <a:t> → </a:t>
+            </a:r>
+            <a:r>
+              <a:rPr lang="en-US" b="1" dirty="0"/>
+              <a:t>Input</a:t>
+            </a:r>
+            <a:r>
+              <a:rPr lang="en-US" dirty="0"/>
+              <a:t> → </a:t>
+            </a:r>
+            <a:r>
+              <a:rPr lang="en-US" b="1" dirty="0"/>
+              <a:t>Output</a:t>
+            </a:r>
+            <a:r>
+              <a:rPr lang="en-US" dirty="0"/>
+              <a:t> → </a:t>
+            </a:r>
+            <a:r>
+              <a:rPr lang="en-US" b="1" dirty="0"/>
+              <a:t>w</a:t>
+            </a:r>
+          </a:p>
+          <a:p>
+            <a:pPr lvl="0"/>
             <a:r>
               <a:rPr lang="en-US" dirty="0"/>
               <a:t>train </a:t>
             </a:r>
             <a:r>
               <a:rPr lang="en-US" i="1" dirty="0"/>
-              <a:t>w</a:t>
-            </a:r>
-            <a:r>
-              <a:rPr lang="en-US" dirty="0"/>
+              <a:t>w </a:t>
+            </a:r>
+            <a:r>
+              <a:rPr lang="en-US" i="1" dirty="0" err="1"/>
+              <a:t>nn</a:t>
+            </a:r>
+            <a:r>
+              <a:rPr lang="en-US" i="1" dirty="0"/>
               <a:t> </a:t>
             </a:r>
             <a:r>
-              <a:rPr lang="en-US" dirty="0" err="1"/>
-              <a:t>nn</a:t>
-            </a:r>
-            <a:r>
-              <a:rPr lang="en-US" i="1" dirty="0"/>
-              <a:t> inp out </a:t>
+              <a:rPr lang="en-US" i="1" dirty="0" err="1"/>
+              <a:t>inp</a:t>
+            </a:r>
+            <a:r>
+              <a:rPr lang="en-US" i="1" dirty="0"/>
+              <a:t> out </a:t>
             </a:r>
             <a:r>
               <a:rPr lang="en-US" dirty="0"/>
@@ -19182,23 +18843,19 @@
           </a:p>
           <a:p>
             <a:pPr marL="0" lvl="0" indent="0">
-              <a:buClr>
-                <a:srgbClr val="FFCC99"/>
-              </a:buClr>
-              <a:buSzPct val="45000"/>
               <a:buNone/>
             </a:pPr>
             <a:r>
+              <a:rPr lang="en-US" dirty="0"/>
+              <a:t>	</a:t>
+            </a:r>
+            <a:r>
               <a:rPr lang="en-US" b="1" dirty="0"/>
-              <a:t>	let</a:t>
+              <a:t>let</a:t>
             </a:r>
           </a:p>
           <a:p>
             <a:pPr marL="0" lvl="0" indent="0">
-              <a:buClr>
-                <a:srgbClr val="FFCC99"/>
-              </a:buClr>
-              <a:buSzPct val="45000"/>
               <a:buNone/>
             </a:pPr>
             <a:r>
@@ -19214,20 +18871,21 @@
               <a:t> = </a:t>
             </a:r>
             <a:r>
-              <a:rPr lang="en-US" dirty="0" err="1"/>
+              <a:rPr lang="en-US" i="1" dirty="0" err="1"/>
               <a:t>nn</a:t>
             </a:r>
             <a:r>
               <a:rPr lang="en-US" i="1" dirty="0"/>
-              <a:t> w inp</a:t>
-            </a:r>
+              <a:t> w </a:t>
+            </a:r>
+            <a:r>
+              <a:rPr lang="en-US" i="1" dirty="0" err="1"/>
+              <a:t>inp</a:t>
+            </a:r>
+            <a:endParaRPr lang="en-US" i="1" dirty="0"/>
           </a:p>
           <a:p>
             <a:pPr marL="0" lvl="0" indent="0">
-              <a:buClr>
-                <a:srgbClr val="FFCC99"/>
-              </a:buClr>
-              <a:buSzPct val="45000"/>
               <a:buNone/>
             </a:pPr>
             <a:r>
@@ -19261,10 +18919,6 @@
           </a:p>
           <a:p>
             <a:pPr marL="0" lvl="0" indent="0">
-              <a:buClr>
-                <a:srgbClr val="FFCC99"/>
-              </a:buClr>
-              <a:buSzPct val="45000"/>
               <a:buNone/>
             </a:pPr>
             <a:r>
@@ -19280,57 +18934,41 @@
               <a:t> = (</a:t>
             </a:r>
             <a:r>
+              <a:rPr lang="en-US" i="1" dirty="0"/>
+              <a:t>res </a:t>
+            </a:r>
+            <a:r>
+              <a:rPr lang="en-US" dirty="0"/>
+              <a:t>– </a:t>
+            </a:r>
+            <a:r>
+              <a:rPr lang="en-US" i="1" dirty="0"/>
+              <a:t>out</a:t>
+            </a:r>
+            <a:r>
+              <a:rPr lang="en-US" dirty="0"/>
+              <a:t>) * d(</a:t>
+            </a:r>
+            <a:r>
+              <a:rPr lang="en-US" i="1" dirty="0"/>
+              <a:t>res</a:t>
+            </a:r>
+            <a:r>
+              <a:rPr lang="en-US" dirty="0"/>
+              <a:t>)/</a:t>
+            </a:r>
+            <a:r>
               <a:rPr lang="en-US" dirty="0" err="1"/>
-              <a:t>nn</a:t>
-            </a:r>
-            <a:r>
-              <a:rPr lang="en-US" dirty="0"/>
-              <a:t> </a:t>
-            </a:r>
-            <a:r>
-              <a:rPr lang="en-US" i="1" dirty="0"/>
-              <a:t>w inp </a:t>
-            </a:r>
-            <a:r>
-              <a:rPr lang="en-US" dirty="0"/>
-              <a:t>– </a:t>
-            </a:r>
-            <a:r>
-              <a:rPr lang="en-US" i="1" dirty="0"/>
-              <a:t>out</a:t>
-            </a:r>
-            <a:r>
-              <a:rPr lang="en-US" dirty="0"/>
-              <a:t>) * d(</a:t>
-            </a:r>
-            <a:r>
-              <a:rPr lang="en-US" dirty="0" err="1"/>
-              <a:t>nn</a:t>
-            </a:r>
-            <a:r>
-              <a:rPr lang="en-US" dirty="0"/>
-              <a:t> </a:t>
-            </a:r>
-            <a:r>
-              <a:rPr lang="en-US" i="1" dirty="0"/>
-              <a:t>w inp</a:t>
-            </a:r>
-            <a:r>
-              <a:rPr lang="en-US" dirty="0"/>
-              <a:t>)/</a:t>
-            </a:r>
-            <a:r>
-              <a:rPr lang="en-US" dirty="0" err="1"/>
-              <a:t>dw</a:t>
-            </a:r>
-            <a:endParaRPr lang="en-US" dirty="0"/>
+              <a:t>d</a:t>
+            </a:r>
+            <a:r>
+              <a:rPr lang="en-US" i="1" dirty="0" err="1"/>
+              <a:t>w</a:t>
+            </a:r>
+            <a:endParaRPr lang="en-US" i="1" dirty="0"/>
           </a:p>
           <a:p>
             <a:pPr marL="0" lvl="0" indent="0">
-              <a:buClr>
-                <a:srgbClr val="FFCC99"/>
-              </a:buClr>
-              <a:buSzPct val="45000"/>
               <a:buNone/>
             </a:pPr>
             <a:r>
@@ -19409,8 +19047,8 @@
           <a:p>
             <a:pPr lvl="0"/>
             <a:r>
-              <a:rPr lang="en-US"/>
-              <a:t>Road map</a:t>
+              <a:rPr lang="en-US" dirty="0"/>
+              <a:t>Roadmap</a:t>
             </a:r>
           </a:p>
         </p:txBody>
@@ -19436,30 +19074,16 @@
           <a:bodyPr/>
           <a:lstStyle/>
           <a:p>
-            <a:pPr lvl="0">
-              <a:buClr>
-                <a:srgbClr val="FFCC99"/>
-              </a:buClr>
-              <a:buSzPct val="45000"/>
-              <a:buFont typeface="StarSymbol"/>
-              <a:buChar char="●"/>
-            </a:pPr>
+            <a:pPr lvl="0"/>
             <a:r>
               <a:rPr lang="en-US" dirty="0"/>
               <a:t>Neural Network</a:t>
             </a:r>
           </a:p>
           <a:p>
-            <a:pPr lvl="0">
-              <a:buClr>
-                <a:srgbClr val="FFCC99"/>
-              </a:buClr>
-              <a:buSzPct val="45000"/>
-              <a:buFont typeface="StarSymbol"/>
-              <a:buChar char="●"/>
-            </a:pPr>
-            <a:r>
-              <a:rPr lang="en-US" dirty="0">
+            <a:pPr lvl="0"/>
+            <a:r>
+              <a:rPr lang="en-US" b="1" dirty="0">
                 <a:solidFill>
                   <a:schemeClr val="accent5"/>
                 </a:solidFill>
@@ -19468,56 +19092,28 @@
             </a:r>
           </a:p>
           <a:p>
-            <a:pPr lvl="0">
-              <a:buClr>
-                <a:srgbClr val="FFCC99"/>
-              </a:buClr>
-              <a:buSzPct val="45000"/>
-              <a:buFont typeface="StarSymbol"/>
-              <a:buChar char="●"/>
-            </a:pPr>
+            <a:pPr lvl="0"/>
             <a:r>
               <a:rPr lang="en-US" dirty="0"/>
               <a:t>Forward Mode AD</a:t>
             </a:r>
           </a:p>
           <a:p>
-            <a:pPr lvl="0">
-              <a:buClr>
-                <a:srgbClr val="FFCC99"/>
-              </a:buClr>
-              <a:buSzPct val="45000"/>
-              <a:buFont typeface="StarSymbol"/>
-              <a:buChar char="●"/>
-            </a:pPr>
+            <a:pPr lvl="0"/>
             <a:r>
               <a:rPr lang="en-US" dirty="0"/>
               <a:t>Derivative of Multiple Variable</a:t>
             </a:r>
           </a:p>
           <a:p>
-            <a:pPr lvl="0">
-              <a:buClr>
-                <a:srgbClr val="FFCC99"/>
-              </a:buClr>
-              <a:buSzPct val="45000"/>
-              <a:buFont typeface="StarSymbol"/>
-              <a:buChar char="●"/>
-            </a:pPr>
+            <a:pPr lvl="0"/>
             <a:r>
               <a:rPr lang="en-US" dirty="0"/>
               <a:t>Derivative of More Variable</a:t>
             </a:r>
           </a:p>
           <a:p>
-            <a:pPr lvl="0">
-              <a:buClr>
-                <a:srgbClr val="FFCC99"/>
-              </a:buClr>
-              <a:buSzPct val="45000"/>
-              <a:buFont typeface="StarSymbol"/>
-              <a:buChar char="●"/>
-            </a:pPr>
+            <a:pPr lvl="0"/>
             <a:r>
               <a:rPr lang="en-US" dirty="0" err="1"/>
               <a:t>Impl</a:t>
@@ -19528,14 +19124,7 @@
             </a:r>
           </a:p>
           <a:p>
-            <a:pPr lvl="0">
-              <a:buClr>
-                <a:srgbClr val="FFCC99"/>
-              </a:buClr>
-              <a:buSzPct val="45000"/>
-              <a:buFont typeface="StarSymbol"/>
-              <a:buChar char="●"/>
-            </a:pPr>
+            <a:pPr lvl="0"/>
             <a:r>
               <a:rPr lang="en-US" dirty="0"/>
               <a:t>Meaning of AD on PL</a:t>
@@ -19597,8 +19186,8 @@
           </a:p>
         </p:txBody>
       </p:sp>
-      <mc:AlternateContent xmlns:mc="http://schemas.openxmlformats.org/markup-compatibility/2006">
-        <mc:Choice xmlns:a14="http://schemas.microsoft.com/office/drawing/2010/main" Requires="a14">
+      <mc:AlternateContent xmlns:mc="http://schemas.openxmlformats.org/markup-compatibility/2006" xmlns:a14="http://schemas.microsoft.com/office/drawing/2010/main">
+        <mc:Choice Requires="a14">
           <p:sp>
             <p:nvSpPr>
               <p:cNvPr id="3" name="文本占位符 2">
@@ -19620,144 +19209,14 @@
               <a:bodyPr/>
               <a:lstStyle/>
               <a:p>
-                <a:pPr lvl="0">
-                  <a:buClr>
-                    <a:srgbClr val="FFCC99"/>
-                  </a:buClr>
-                  <a:buSzPct val="45000"/>
-                  <a:buFont typeface="StarSymbol"/>
-                  <a:buChar char="●"/>
-                </a:pPr>
+                <a:pPr lvl="0"/>
                 <a:r>
                   <a:rPr lang="en-US" dirty="0"/>
                   <a:t>Use high school calculus rule</a:t>
                 </a:r>
               </a:p>
               <a:p>
-                <a:pPr lvl="0">
-                  <a:buClr>
-                    <a:srgbClr val="FFCC99"/>
-                  </a:buClr>
-                  <a:buSzPct val="45000"/>
-                  <a:buFont typeface="StarSymbol"/>
-                  <a:buChar char="●"/>
-                </a:pPr>
-                <a14:m>
-                  <m:oMath xmlns:m="http://schemas.openxmlformats.org/officeDocument/2006/math">
-                    <m:f>
-                      <m:fPr>
-                        <m:ctrlPr>
-                          <a:rPr lang="en-US" b="0" i="1" dirty="0" smtClean="0">
-                            <a:latin typeface="Cambria Math" panose="02040503050406030204" pitchFamily="18" charset="0"/>
-                            <a:ea typeface="Cambria Math" panose="02040503050406030204" pitchFamily="18" charset="0"/>
-                            <a:cs typeface="Libertinus Math" panose="02000503000000000000" pitchFamily="50" charset="0"/>
-                          </a:rPr>
-                        </m:ctrlPr>
-                      </m:fPr>
-                      <m:num>
-                        <m:r>
-                          <a:rPr lang="en-US" b="0" i="1" dirty="0" smtClean="0">
-                            <a:latin typeface="Cambria Math" panose="02040503050406030204" pitchFamily="18" charset="0"/>
-                            <a:ea typeface="Cambria Math" panose="02040503050406030204" pitchFamily="18" charset="0"/>
-                            <a:cs typeface="Libertinus Math" panose="02000503000000000000" pitchFamily="50" charset="0"/>
-                          </a:rPr>
-                          <m:t>𝑑𝑥</m:t>
-                        </m:r>
-                      </m:num>
-                      <m:den>
-                        <m:r>
-                          <a:rPr lang="en-US" b="0" i="1" dirty="0" smtClean="0">
-                            <a:latin typeface="Cambria Math" panose="02040503050406030204" pitchFamily="18" charset="0"/>
-                            <a:ea typeface="Cambria Math" panose="02040503050406030204" pitchFamily="18" charset="0"/>
-                            <a:cs typeface="Libertinus Math" panose="02000503000000000000" pitchFamily="50" charset="0"/>
-                          </a:rPr>
-                          <m:t>𝑑𝑥</m:t>
-                        </m:r>
-                      </m:den>
-                    </m:f>
-                    <m:r>
-                      <a:rPr lang="en-US" i="1" dirty="0" smtClean="0">
-                        <a:latin typeface="Cambria Math" panose="02040503050406030204" pitchFamily="18" charset="0"/>
-                        <a:ea typeface="Cambria Math" panose="02040503050406030204" pitchFamily="18" charset="0"/>
-                        <a:cs typeface="Libertinus Math" panose="02000503000000000000" pitchFamily="50" charset="0"/>
-                      </a:rPr>
-                      <m:t>=1</m:t>
-                    </m:r>
-                  </m:oMath>
-                </a14:m>
-                <a:endParaRPr lang="en-US" dirty="0">
-                  <a:latin typeface="Cambria Math" panose="02040503050406030204" pitchFamily="18" charset="0"/>
-                  <a:ea typeface="Cambria Math" panose="02040503050406030204" pitchFamily="18" charset="0"/>
-                  <a:cs typeface="Libertinus Math" panose="02000503000000000000" pitchFamily="50" charset="0"/>
-                </a:endParaRPr>
-              </a:p>
-              <a:p>
-                <a:pPr lvl="0">
-                  <a:buClr>
-                    <a:srgbClr val="FFCC99"/>
-                  </a:buClr>
-                  <a:buSzPct val="45000"/>
-                  <a:buFont typeface="StarSymbol"/>
-                  <a:buChar char="●"/>
-                </a:pPr>
-                <a14:m>
-                  <m:oMath xmlns:m="http://schemas.openxmlformats.org/officeDocument/2006/math">
-                    <m:f>
-                      <m:fPr>
-                        <m:ctrlPr>
-                          <a:rPr lang="en-US" b="0" i="1" dirty="0" smtClean="0">
-                            <a:latin typeface="Cambria Math" panose="02040503050406030204" pitchFamily="18" charset="0"/>
-                            <a:ea typeface="Cambria Math" panose="02040503050406030204" pitchFamily="18" charset="0"/>
-                            <a:cs typeface="Libertinus Math" panose="02000503000000000000" pitchFamily="50" charset="0"/>
-                          </a:rPr>
-                        </m:ctrlPr>
-                      </m:fPr>
-                      <m:num>
-                        <m:r>
-                          <a:rPr lang="en-US" b="0" i="1" dirty="0" smtClean="0">
-                            <a:latin typeface="Cambria Math" panose="02040503050406030204" pitchFamily="18" charset="0"/>
-                            <a:ea typeface="Cambria Math" panose="02040503050406030204" pitchFamily="18" charset="0"/>
-                            <a:cs typeface="Libertinus Math" panose="02000503000000000000" pitchFamily="50" charset="0"/>
-                          </a:rPr>
-                          <m:t>𝑑𝑦</m:t>
-                        </m:r>
-                      </m:num>
-                      <m:den>
-                        <m:r>
-                          <a:rPr lang="en-US" b="0" i="1" dirty="0" smtClean="0">
-                            <a:latin typeface="Cambria Math" panose="02040503050406030204" pitchFamily="18" charset="0"/>
-                            <a:ea typeface="Cambria Math" panose="02040503050406030204" pitchFamily="18" charset="0"/>
-                            <a:cs typeface="Libertinus Math" panose="02000503000000000000" pitchFamily="50" charset="0"/>
-                          </a:rPr>
-                          <m:t>𝑑𝑥</m:t>
-                        </m:r>
-                      </m:den>
-                    </m:f>
-                    <m:r>
-                      <a:rPr lang="en-US" i="1" dirty="0" smtClean="0">
-                        <a:latin typeface="Cambria Math" panose="02040503050406030204" pitchFamily="18" charset="0"/>
-                        <a:ea typeface="Cambria Math" panose="02040503050406030204" pitchFamily="18" charset="0"/>
-                        <a:cs typeface="Libertinus Math" panose="02000503000000000000" pitchFamily="50" charset="0"/>
-                      </a:rPr>
-                      <m:t>=0</m:t>
-                    </m:r>
-                  </m:oMath>
-                </a14:m>
-                <a:endParaRPr lang="en-US" dirty="0">
-                  <a:latin typeface="Cambria Math" panose="02040503050406030204" pitchFamily="18" charset="0"/>
-                  <a:ea typeface="Cambria Math" panose="02040503050406030204" pitchFamily="18" charset="0"/>
-                  <a:cs typeface="Libertinus Math" panose="02000503000000000000" pitchFamily="50" charset="0"/>
-                </a:endParaRPr>
-              </a:p>
-              <a:p>
-                <a:pPr lvl="0">
-                  <a:buClr>
-                    <a:srgbClr val="FFCC99"/>
-                  </a:buClr>
-                  <a:buSzPct val="45000"/>
-                  <a:buFont typeface="StarSymbol"/>
-                  <a:buChar char="●"/>
-                </a:pPr>
+                <a:pPr lvl="0"/>
                 <a14:m>
                   <m:oMath xmlns:m="http://schemas.openxmlformats.org/officeDocument/2006/math">
                     <m:f>
@@ -19765,17 +19224,91 @@
                         <m:ctrlPr>
                           <a:rPr lang="en-US" i="1" dirty="0" smtClean="0">
                             <a:latin typeface="Cambria Math" panose="02040503050406030204" pitchFamily="18" charset="0"/>
-                            <a:ea typeface="Cambria Math" panose="02040503050406030204" pitchFamily="18" charset="0"/>
-                            <a:cs typeface="Libertinus Math" panose="02000503000000000000" pitchFamily="50" charset="0"/>
                           </a:rPr>
                         </m:ctrlPr>
                       </m:fPr>
                       <m:num>
                         <m:r>
+                          <a:rPr lang="en-US" dirty="0" smtClean="0">
+                            <a:latin typeface="Cambria Math" panose="02040503050406030204" pitchFamily="18" charset="0"/>
+                          </a:rPr>
+                          <m:t>𝑑𝑥</m:t>
+                        </m:r>
+                      </m:num>
+                      <m:den>
+                        <m:r>
+                          <a:rPr lang="en-US" dirty="0" smtClean="0">
+                            <a:latin typeface="Cambria Math" panose="02040503050406030204" pitchFamily="18" charset="0"/>
+                          </a:rPr>
+                          <m:t>𝑑𝑥</m:t>
+                        </m:r>
+                      </m:den>
+                    </m:f>
+                    <m:r>
+                      <a:rPr lang="en-US" dirty="0" smtClean="0">
+                        <a:latin typeface="Cambria Math" panose="02040503050406030204" pitchFamily="18" charset="0"/>
+                      </a:rPr>
+                      <m:t>=1</m:t>
+                    </m:r>
+                  </m:oMath>
+                </a14:m>
+                <a:endParaRPr lang="en-US" dirty="0"/>
+              </a:p>
+              <a:p>
+                <a:pPr lvl="0"/>
+                <a14:m>
+                  <m:oMath xmlns:m="http://schemas.openxmlformats.org/officeDocument/2006/math">
+                    <m:f>
+                      <m:fPr>
+                        <m:ctrlPr>
                           <a:rPr lang="en-US" i="1" dirty="0" smtClean="0">
                             <a:latin typeface="Cambria Math" panose="02040503050406030204" pitchFamily="18" charset="0"/>
-                            <a:ea typeface="Cambria Math" panose="02040503050406030204" pitchFamily="18" charset="0"/>
-                            <a:cs typeface="Libertinus Math" panose="02000503000000000000" pitchFamily="50" charset="0"/>
+                          </a:rPr>
+                        </m:ctrlPr>
+                      </m:fPr>
+                      <m:num>
+                        <m:r>
+                          <a:rPr lang="en-US" dirty="0" smtClean="0">
+                            <a:latin typeface="Cambria Math" panose="02040503050406030204" pitchFamily="18" charset="0"/>
+                          </a:rPr>
+                          <m:t>𝑑𝑦</m:t>
+                        </m:r>
+                      </m:num>
+                      <m:den>
+                        <m:r>
+                          <a:rPr lang="en-US" dirty="0" smtClean="0">
+                            <a:latin typeface="Cambria Math" panose="02040503050406030204" pitchFamily="18" charset="0"/>
+                          </a:rPr>
+                          <m:t>𝑑𝑥</m:t>
+                        </m:r>
+                      </m:den>
+                    </m:f>
+                    <m:r>
+                      <a:rPr lang="en-US" dirty="0" smtClean="0">
+                        <a:latin typeface="Cambria Math" panose="02040503050406030204" pitchFamily="18" charset="0"/>
+                      </a:rPr>
+                      <m:t>=0</m:t>
+                    </m:r>
+                  </m:oMath>
+                </a14:m>
+                <a:endParaRPr lang="en-US" dirty="0"/>
+              </a:p>
+              <a:p>
+                <a:pPr lvl="0"/>
+                <a14:m>
+                  <m:oMath xmlns:m="http://schemas.openxmlformats.org/officeDocument/2006/math">
+                    <m:f>
+                      <m:fPr>
+                        <m:ctrlPr>
+                          <a:rPr lang="en-US" i="1" dirty="0" smtClean="0">
+                            <a:latin typeface="Cambria Math" panose="02040503050406030204" pitchFamily="18" charset="0"/>
+                          </a:rPr>
+                        </m:ctrlPr>
+                      </m:fPr>
+                      <m:num>
+                        <m:r>
+                          <a:rPr lang="en-US" dirty="0" smtClean="0">
+                            <a:latin typeface="Cambria Math" panose="02040503050406030204" pitchFamily="18" charset="0"/>
                           </a:rPr>
                           <m:t>𝑑</m:t>
                         </m:r>
@@ -19784,17 +19317,13 @@
                             <m:ctrlPr>
                               <a:rPr lang="en-US" i="1" dirty="0" smtClean="0">
                                 <a:latin typeface="Cambria Math" panose="02040503050406030204" pitchFamily="18" charset="0"/>
-                                <a:ea typeface="Cambria Math" panose="02040503050406030204" pitchFamily="18" charset="0"/>
-                                <a:cs typeface="Libertinus Math" panose="02000503000000000000" pitchFamily="50" charset="0"/>
                               </a:rPr>
                             </m:ctrlPr>
                           </m:dPr>
                           <m:e>
                             <m:r>
-                              <a:rPr lang="en-US" i="1" dirty="0" smtClean="0">
+                              <a:rPr lang="en-US" dirty="0" smtClean="0">
                                 <a:latin typeface="Cambria Math" panose="02040503050406030204" pitchFamily="18" charset="0"/>
-                                <a:ea typeface="Cambria Math" panose="02040503050406030204" pitchFamily="18" charset="0"/>
-                                <a:cs typeface="Libertinus Math" panose="02000503000000000000" pitchFamily="50" charset="0"/>
                               </a:rPr>
                               <m:t>𝑓</m:t>
                             </m:r>
@@ -19803,35 +19332,27 @@
                                 <m:ctrlPr>
                                   <a:rPr lang="en-US" i="1" dirty="0" smtClean="0">
                                     <a:latin typeface="Cambria Math" panose="02040503050406030204" pitchFamily="18" charset="0"/>
-                                    <a:ea typeface="Cambria Math" panose="02040503050406030204" pitchFamily="18" charset="0"/>
-                                    <a:cs typeface="Libertinus Math" panose="02000503000000000000" pitchFamily="50" charset="0"/>
                                   </a:rPr>
                                 </m:ctrlPr>
                               </m:dPr>
                               <m:e>
                                 <m:r>
-                                  <a:rPr lang="en-US" i="1" dirty="0" smtClean="0">
+                                  <a:rPr lang="en-US" dirty="0" smtClean="0">
                                     <a:latin typeface="Cambria Math" panose="02040503050406030204" pitchFamily="18" charset="0"/>
-                                    <a:ea typeface="Cambria Math" panose="02040503050406030204" pitchFamily="18" charset="0"/>
-                                    <a:cs typeface="Libertinus Math" panose="02000503000000000000" pitchFamily="50" charset="0"/>
                                   </a:rPr>
                                   <m:t>𝑥</m:t>
                                 </m:r>
                               </m:e>
                             </m:d>
                             <m:r>
-                              <a:rPr lang="en-US" i="1" dirty="0" smtClean="0">
+                              <a:rPr lang="en-US" dirty="0" smtClean="0">
                                 <a:latin typeface="Cambria Math" panose="02040503050406030204" pitchFamily="18" charset="0"/>
-                                <a:ea typeface="Cambria Math" panose="02040503050406030204" pitchFamily="18" charset="0"/>
-                                <a:cs typeface="Libertinus Math" panose="02000503000000000000" pitchFamily="50" charset="0"/>
                               </a:rPr>
                               <m:t>+ </m:t>
                             </m:r>
                             <m:r>
-                              <a:rPr lang="en-US" i="1" dirty="0" smtClean="0">
+                              <a:rPr lang="en-US" dirty="0" smtClean="0">
                                 <a:latin typeface="Cambria Math" panose="02040503050406030204" pitchFamily="18" charset="0"/>
-                                <a:ea typeface="Cambria Math" panose="02040503050406030204" pitchFamily="18" charset="0"/>
-                                <a:cs typeface="Libertinus Math" panose="02000503000000000000" pitchFamily="50" charset="0"/>
                               </a:rPr>
                               <m:t>𝑔</m:t>
                             </m:r>
@@ -19840,17 +19361,13 @@
                                 <m:ctrlPr>
                                   <a:rPr lang="en-US" i="1" dirty="0" smtClean="0">
                                     <a:latin typeface="Cambria Math" panose="02040503050406030204" pitchFamily="18" charset="0"/>
-                                    <a:ea typeface="Cambria Math" panose="02040503050406030204" pitchFamily="18" charset="0"/>
-                                    <a:cs typeface="Libertinus Math" panose="02000503000000000000" pitchFamily="50" charset="0"/>
                                   </a:rPr>
                                 </m:ctrlPr>
                               </m:dPr>
                               <m:e>
                                 <m:r>
-                                  <a:rPr lang="en-US" i="1" dirty="0" smtClean="0">
+                                  <a:rPr lang="en-US" dirty="0" smtClean="0">
                                     <a:latin typeface="Cambria Math" panose="02040503050406030204" pitchFamily="18" charset="0"/>
-                                    <a:ea typeface="Cambria Math" panose="02040503050406030204" pitchFamily="18" charset="0"/>
-                                    <a:cs typeface="Libertinus Math" panose="02000503000000000000" pitchFamily="50" charset="0"/>
                                   </a:rPr>
                                   <m:t>𝑥</m:t>
                                 </m:r>
@@ -19861,20 +19378,16 @@
                       </m:num>
                       <m:den>
                         <m:r>
-                          <a:rPr lang="en-US" i="1" dirty="0" smtClean="0">
+                          <a:rPr lang="en-US" dirty="0" smtClean="0">
                             <a:latin typeface="Cambria Math" panose="02040503050406030204" pitchFamily="18" charset="0"/>
-                            <a:ea typeface="Cambria Math" panose="02040503050406030204" pitchFamily="18" charset="0"/>
-                            <a:cs typeface="Libertinus Math" panose="02000503000000000000" pitchFamily="50" charset="0"/>
                           </a:rPr>
                           <m:t>𝑑𝑥</m:t>
                         </m:r>
                       </m:den>
                     </m:f>
                     <m:r>
-                      <a:rPr lang="en-US" i="1" dirty="0" smtClean="0">
+                      <a:rPr lang="en-US" dirty="0" smtClean="0">
                         <a:latin typeface="Cambria Math" panose="02040503050406030204" pitchFamily="18" charset="0"/>
-                        <a:ea typeface="Cambria Math" panose="02040503050406030204" pitchFamily="18" charset="0"/>
-                        <a:cs typeface="Libertinus Math" panose="02000503000000000000" pitchFamily="50" charset="0"/>
                       </a:rPr>
                       <m:t>=</m:t>
                     </m:r>
@@ -19883,17 +19396,13 @@
                         <m:ctrlPr>
                           <a:rPr lang="en-US" i="1" dirty="0" smtClean="0">
                             <a:latin typeface="Cambria Math" panose="02040503050406030204" pitchFamily="18" charset="0"/>
-                            <a:ea typeface="Cambria Math" panose="02040503050406030204" pitchFamily="18" charset="0"/>
-                            <a:cs typeface="Libertinus Math" panose="02000503000000000000" pitchFamily="50" charset="0"/>
                           </a:rPr>
                         </m:ctrlPr>
                       </m:fPr>
                       <m:num>
                         <m:r>
-                          <a:rPr lang="en-US" i="1" dirty="0" smtClean="0">
+                          <a:rPr lang="en-US" dirty="0" smtClean="0">
                             <a:latin typeface="Cambria Math" panose="02040503050406030204" pitchFamily="18" charset="0"/>
-                            <a:ea typeface="Cambria Math" panose="02040503050406030204" pitchFamily="18" charset="0"/>
-                            <a:cs typeface="Libertinus Math" panose="02000503000000000000" pitchFamily="50" charset="0"/>
                           </a:rPr>
                           <m:t>𝑑</m:t>
                         </m:r>
@@ -19902,17 +19411,13 @@
                             <m:ctrlPr>
                               <a:rPr lang="en-US" i="1" dirty="0" smtClean="0">
                                 <a:latin typeface="Cambria Math" panose="02040503050406030204" pitchFamily="18" charset="0"/>
-                                <a:ea typeface="Cambria Math" panose="02040503050406030204" pitchFamily="18" charset="0"/>
-                                <a:cs typeface="Libertinus Math" panose="02000503000000000000" pitchFamily="50" charset="0"/>
                               </a:rPr>
                             </m:ctrlPr>
                           </m:dPr>
                           <m:e>
                             <m:r>
-                              <a:rPr lang="en-US" i="1" dirty="0" smtClean="0">
+                              <a:rPr lang="en-US" dirty="0" smtClean="0">
                                 <a:latin typeface="Cambria Math" panose="02040503050406030204" pitchFamily="18" charset="0"/>
-                                <a:ea typeface="Cambria Math" panose="02040503050406030204" pitchFamily="18" charset="0"/>
-                                <a:cs typeface="Libertinus Math" panose="02000503000000000000" pitchFamily="50" charset="0"/>
                               </a:rPr>
                               <m:t>𝑓</m:t>
                             </m:r>
@@ -19921,17 +19426,13 @@
                                 <m:ctrlPr>
                                   <a:rPr lang="en-US" i="1" dirty="0" smtClean="0">
                                     <a:latin typeface="Cambria Math" panose="02040503050406030204" pitchFamily="18" charset="0"/>
-                                    <a:ea typeface="Cambria Math" panose="02040503050406030204" pitchFamily="18" charset="0"/>
-                                    <a:cs typeface="Libertinus Math" panose="02000503000000000000" pitchFamily="50" charset="0"/>
                                   </a:rPr>
                                 </m:ctrlPr>
                               </m:dPr>
                               <m:e>
                                 <m:r>
-                                  <a:rPr lang="en-US" i="1" dirty="0" smtClean="0">
+                                  <a:rPr lang="en-US" dirty="0" smtClean="0">
                                     <a:latin typeface="Cambria Math" panose="02040503050406030204" pitchFamily="18" charset="0"/>
-                                    <a:ea typeface="Cambria Math" panose="02040503050406030204" pitchFamily="18" charset="0"/>
-                                    <a:cs typeface="Libertinus Math" panose="02000503000000000000" pitchFamily="50" charset="0"/>
                                   </a:rPr>
                                   <m:t>𝑥</m:t>
                                 </m:r>
@@ -19942,20 +19443,16 @@
                       </m:num>
                       <m:den>
                         <m:r>
-                          <a:rPr lang="en-US" i="1" dirty="0" smtClean="0">
+                          <a:rPr lang="en-US" dirty="0" smtClean="0">
                             <a:latin typeface="Cambria Math" panose="02040503050406030204" pitchFamily="18" charset="0"/>
-                            <a:ea typeface="Cambria Math" panose="02040503050406030204" pitchFamily="18" charset="0"/>
-                            <a:cs typeface="Libertinus Math" panose="02000503000000000000" pitchFamily="50" charset="0"/>
                           </a:rPr>
                           <m:t>𝑑𝑥</m:t>
                         </m:r>
                       </m:den>
                     </m:f>
                     <m:r>
-                      <a:rPr lang="en-US" i="1" dirty="0" smtClean="0">
+                      <a:rPr lang="en-US" dirty="0" smtClean="0">
                         <a:latin typeface="Cambria Math" panose="02040503050406030204" pitchFamily="18" charset="0"/>
-                        <a:ea typeface="Cambria Math" panose="02040503050406030204" pitchFamily="18" charset="0"/>
-                        <a:cs typeface="Libertinus Math" panose="02000503000000000000" pitchFamily="50" charset="0"/>
                       </a:rPr>
                       <m:t>+</m:t>
                     </m:r>
@@ -19964,17 +19461,13 @@
                         <m:ctrlPr>
                           <a:rPr lang="en-US" i="1" dirty="0" smtClean="0">
                             <a:latin typeface="Cambria Math" panose="02040503050406030204" pitchFamily="18" charset="0"/>
-                            <a:ea typeface="Cambria Math" panose="02040503050406030204" pitchFamily="18" charset="0"/>
-                            <a:cs typeface="Libertinus Math" panose="02000503000000000000" pitchFamily="50" charset="0"/>
                           </a:rPr>
                         </m:ctrlPr>
                       </m:fPr>
                       <m:num>
                         <m:r>
-                          <a:rPr lang="en-US" i="1" dirty="0" smtClean="0">
+                          <a:rPr lang="en-US" dirty="0" smtClean="0">
                             <a:latin typeface="Cambria Math" panose="02040503050406030204" pitchFamily="18" charset="0"/>
-                            <a:ea typeface="Cambria Math" panose="02040503050406030204" pitchFamily="18" charset="0"/>
-                            <a:cs typeface="Libertinus Math" panose="02000503000000000000" pitchFamily="50" charset="0"/>
                           </a:rPr>
                           <m:t>𝑑</m:t>
                         </m:r>
@@ -19983,17 +19476,13 @@
                             <m:ctrlPr>
                               <a:rPr lang="en-US" i="1" dirty="0" smtClean="0">
                                 <a:latin typeface="Cambria Math" panose="02040503050406030204" pitchFamily="18" charset="0"/>
-                                <a:ea typeface="Cambria Math" panose="02040503050406030204" pitchFamily="18" charset="0"/>
-                                <a:cs typeface="Libertinus Math" panose="02000503000000000000" pitchFamily="50" charset="0"/>
                               </a:rPr>
                             </m:ctrlPr>
                           </m:dPr>
                           <m:e>
                             <m:r>
-                              <a:rPr lang="en-US" i="1" dirty="0" smtClean="0">
+                              <a:rPr lang="en-US" dirty="0" smtClean="0">
                                 <a:latin typeface="Cambria Math" panose="02040503050406030204" pitchFamily="18" charset="0"/>
-                                <a:ea typeface="Cambria Math" panose="02040503050406030204" pitchFamily="18" charset="0"/>
-                                <a:cs typeface="Libertinus Math" panose="02000503000000000000" pitchFamily="50" charset="0"/>
                               </a:rPr>
                               <m:t>𝑔</m:t>
                             </m:r>
@@ -20002,17 +19491,13 @@
                                 <m:ctrlPr>
                                   <a:rPr lang="en-US" i="1" dirty="0" smtClean="0">
                                     <a:latin typeface="Cambria Math" panose="02040503050406030204" pitchFamily="18" charset="0"/>
-                                    <a:ea typeface="Cambria Math" panose="02040503050406030204" pitchFamily="18" charset="0"/>
-                                    <a:cs typeface="Libertinus Math" panose="02000503000000000000" pitchFamily="50" charset="0"/>
                                   </a:rPr>
                                 </m:ctrlPr>
                               </m:dPr>
                               <m:e>
                                 <m:r>
-                                  <a:rPr lang="en-US" i="1" dirty="0" smtClean="0">
+                                  <a:rPr lang="en-US" dirty="0" smtClean="0">
                                     <a:latin typeface="Cambria Math" panose="02040503050406030204" pitchFamily="18" charset="0"/>
-                                    <a:ea typeface="Cambria Math" panose="02040503050406030204" pitchFamily="18" charset="0"/>
-                                    <a:cs typeface="Libertinus Math" panose="02000503000000000000" pitchFamily="50" charset="0"/>
                                   </a:rPr>
                                   <m:t>𝑥</m:t>
                                 </m:r>
@@ -20023,10 +19508,8 @@
                       </m:num>
                       <m:den>
                         <m:r>
-                          <a:rPr lang="en-US" i="1" dirty="0" smtClean="0">
+                          <a:rPr lang="en-US" dirty="0" smtClean="0">
                             <a:latin typeface="Cambria Math" panose="02040503050406030204" pitchFamily="18" charset="0"/>
-                            <a:ea typeface="Cambria Math" panose="02040503050406030204" pitchFamily="18" charset="0"/>
-                            <a:cs typeface="Libertinus Math" panose="02000503000000000000" pitchFamily="50" charset="0"/>
                           </a:rPr>
                           <m:t>𝑑𝑥</m:t>
                         </m:r>
@@ -20034,21 +19517,10 @@
                     </m:f>
                   </m:oMath>
                 </a14:m>
-                <a:endParaRPr lang="en-US" i="1" dirty="0">
-                  <a:latin typeface="Cambria Math" panose="02040503050406030204" pitchFamily="18" charset="0"/>
-                  <a:ea typeface="Cambria Math" panose="02040503050406030204" pitchFamily="18" charset="0"/>
-                  <a:cs typeface="Libertinus Math" panose="02000503000000000000" pitchFamily="50" charset="0"/>
-                </a:endParaRPr>
+                <a:endParaRPr lang="en-US" dirty="0"/>
               </a:p>
               <a:p>
-                <a:pPr lvl="0">
-                  <a:buClr>
-                    <a:srgbClr val="FFCC99"/>
-                  </a:buClr>
-                  <a:buSzPct val="45000"/>
-                  <a:buFont typeface="StarSymbol"/>
-                  <a:buChar char="●"/>
-                </a:pPr>
+                <a:pPr lvl="0"/>
                 <a14:m>
                   <m:oMath xmlns:m="http://schemas.openxmlformats.org/officeDocument/2006/math">
                     <m:f>
@@ -20056,17 +19528,13 @@
                         <m:ctrlPr>
                           <a:rPr lang="en-US" i="1" dirty="0" smtClean="0">
                             <a:latin typeface="Cambria Math" panose="02040503050406030204" pitchFamily="18" charset="0"/>
-                            <a:ea typeface="Cambria Math" panose="02040503050406030204" pitchFamily="18" charset="0"/>
-                            <a:cs typeface="Libertinus Math" panose="02000503000000000000" pitchFamily="50" charset="0"/>
                           </a:rPr>
                         </m:ctrlPr>
                       </m:fPr>
                       <m:num>
                         <m:r>
-                          <a:rPr lang="en-US" i="1" dirty="0" smtClean="0">
+                          <a:rPr lang="en-US" dirty="0" smtClean="0">
                             <a:latin typeface="Cambria Math" panose="02040503050406030204" pitchFamily="18" charset="0"/>
-                            <a:ea typeface="Cambria Math" panose="02040503050406030204" pitchFamily="18" charset="0"/>
-                            <a:cs typeface="Libertinus Math" panose="02000503000000000000" pitchFamily="50" charset="0"/>
                           </a:rPr>
                           <m:t>𝑑</m:t>
                         </m:r>
@@ -20075,17 +19543,13 @@
                             <m:ctrlPr>
                               <a:rPr lang="en-US" i="1" dirty="0" smtClean="0">
                                 <a:latin typeface="Cambria Math" panose="02040503050406030204" pitchFamily="18" charset="0"/>
-                                <a:ea typeface="Cambria Math" panose="02040503050406030204" pitchFamily="18" charset="0"/>
-                                <a:cs typeface="Libertinus Math" panose="02000503000000000000" pitchFamily="50" charset="0"/>
                               </a:rPr>
                             </m:ctrlPr>
                           </m:dPr>
                           <m:e>
                             <m:r>
-                              <a:rPr lang="en-US" i="1" dirty="0" smtClean="0">
+                              <a:rPr lang="en-US" dirty="0" smtClean="0">
                                 <a:latin typeface="Cambria Math" panose="02040503050406030204" pitchFamily="18" charset="0"/>
-                                <a:ea typeface="Cambria Math" panose="02040503050406030204" pitchFamily="18" charset="0"/>
-                                <a:cs typeface="Libertinus Math" panose="02000503000000000000" pitchFamily="50" charset="0"/>
                               </a:rPr>
                               <m:t>𝑓</m:t>
                             </m:r>
@@ -20094,35 +19558,27 @@
                                 <m:ctrlPr>
                                   <a:rPr lang="en-US" i="1" dirty="0" smtClean="0">
                                     <a:latin typeface="Cambria Math" panose="02040503050406030204" pitchFamily="18" charset="0"/>
-                                    <a:ea typeface="Cambria Math" panose="02040503050406030204" pitchFamily="18" charset="0"/>
-                                    <a:cs typeface="Libertinus Math" panose="02000503000000000000" pitchFamily="50" charset="0"/>
                                   </a:rPr>
                                 </m:ctrlPr>
                               </m:dPr>
                               <m:e>
                                 <m:r>
-                                  <a:rPr lang="en-US" i="1" dirty="0" smtClean="0">
+                                  <a:rPr lang="en-US" dirty="0" smtClean="0">
                                     <a:latin typeface="Cambria Math" panose="02040503050406030204" pitchFamily="18" charset="0"/>
-                                    <a:ea typeface="Cambria Math" panose="02040503050406030204" pitchFamily="18" charset="0"/>
-                                    <a:cs typeface="Libertinus Math" panose="02000503000000000000" pitchFamily="50" charset="0"/>
                                   </a:rPr>
                                   <m:t>𝑥</m:t>
                                 </m:r>
                               </m:e>
                             </m:d>
                             <m:r>
-                              <a:rPr lang="en-US" b="0" i="1" dirty="0" smtClean="0">
+                              <a:rPr lang="en-US" dirty="0" smtClean="0">
                                 <a:latin typeface="Cambria Math" panose="02040503050406030204" pitchFamily="18" charset="0"/>
-                                <a:ea typeface="Cambria Math" panose="02040503050406030204" pitchFamily="18" charset="0"/>
-                                <a:cs typeface="Libertinus Math" panose="02000503000000000000" pitchFamily="50" charset="0"/>
                               </a:rPr>
                               <m:t>⋅</m:t>
                             </m:r>
                             <m:r>
-                              <a:rPr lang="en-US" i="1" dirty="0" smtClean="0">
+                              <a:rPr lang="en-US" dirty="0" smtClean="0">
                                 <a:latin typeface="Cambria Math" panose="02040503050406030204" pitchFamily="18" charset="0"/>
-                                <a:ea typeface="Cambria Math" panose="02040503050406030204" pitchFamily="18" charset="0"/>
-                                <a:cs typeface="Libertinus Math" panose="02000503000000000000" pitchFamily="50" charset="0"/>
                               </a:rPr>
                               <m:t>𝑔</m:t>
                             </m:r>
@@ -20131,17 +19587,13 @@
                                 <m:ctrlPr>
                                   <a:rPr lang="en-US" i="1" dirty="0" smtClean="0">
                                     <a:latin typeface="Cambria Math" panose="02040503050406030204" pitchFamily="18" charset="0"/>
-                                    <a:ea typeface="Cambria Math" panose="02040503050406030204" pitchFamily="18" charset="0"/>
-                                    <a:cs typeface="Libertinus Math" panose="02000503000000000000" pitchFamily="50" charset="0"/>
                                   </a:rPr>
                                 </m:ctrlPr>
                               </m:dPr>
                               <m:e>
                                 <m:r>
-                                  <a:rPr lang="en-US" i="1" dirty="0" smtClean="0">
+                                  <a:rPr lang="en-US" dirty="0" smtClean="0">
                                     <a:latin typeface="Cambria Math" panose="02040503050406030204" pitchFamily="18" charset="0"/>
-                                    <a:ea typeface="Cambria Math" panose="02040503050406030204" pitchFamily="18" charset="0"/>
-                                    <a:cs typeface="Libertinus Math" panose="02000503000000000000" pitchFamily="50" charset="0"/>
                                   </a:rPr>
                                   <m:t>𝑥</m:t>
                                 </m:r>
@@ -20152,20 +19604,16 @@
                       </m:num>
                       <m:den>
                         <m:r>
-                          <a:rPr lang="en-US" i="1" dirty="0" smtClean="0">
+                          <a:rPr lang="en-US" dirty="0" smtClean="0">
                             <a:latin typeface="Cambria Math" panose="02040503050406030204" pitchFamily="18" charset="0"/>
-                            <a:ea typeface="Cambria Math" panose="02040503050406030204" pitchFamily="18" charset="0"/>
-                            <a:cs typeface="Libertinus Math" panose="02000503000000000000" pitchFamily="50" charset="0"/>
                           </a:rPr>
                           <m:t>𝑑𝑥</m:t>
                         </m:r>
                       </m:den>
                     </m:f>
                     <m:r>
-                      <a:rPr lang="en-US" i="1" dirty="0" smtClean="0">
+                      <a:rPr lang="en-US" dirty="0" smtClean="0">
                         <a:latin typeface="Cambria Math" panose="02040503050406030204" pitchFamily="18" charset="0"/>
-                        <a:ea typeface="Cambria Math" panose="02040503050406030204" pitchFamily="18" charset="0"/>
-                        <a:cs typeface="Libertinus Math" panose="02000503000000000000" pitchFamily="50" charset="0"/>
                       </a:rPr>
                       <m:t> =</m:t>
                     </m:r>
@@ -20174,17 +19622,13 @@
                         <m:ctrlPr>
                           <a:rPr lang="en-US" i="1" dirty="0" smtClean="0">
                             <a:latin typeface="Cambria Math" panose="02040503050406030204" pitchFamily="18" charset="0"/>
-                            <a:ea typeface="Cambria Math" panose="02040503050406030204" pitchFamily="18" charset="0"/>
-                            <a:cs typeface="Libertinus Math" panose="02000503000000000000" pitchFamily="50" charset="0"/>
                           </a:rPr>
                         </m:ctrlPr>
                       </m:fPr>
                       <m:num>
                         <m:r>
-                          <a:rPr lang="en-US" i="1" dirty="0" smtClean="0">
+                          <a:rPr lang="en-US" dirty="0" smtClean="0">
                             <a:latin typeface="Cambria Math" panose="02040503050406030204" pitchFamily="18" charset="0"/>
-                            <a:ea typeface="Cambria Math" panose="02040503050406030204" pitchFamily="18" charset="0"/>
-                            <a:cs typeface="Libertinus Math" panose="02000503000000000000" pitchFamily="50" charset="0"/>
                           </a:rPr>
                           <m:t>𝑑</m:t>
                         </m:r>
@@ -20193,17 +19637,13 @@
                             <m:ctrlPr>
                               <a:rPr lang="en-US" i="1" dirty="0" smtClean="0">
                                 <a:latin typeface="Cambria Math" panose="02040503050406030204" pitchFamily="18" charset="0"/>
-                                <a:ea typeface="Cambria Math" panose="02040503050406030204" pitchFamily="18" charset="0"/>
-                                <a:cs typeface="Libertinus Math" panose="02000503000000000000" pitchFamily="50" charset="0"/>
                               </a:rPr>
                             </m:ctrlPr>
                           </m:dPr>
                           <m:e>
                             <m:r>
-                              <a:rPr lang="en-US" i="1" dirty="0" smtClean="0">
+                              <a:rPr lang="en-US" dirty="0" smtClean="0">
                                 <a:latin typeface="Cambria Math" panose="02040503050406030204" pitchFamily="18" charset="0"/>
-                                <a:ea typeface="Cambria Math" panose="02040503050406030204" pitchFamily="18" charset="0"/>
-                                <a:cs typeface="Libertinus Math" panose="02000503000000000000" pitchFamily="50" charset="0"/>
                               </a:rPr>
                               <m:t>𝑓</m:t>
                             </m:r>
@@ -20212,17 +19652,13 @@
                                 <m:ctrlPr>
                                   <a:rPr lang="en-US" i="1" dirty="0" smtClean="0">
                                     <a:latin typeface="Cambria Math" panose="02040503050406030204" pitchFamily="18" charset="0"/>
-                                    <a:ea typeface="Cambria Math" panose="02040503050406030204" pitchFamily="18" charset="0"/>
-                                    <a:cs typeface="Libertinus Math" panose="02000503000000000000" pitchFamily="50" charset="0"/>
                                   </a:rPr>
                                 </m:ctrlPr>
                               </m:dPr>
                               <m:e>
                                 <m:r>
-                                  <a:rPr lang="en-US" i="1" dirty="0" smtClean="0">
+                                  <a:rPr lang="en-US" dirty="0" smtClean="0">
                                     <a:latin typeface="Cambria Math" panose="02040503050406030204" pitchFamily="18" charset="0"/>
-                                    <a:ea typeface="Cambria Math" panose="02040503050406030204" pitchFamily="18" charset="0"/>
-                                    <a:cs typeface="Libertinus Math" panose="02000503000000000000" pitchFamily="50" charset="0"/>
                                   </a:rPr>
                                   <m:t>𝑥</m:t>
                                 </m:r>
@@ -20233,28 +19669,22 @@
                       </m:num>
                       <m:den>
                         <m:r>
-                          <a:rPr lang="en-US" i="1" dirty="0" smtClean="0">
+                          <a:rPr lang="en-US" dirty="0" smtClean="0">
                             <a:latin typeface="Cambria Math" panose="02040503050406030204" pitchFamily="18" charset="0"/>
-                            <a:ea typeface="Cambria Math" panose="02040503050406030204" pitchFamily="18" charset="0"/>
-                            <a:cs typeface="Libertinus Math" panose="02000503000000000000" pitchFamily="50" charset="0"/>
                           </a:rPr>
                           <m:t>𝑑𝑥</m:t>
                         </m:r>
                       </m:den>
                     </m:f>
                     <m:r>
-                      <a:rPr lang="en-US" b="0" i="1" dirty="0" smtClean="0">
+                      <a:rPr lang="en-US" dirty="0" smtClean="0">
                         <a:latin typeface="Cambria Math" panose="02040503050406030204" pitchFamily="18" charset="0"/>
-                        <a:ea typeface="Cambria Math" panose="02040503050406030204" pitchFamily="18" charset="0"/>
-                        <a:cs typeface="Libertinus Math" panose="02000503000000000000" pitchFamily="50" charset="0"/>
                       </a:rPr>
                       <m:t>⋅</m:t>
                     </m:r>
                     <m:r>
-                      <a:rPr lang="en-US" i="1" dirty="0" smtClean="0">
+                      <a:rPr lang="en-US" dirty="0" smtClean="0">
                         <a:latin typeface="Cambria Math" panose="02040503050406030204" pitchFamily="18" charset="0"/>
-                        <a:ea typeface="Cambria Math" panose="02040503050406030204" pitchFamily="18" charset="0"/>
-                        <a:cs typeface="Libertinus Math" panose="02000503000000000000" pitchFamily="50" charset="0"/>
                       </a:rPr>
                       <m:t>𝑔</m:t>
                     </m:r>
@@ -20263,27 +19693,21 @@
                         <m:ctrlPr>
                           <a:rPr lang="en-US" i="1" dirty="0" smtClean="0">
                             <a:latin typeface="Cambria Math" panose="02040503050406030204" pitchFamily="18" charset="0"/>
-                            <a:ea typeface="Cambria Math" panose="02040503050406030204" pitchFamily="18" charset="0"/>
-                            <a:cs typeface="Libertinus Math" panose="02000503000000000000" pitchFamily="50" charset="0"/>
                           </a:rPr>
                         </m:ctrlPr>
                       </m:dPr>
                       <m:e>
                         <m:r>
-                          <a:rPr lang="en-US" i="1" dirty="0" smtClean="0">
+                          <a:rPr lang="en-US" dirty="0" smtClean="0">
                             <a:latin typeface="Cambria Math" panose="02040503050406030204" pitchFamily="18" charset="0"/>
-                            <a:ea typeface="Cambria Math" panose="02040503050406030204" pitchFamily="18" charset="0"/>
-                            <a:cs typeface="Libertinus Math" panose="02000503000000000000" pitchFamily="50" charset="0"/>
                           </a:rPr>
                           <m:t>𝑥</m:t>
                         </m:r>
                       </m:e>
                     </m:d>
                     <m:r>
-                      <a:rPr lang="en-US" i="1" dirty="0" smtClean="0">
+                      <a:rPr lang="en-US" dirty="0" smtClean="0">
                         <a:latin typeface="Cambria Math" panose="02040503050406030204" pitchFamily="18" charset="0"/>
-                        <a:ea typeface="Cambria Math" panose="02040503050406030204" pitchFamily="18" charset="0"/>
-                        <a:cs typeface="Libertinus Math" panose="02000503000000000000" pitchFamily="50" charset="0"/>
                       </a:rPr>
                       <m:t>+</m:t>
                     </m:r>
@@ -20292,17 +19716,13 @@
                         <m:ctrlPr>
                           <a:rPr lang="en-US" i="1" dirty="0" smtClean="0">
                             <a:latin typeface="Cambria Math" panose="02040503050406030204" pitchFamily="18" charset="0"/>
-                            <a:ea typeface="Cambria Math" panose="02040503050406030204" pitchFamily="18" charset="0"/>
-                            <a:cs typeface="Libertinus Math" panose="02000503000000000000" pitchFamily="50" charset="0"/>
                           </a:rPr>
                         </m:ctrlPr>
                       </m:fPr>
                       <m:num>
                         <m:r>
-                          <a:rPr lang="en-US" i="1" dirty="0" smtClean="0">
+                          <a:rPr lang="en-US" dirty="0" smtClean="0">
                             <a:latin typeface="Cambria Math" panose="02040503050406030204" pitchFamily="18" charset="0"/>
-                            <a:ea typeface="Cambria Math" panose="02040503050406030204" pitchFamily="18" charset="0"/>
-                            <a:cs typeface="Libertinus Math" panose="02000503000000000000" pitchFamily="50" charset="0"/>
                           </a:rPr>
                           <m:t>𝑑</m:t>
                         </m:r>
@@ -20311,17 +19731,13 @@
                             <m:ctrlPr>
                               <a:rPr lang="en-US" i="1" dirty="0" smtClean="0">
                                 <a:latin typeface="Cambria Math" panose="02040503050406030204" pitchFamily="18" charset="0"/>
-                                <a:ea typeface="Cambria Math" panose="02040503050406030204" pitchFamily="18" charset="0"/>
-                                <a:cs typeface="Libertinus Math" panose="02000503000000000000" pitchFamily="50" charset="0"/>
                               </a:rPr>
                             </m:ctrlPr>
                           </m:dPr>
                           <m:e>
                             <m:r>
-                              <a:rPr lang="en-US" i="1" dirty="0" smtClean="0">
+                              <a:rPr lang="en-US" dirty="0" smtClean="0">
                                 <a:latin typeface="Cambria Math" panose="02040503050406030204" pitchFamily="18" charset="0"/>
-                                <a:ea typeface="Cambria Math" panose="02040503050406030204" pitchFamily="18" charset="0"/>
-                                <a:cs typeface="Libertinus Math" panose="02000503000000000000" pitchFamily="50" charset="0"/>
                               </a:rPr>
                               <m:t>𝑔</m:t>
                             </m:r>
@@ -20330,17 +19746,13 @@
                                 <m:ctrlPr>
                                   <a:rPr lang="en-US" i="1" dirty="0" smtClean="0">
                                     <a:latin typeface="Cambria Math" panose="02040503050406030204" pitchFamily="18" charset="0"/>
-                                    <a:ea typeface="Cambria Math" panose="02040503050406030204" pitchFamily="18" charset="0"/>
-                                    <a:cs typeface="Libertinus Math" panose="02000503000000000000" pitchFamily="50" charset="0"/>
                                   </a:rPr>
                                 </m:ctrlPr>
                               </m:dPr>
                               <m:e>
                                 <m:r>
-                                  <a:rPr lang="en-US" i="1" dirty="0" smtClean="0">
+                                  <a:rPr lang="en-US" dirty="0" smtClean="0">
                                     <a:latin typeface="Cambria Math" panose="02040503050406030204" pitchFamily="18" charset="0"/>
-                                    <a:ea typeface="Cambria Math" panose="02040503050406030204" pitchFamily="18" charset="0"/>
-                                    <a:cs typeface="Libertinus Math" panose="02000503000000000000" pitchFamily="50" charset="0"/>
                                   </a:rPr>
                                   <m:t>𝑥</m:t>
                                 </m:r>
@@ -20351,28 +19763,22 @@
                       </m:num>
                       <m:den>
                         <m:r>
-                          <a:rPr lang="en-US" i="1" dirty="0" smtClean="0">
+                          <a:rPr lang="en-US" dirty="0" smtClean="0">
                             <a:latin typeface="Cambria Math" panose="02040503050406030204" pitchFamily="18" charset="0"/>
-                            <a:ea typeface="Cambria Math" panose="02040503050406030204" pitchFamily="18" charset="0"/>
-                            <a:cs typeface="Libertinus Math" panose="02000503000000000000" pitchFamily="50" charset="0"/>
                           </a:rPr>
                           <m:t>𝑑𝑥</m:t>
                         </m:r>
                       </m:den>
                     </m:f>
                     <m:r>
-                      <a:rPr lang="en-US" b="0" i="1" dirty="0" smtClean="0">
+                      <a:rPr lang="en-US" dirty="0" smtClean="0">
                         <a:latin typeface="Cambria Math" panose="02040503050406030204" pitchFamily="18" charset="0"/>
-                        <a:ea typeface="Cambria Math" panose="02040503050406030204" pitchFamily="18" charset="0"/>
-                        <a:cs typeface="Libertinus Math" panose="02000503000000000000" pitchFamily="50" charset="0"/>
                       </a:rPr>
                       <m:t>⋅</m:t>
                     </m:r>
                     <m:r>
-                      <a:rPr lang="en-US" i="1" dirty="0" smtClean="0">
+                      <a:rPr lang="en-US" dirty="0" smtClean="0">
                         <a:latin typeface="Cambria Math" panose="02040503050406030204" pitchFamily="18" charset="0"/>
-                        <a:ea typeface="Cambria Math" panose="02040503050406030204" pitchFamily="18" charset="0"/>
-                        <a:cs typeface="Libertinus Math" panose="02000503000000000000" pitchFamily="50" charset="0"/>
                       </a:rPr>
                       <m:t>𝑓</m:t>
                     </m:r>
@@ -20381,17 +19787,13 @@
                         <m:ctrlPr>
                           <a:rPr lang="en-US" i="1" dirty="0" smtClean="0">
                             <a:latin typeface="Cambria Math" panose="02040503050406030204" pitchFamily="18" charset="0"/>
-                            <a:ea typeface="Cambria Math" panose="02040503050406030204" pitchFamily="18" charset="0"/>
-                            <a:cs typeface="Libertinus Math" panose="02000503000000000000" pitchFamily="50" charset="0"/>
                           </a:rPr>
                         </m:ctrlPr>
                       </m:dPr>
                       <m:e>
                         <m:r>
-                          <a:rPr lang="en-US" i="1" dirty="0" smtClean="0">
+                          <a:rPr lang="en-US" dirty="0" smtClean="0">
                             <a:latin typeface="Cambria Math" panose="02040503050406030204" pitchFamily="18" charset="0"/>
-                            <a:ea typeface="Cambria Math" panose="02040503050406030204" pitchFamily="18" charset="0"/>
-                            <a:cs typeface="Libertinus Math" panose="02000503000000000000" pitchFamily="50" charset="0"/>
                           </a:rPr>
                           <m:t>𝑥</m:t>
                         </m:r>
@@ -20399,21 +19801,10 @@
                     </m:d>
                   </m:oMath>
                 </a14:m>
-                <a:endParaRPr lang="en-US" dirty="0">
-                  <a:latin typeface="Cambria Math" panose="02040503050406030204" pitchFamily="18" charset="0"/>
-                  <a:ea typeface="Cambria Math" panose="02040503050406030204" pitchFamily="18" charset="0"/>
-                  <a:cs typeface="Libertinus Math" panose="02000503000000000000" pitchFamily="50" charset="0"/>
-                </a:endParaRPr>
+                <a:endParaRPr lang="en-US" dirty="0"/>
               </a:p>
               <a:p>
-                <a:pPr lvl="0">
-                  <a:buClr>
-                    <a:srgbClr val="FFCC99"/>
-                  </a:buClr>
-                  <a:buSzPct val="45000"/>
-                  <a:buFont typeface="StarSymbol"/>
-                  <a:buChar char="●"/>
-                </a:pPr>
+                <a:pPr lvl="0"/>
                 <a14:m>
                   <m:oMath xmlns:m="http://schemas.openxmlformats.org/officeDocument/2006/math">
                     <m:f>
@@ -20421,17 +19812,13 @@
                         <m:ctrlPr>
                           <a:rPr lang="en-US" i="1" dirty="0" smtClean="0">
                             <a:latin typeface="Cambria Math" panose="02040503050406030204" pitchFamily="18" charset="0"/>
-                            <a:ea typeface="Cambria Math" panose="02040503050406030204" pitchFamily="18" charset="0"/>
-                            <a:cs typeface="Libertinus Math" panose="02000503000000000000" pitchFamily="50" charset="0"/>
                           </a:rPr>
                         </m:ctrlPr>
                       </m:fPr>
                       <m:num>
                         <m:r>
-                          <a:rPr lang="en-US" i="1" dirty="0" smtClean="0">
+                          <a:rPr lang="en-US" dirty="0" smtClean="0">
                             <a:latin typeface="Cambria Math" panose="02040503050406030204" pitchFamily="18" charset="0"/>
-                            <a:ea typeface="Cambria Math" panose="02040503050406030204" pitchFamily="18" charset="0"/>
-                            <a:cs typeface="Libertinus Math" panose="02000503000000000000" pitchFamily="50" charset="0"/>
                           </a:rPr>
                           <m:t>𝑑</m:t>
                         </m:r>
@@ -20440,17 +19827,13 @@
                             <m:ctrlPr>
                               <a:rPr lang="en-US" i="1" dirty="0" smtClean="0">
                                 <a:latin typeface="Cambria Math" panose="02040503050406030204" pitchFamily="18" charset="0"/>
-                                <a:ea typeface="Cambria Math" panose="02040503050406030204" pitchFamily="18" charset="0"/>
-                                <a:cs typeface="Libertinus Math" panose="02000503000000000000" pitchFamily="50" charset="0"/>
                               </a:rPr>
                             </m:ctrlPr>
                           </m:dPr>
                           <m:e>
                             <m:r>
-                              <a:rPr lang="en-US" i="1" dirty="0" smtClean="0">
+                              <a:rPr lang="en-US" dirty="0" smtClean="0">
                                 <a:latin typeface="Cambria Math" panose="02040503050406030204" pitchFamily="18" charset="0"/>
-                                <a:ea typeface="Cambria Math" panose="02040503050406030204" pitchFamily="18" charset="0"/>
-                                <a:cs typeface="Libertinus Math" panose="02000503000000000000" pitchFamily="50" charset="0"/>
                               </a:rPr>
                               <m:t>𝑓</m:t>
                             </m:r>
@@ -20459,17 +19842,13 @@
                                 <m:ctrlPr>
                                   <a:rPr lang="en-US" i="1" dirty="0" smtClean="0">
                                     <a:latin typeface="Cambria Math" panose="02040503050406030204" pitchFamily="18" charset="0"/>
-                                    <a:ea typeface="Cambria Math" panose="02040503050406030204" pitchFamily="18" charset="0"/>
-                                    <a:cs typeface="Libertinus Math" panose="02000503000000000000" pitchFamily="50" charset="0"/>
                                   </a:rPr>
                                 </m:ctrlPr>
                               </m:dPr>
                               <m:e>
                                 <m:r>
-                                  <a:rPr lang="en-US" i="1" dirty="0" smtClean="0">
+                                  <a:rPr lang="en-US" dirty="0" smtClean="0">
                                     <a:latin typeface="Cambria Math" panose="02040503050406030204" pitchFamily="18" charset="0"/>
-                                    <a:ea typeface="Cambria Math" panose="02040503050406030204" pitchFamily="18" charset="0"/>
-                                    <a:cs typeface="Libertinus Math" panose="02000503000000000000" pitchFamily="50" charset="0"/>
                                   </a:rPr>
                                   <m:t>𝑔</m:t>
                                 </m:r>
@@ -20478,17 +19857,13 @@
                                     <m:ctrlPr>
                                       <a:rPr lang="en-US" i="1" dirty="0" smtClean="0">
                                         <a:latin typeface="Cambria Math" panose="02040503050406030204" pitchFamily="18" charset="0"/>
-                                        <a:ea typeface="Cambria Math" panose="02040503050406030204" pitchFamily="18" charset="0"/>
-                                        <a:cs typeface="Libertinus Math" panose="02000503000000000000" pitchFamily="50" charset="0"/>
                                       </a:rPr>
                                     </m:ctrlPr>
                                   </m:dPr>
                                   <m:e>
                                     <m:r>
-                                      <a:rPr lang="en-US" i="1" dirty="0" smtClean="0">
+                                      <a:rPr lang="en-US" dirty="0" smtClean="0">
                                         <a:latin typeface="Cambria Math" panose="02040503050406030204" pitchFamily="18" charset="0"/>
-                                        <a:ea typeface="Cambria Math" panose="02040503050406030204" pitchFamily="18" charset="0"/>
-                                        <a:cs typeface="Libertinus Math" panose="02000503000000000000" pitchFamily="50" charset="0"/>
                                       </a:rPr>
                                       <m:t>𝑥</m:t>
                                     </m:r>
@@ -20501,216 +19876,61 @@
                       </m:num>
                       <m:den>
                         <m:r>
-                          <a:rPr lang="en-US" i="1" dirty="0" smtClean="0">
+                          <a:rPr lang="en-US" dirty="0" smtClean="0">
                             <a:latin typeface="Cambria Math" panose="02040503050406030204" pitchFamily="18" charset="0"/>
-                            <a:ea typeface="Cambria Math" panose="02040503050406030204" pitchFamily="18" charset="0"/>
-                            <a:cs typeface="Libertinus Math" panose="02000503000000000000" pitchFamily="50" charset="0"/>
                           </a:rPr>
                           <m:t>𝑑𝑥</m:t>
                         </m:r>
                       </m:den>
                     </m:f>
                     <m:r>
-                      <a:rPr lang="en-US" i="1" dirty="0" smtClean="0">
+                      <a:rPr lang="en-US" dirty="0" smtClean="0">
                         <a:latin typeface="Cambria Math" panose="02040503050406030204" pitchFamily="18" charset="0"/>
-                        <a:ea typeface="Cambria Math" panose="02040503050406030204" pitchFamily="18" charset="0"/>
-                        <a:cs typeface="Libertinus Math" panose="02000503000000000000" pitchFamily="50" charset="0"/>
                       </a:rPr>
                       <m:t>=</m:t>
-                    </m:r>
-                    <m:d>
-                      <m:dPr>
-                        <m:ctrlPr>
-                          <a:rPr lang="en-US" i="1" dirty="0" smtClean="0">
-                            <a:latin typeface="Cambria Math" panose="02040503050406030204" pitchFamily="18" charset="0"/>
-                            <a:ea typeface="Cambria Math" panose="02040503050406030204" pitchFamily="18" charset="0"/>
-                            <a:cs typeface="Libertinus Math" panose="02000503000000000000" pitchFamily="50" charset="0"/>
-                          </a:rPr>
-                        </m:ctrlPr>
-                      </m:dPr>
-                      <m:e>
-                        <m:f>
-                          <m:fPr>
-                            <m:ctrlPr>
-                              <a:rPr lang="en-US" i="1" dirty="0" smtClean="0">
-                                <a:latin typeface="Cambria Math" panose="02040503050406030204" pitchFamily="18" charset="0"/>
-                                <a:ea typeface="Cambria Math" panose="02040503050406030204" pitchFamily="18" charset="0"/>
-                                <a:cs typeface="Libertinus Math" panose="02000503000000000000" pitchFamily="50" charset="0"/>
-                              </a:rPr>
-                            </m:ctrlPr>
-                          </m:fPr>
-                          <m:num>
-                            <m:r>
-                              <a:rPr lang="en-US" i="1" dirty="0" smtClean="0">
-                                <a:latin typeface="Cambria Math" panose="02040503050406030204" pitchFamily="18" charset="0"/>
-                                <a:ea typeface="Cambria Math" panose="02040503050406030204" pitchFamily="18" charset="0"/>
-                                <a:cs typeface="Libertinus Math" panose="02000503000000000000" pitchFamily="50" charset="0"/>
-                              </a:rPr>
-                              <m:t>𝑑</m:t>
-                            </m:r>
-                            <m:d>
-                              <m:dPr>
-                                <m:ctrlPr>
-                                  <a:rPr lang="en-US" i="1" dirty="0" smtClean="0">
-                                    <a:latin typeface="Cambria Math" panose="02040503050406030204" pitchFamily="18" charset="0"/>
-                                    <a:ea typeface="Cambria Math" panose="02040503050406030204" pitchFamily="18" charset="0"/>
-                                    <a:cs typeface="Libertinus Math" panose="02000503000000000000" pitchFamily="50" charset="0"/>
-                                  </a:rPr>
-                                </m:ctrlPr>
-                              </m:dPr>
-                              <m:e>
-                                <m:r>
-                                  <a:rPr lang="en-US" i="1" dirty="0" smtClean="0">
-                                    <a:latin typeface="Cambria Math" panose="02040503050406030204" pitchFamily="18" charset="0"/>
-                                    <a:ea typeface="Cambria Math" panose="02040503050406030204" pitchFamily="18" charset="0"/>
-                                    <a:cs typeface="Libertinus Math" panose="02000503000000000000" pitchFamily="50" charset="0"/>
-                                  </a:rPr>
-                                  <m:t>𝑓</m:t>
-                                </m:r>
-                                <m:d>
-                                  <m:dPr>
-                                    <m:ctrlPr>
-                                      <a:rPr lang="en-US" i="1" dirty="0" smtClean="0">
-                                        <a:latin typeface="Cambria Math" panose="02040503050406030204" pitchFamily="18" charset="0"/>
-                                        <a:ea typeface="Cambria Math" panose="02040503050406030204" pitchFamily="18" charset="0"/>
-                                        <a:cs typeface="Libertinus Math" panose="02000503000000000000" pitchFamily="50" charset="0"/>
-                                      </a:rPr>
-                                    </m:ctrlPr>
-                                  </m:dPr>
-                                  <m:e>
-                                    <m:r>
-                                      <a:rPr lang="en-US" i="1" dirty="0" smtClean="0">
-                                        <a:latin typeface="Cambria Math" panose="02040503050406030204" pitchFamily="18" charset="0"/>
-                                        <a:ea typeface="Cambria Math" panose="02040503050406030204" pitchFamily="18" charset="0"/>
-                                        <a:cs typeface="Libertinus Math" panose="02000503000000000000" pitchFamily="50" charset="0"/>
-                                      </a:rPr>
-                                      <m:t>𝑥</m:t>
-                                    </m:r>
-                                  </m:e>
-                                </m:d>
-                              </m:e>
-                            </m:d>
-                          </m:num>
-                          <m:den>
-                            <m:r>
-                              <a:rPr lang="en-US" i="1" dirty="0" smtClean="0">
-                                <a:latin typeface="Cambria Math" panose="02040503050406030204" pitchFamily="18" charset="0"/>
-                                <a:ea typeface="Cambria Math" panose="02040503050406030204" pitchFamily="18" charset="0"/>
-                                <a:cs typeface="Libertinus Math" panose="02000503000000000000" pitchFamily="50" charset="0"/>
-                              </a:rPr>
-                              <m:t>𝑑𝑥</m:t>
-                            </m:r>
-                          </m:den>
-                        </m:f>
-                        <m:r>
-                          <a:rPr lang="en-US" b="0" i="1" dirty="0" smtClean="0">
-                            <a:latin typeface="Cambria Math" panose="02040503050406030204" pitchFamily="18" charset="0"/>
-                            <a:ea typeface="Cambria Math" panose="02040503050406030204" pitchFamily="18" charset="0"/>
-                            <a:cs typeface="Libertinus Math" panose="02000503000000000000" pitchFamily="50" charset="0"/>
-                          </a:rPr>
-                          <m:t>(</m:t>
-                        </m:r>
-                        <m:r>
-                          <a:rPr lang="en-US" i="1" dirty="0" smtClean="0">
-                            <a:latin typeface="Cambria Math" panose="02040503050406030204" pitchFamily="18" charset="0"/>
-                            <a:ea typeface="Cambria Math" panose="02040503050406030204" pitchFamily="18" charset="0"/>
-                            <a:cs typeface="Libertinus Math" panose="02000503000000000000" pitchFamily="50" charset="0"/>
-                          </a:rPr>
-                          <m:t>𝑔</m:t>
-                        </m:r>
-                        <m:d>
-                          <m:dPr>
-                            <m:ctrlPr>
-                              <a:rPr lang="en-US" i="1" dirty="0" smtClean="0">
-                                <a:latin typeface="Cambria Math" panose="02040503050406030204" pitchFamily="18" charset="0"/>
-                                <a:ea typeface="Cambria Math" panose="02040503050406030204" pitchFamily="18" charset="0"/>
-                                <a:cs typeface="Libertinus Math" panose="02000503000000000000" pitchFamily="50" charset="0"/>
-                              </a:rPr>
-                            </m:ctrlPr>
-                          </m:dPr>
-                          <m:e>
-                            <m:r>
-                              <a:rPr lang="en-US" i="1" dirty="0" smtClean="0">
-                                <a:latin typeface="Cambria Math" panose="02040503050406030204" pitchFamily="18" charset="0"/>
-                                <a:ea typeface="Cambria Math" panose="02040503050406030204" pitchFamily="18" charset="0"/>
-                                <a:cs typeface="Libertinus Math" panose="02000503000000000000" pitchFamily="50" charset="0"/>
-                              </a:rPr>
-                              <m:t>𝑥</m:t>
-                            </m:r>
-                          </m:e>
-                        </m:d>
-                        <m:r>
-                          <a:rPr lang="en-US" b="0" i="1" dirty="0" smtClean="0">
-                            <a:latin typeface="Cambria Math" panose="02040503050406030204" pitchFamily="18" charset="0"/>
-                            <a:ea typeface="Cambria Math" panose="02040503050406030204" pitchFamily="18" charset="0"/>
-                            <a:cs typeface="Libertinus Math" panose="02000503000000000000" pitchFamily="50" charset="0"/>
-                          </a:rPr>
-                          <m:t>)</m:t>
-                        </m:r>
-                      </m:e>
-                    </m:d>
-                    <m:r>
-                      <a:rPr lang="en-US" b="0" i="1" dirty="0" smtClean="0">
-                        <a:latin typeface="Cambria Math" panose="02040503050406030204" pitchFamily="18" charset="0"/>
-                        <a:ea typeface="Cambria Math" panose="02040503050406030204" pitchFamily="18" charset="0"/>
-                        <a:cs typeface="Libertinus Math" panose="02000503000000000000" pitchFamily="50" charset="0"/>
-                      </a:rPr>
-                      <m:t>⋅</m:t>
                     </m:r>
                     <m:f>
                       <m:fPr>
                         <m:ctrlPr>
-                          <a:rPr lang="en-US" i="1" dirty="0" smtClean="0">
+                          <a:rPr lang="en-US" i="1" dirty="0">
                             <a:latin typeface="Cambria Math" panose="02040503050406030204" pitchFamily="18" charset="0"/>
-                            <a:ea typeface="Cambria Math" panose="02040503050406030204" pitchFamily="18" charset="0"/>
-                            <a:cs typeface="Libertinus Math" panose="02000503000000000000" pitchFamily="50" charset="0"/>
                           </a:rPr>
                         </m:ctrlPr>
                       </m:fPr>
                       <m:num>
                         <m:r>
-                          <a:rPr lang="en-US" i="1" dirty="0" smtClean="0">
+                          <a:rPr lang="en-US" dirty="0">
                             <a:latin typeface="Cambria Math" panose="02040503050406030204" pitchFamily="18" charset="0"/>
-                            <a:ea typeface="Cambria Math" panose="02040503050406030204" pitchFamily="18" charset="0"/>
-                            <a:cs typeface="Libertinus Math" panose="02000503000000000000" pitchFamily="50" charset="0"/>
                           </a:rPr>
                           <m:t>𝑑</m:t>
                         </m:r>
                         <m:d>
                           <m:dPr>
                             <m:ctrlPr>
-                              <a:rPr lang="en-US" i="1" dirty="0" smtClean="0">
+                              <a:rPr lang="en-US" i="1" dirty="0">
                                 <a:latin typeface="Cambria Math" panose="02040503050406030204" pitchFamily="18" charset="0"/>
-                                <a:ea typeface="Cambria Math" panose="02040503050406030204" pitchFamily="18" charset="0"/>
-                                <a:cs typeface="Libertinus Math" panose="02000503000000000000" pitchFamily="50" charset="0"/>
                               </a:rPr>
                             </m:ctrlPr>
                           </m:dPr>
                           <m:e>
                             <m:r>
-                              <a:rPr lang="en-US" i="1" dirty="0" smtClean="0">
+                              <a:rPr lang="en-US" dirty="0">
                                 <a:latin typeface="Cambria Math" panose="02040503050406030204" pitchFamily="18" charset="0"/>
-                                <a:ea typeface="Cambria Math" panose="02040503050406030204" pitchFamily="18" charset="0"/>
-                                <a:cs typeface="Libertinus Math" panose="02000503000000000000" pitchFamily="50" charset="0"/>
                               </a:rPr>
-                              <m:t>𝑔</m:t>
+                              <m:t>𝑓</m:t>
                             </m:r>
                             <m:d>
                               <m:dPr>
                                 <m:ctrlPr>
-                                  <a:rPr lang="en-US" i="1" dirty="0" smtClean="0">
+                                  <a:rPr lang="en-US" i="1" dirty="0">
                                     <a:latin typeface="Cambria Math" panose="02040503050406030204" pitchFamily="18" charset="0"/>
-                                    <a:ea typeface="Cambria Math" panose="02040503050406030204" pitchFamily="18" charset="0"/>
-                                    <a:cs typeface="Libertinus Math" panose="02000503000000000000" pitchFamily="50" charset="0"/>
                                   </a:rPr>
                                 </m:ctrlPr>
                               </m:dPr>
                               <m:e>
                                 <m:r>
-                                  <a:rPr lang="en-US" i="1" dirty="0" smtClean="0">
+                                  <a:rPr lang="en-US" dirty="0">
                                     <a:latin typeface="Cambria Math" panose="02040503050406030204" pitchFamily="18" charset="0"/>
-                                    <a:ea typeface="Cambria Math" panose="02040503050406030204" pitchFamily="18" charset="0"/>
-                                    <a:cs typeface="Libertinus Math" panose="02000503000000000000" pitchFamily="50" charset="0"/>
                                   </a:rPr>
                                   <m:t>𝑥</m:t>
                                 </m:r>
@@ -20721,10 +19941,102 @@
                       </m:num>
                       <m:den>
                         <m:r>
+                          <a:rPr lang="en-US" dirty="0">
+                            <a:latin typeface="Cambria Math" panose="02040503050406030204" pitchFamily="18" charset="0"/>
+                          </a:rPr>
+                          <m:t>𝑑𝑥</m:t>
+                        </m:r>
+                      </m:den>
+                    </m:f>
+                    <m:r>
+                      <a:rPr lang="en-US" b="0" i="1" dirty="0" smtClean="0">
+                        <a:latin typeface="Cambria Math" panose="02040503050406030204" pitchFamily="18" charset="0"/>
+                      </a:rPr>
+                      <m:t>⋅</m:t>
+                    </m:r>
+                    <m:r>
+                      <a:rPr lang="en-US" b="0" i="1" dirty="0" smtClean="0">
+                        <a:latin typeface="Cambria Math" panose="02040503050406030204" pitchFamily="18" charset="0"/>
+                      </a:rPr>
+                      <m:t>𝑔</m:t>
+                    </m:r>
+                    <m:d>
+                      <m:dPr>
+                        <m:ctrlPr>
+                          <a:rPr lang="en-US" b="0" i="1" dirty="0" smtClean="0">
+                            <a:latin typeface="Cambria Math" panose="02040503050406030204" pitchFamily="18" charset="0"/>
+                          </a:rPr>
+                        </m:ctrlPr>
+                      </m:dPr>
+                      <m:e>
+                        <m:r>
+                          <a:rPr lang="en-US" b="0" i="1" dirty="0" smtClean="0">
+                            <a:latin typeface="Cambria Math" panose="02040503050406030204" pitchFamily="18" charset="0"/>
+                          </a:rPr>
+                          <m:t>𝑥</m:t>
+                        </m:r>
+                      </m:e>
+                    </m:d>
+                    <m:r>
+                      <a:rPr lang="en-US" b="0" i="1" dirty="0" smtClean="0">
+                        <a:latin typeface="Cambria Math" panose="02040503050406030204" pitchFamily="18" charset="0"/>
+                      </a:rPr>
+                      <m:t>⋅</m:t>
+                    </m:r>
+                    <m:f>
+                      <m:fPr>
+                        <m:ctrlPr>
                           <a:rPr lang="en-US" i="1" dirty="0" smtClean="0">
                             <a:latin typeface="Cambria Math" panose="02040503050406030204" pitchFamily="18" charset="0"/>
-                            <a:ea typeface="Cambria Math" panose="02040503050406030204" pitchFamily="18" charset="0"/>
-                            <a:cs typeface="Libertinus Math" panose="02000503000000000000" pitchFamily="50" charset="0"/>
+                          </a:rPr>
+                        </m:ctrlPr>
+                      </m:fPr>
+                      <m:num>
+                        <m:r>
+                          <a:rPr lang="en-US" dirty="0" smtClean="0">
+                            <a:latin typeface="Cambria Math" panose="02040503050406030204" pitchFamily="18" charset="0"/>
+                          </a:rPr>
+                          <m:t>𝑑</m:t>
+                        </m:r>
+                        <m:d>
+                          <m:dPr>
+                            <m:ctrlPr>
+                              <a:rPr lang="en-US" i="1" dirty="0" smtClean="0">
+                                <a:latin typeface="Cambria Math" panose="02040503050406030204" pitchFamily="18" charset="0"/>
+                              </a:rPr>
+                            </m:ctrlPr>
+                          </m:dPr>
+                          <m:e>
+                            <m:r>
+                              <a:rPr lang="en-US" dirty="0" smtClean="0">
+                                <a:latin typeface="Cambria Math" panose="02040503050406030204" pitchFamily="18" charset="0"/>
+                              </a:rPr>
+                              <m:t>𝑔</m:t>
+                            </m:r>
+                            <m:d>
+                              <m:dPr>
+                                <m:ctrlPr>
+                                  <a:rPr lang="en-US" i="1" dirty="0" smtClean="0">
+                                    <a:latin typeface="Cambria Math" panose="02040503050406030204" pitchFamily="18" charset="0"/>
+                                  </a:rPr>
+                                </m:ctrlPr>
+                              </m:dPr>
+                              <m:e>
+                                <m:r>
+                                  <a:rPr lang="en-US" dirty="0" smtClean="0">
+                                    <a:latin typeface="Cambria Math" panose="02040503050406030204" pitchFamily="18" charset="0"/>
+                                  </a:rPr>
+                                  <m:t>𝑥</m:t>
+                                </m:r>
+                              </m:e>
+                            </m:d>
+                          </m:e>
+                        </m:d>
+                      </m:num>
+                      <m:den>
+                        <m:r>
+                          <a:rPr lang="en-US" dirty="0" smtClean="0">
+                            <a:latin typeface="Cambria Math" panose="02040503050406030204" pitchFamily="18" charset="0"/>
                           </a:rPr>
                           <m:t>𝑑𝑥</m:t>
                         </m:r>
@@ -20732,16 +20044,12 @@
                     </m:f>
                   </m:oMath>
                 </a14:m>
-                <a:endParaRPr lang="en-US" dirty="0">
-                  <a:latin typeface="Cambria Math" panose="02040503050406030204" pitchFamily="18" charset="0"/>
-                  <a:ea typeface="Cambria Math" panose="02040503050406030204" pitchFamily="18" charset="0"/>
-                  <a:cs typeface="Libertinus Math" panose="02000503000000000000" pitchFamily="50" charset="0"/>
-                </a:endParaRPr>
+                <a:endParaRPr lang="en-US" dirty="0"/>
               </a:p>
             </p:txBody>
           </p:sp>
         </mc:Choice>
-        <mc:Fallback>
+        <mc:Fallback xmlns="">
           <p:sp>
             <p:nvSpPr>
               <p:cNvPr id="3" name="文本占位符 2">
@@ -20762,7 +20070,7 @@
               <a:blipFill>
                 <a:blip r:embed="rId3"/>
                 <a:stretch>
-                  <a:fillRect t="-1271"/>
+                  <a:fillRect l="-1416" t="-2922"/>
                 </a:stretch>
               </a:blipFill>
             </p:spPr>
@@ -20835,8 +20143,8 @@
           </a:p>
         </p:txBody>
       </p:sp>
-      <mc:AlternateContent xmlns:mc="http://schemas.openxmlformats.org/markup-compatibility/2006">
-        <mc:Choice xmlns:a14="http://schemas.microsoft.com/office/drawing/2010/main" Requires="a14">
+      <mc:AlternateContent xmlns:mc="http://schemas.openxmlformats.org/markup-compatibility/2006" xmlns:a14="http://schemas.microsoft.com/office/drawing/2010/main">
+        <mc:Choice Requires="a14">
           <p:sp>
             <p:nvSpPr>
               <p:cNvPr id="3" name="文本占位符 2">
@@ -21130,7 +20438,7 @@
             </p:txBody>
           </p:sp>
         </mc:Choice>
-        <mc:Fallback>
+        <mc:Fallback xmlns="">
           <p:sp>
             <p:nvSpPr>
               <p:cNvPr id="3" name="文本占位符 2">

--- a/Talk.pptx
+++ b/Talk.pptx
@@ -1649,7 +1649,21 @@
                 <a:latin typeface="Albany" pitchFamily="18"/>
                 <a:cs typeface="Tahoma" pitchFamily="2"/>
               </a:rPr>
-              <a:t>(17.0 – 19.0) Now remember, Neural Network are program! We want to extend the whole thing onto programming language. Now this is actually trivial: if the construct is unrelated to real, for example, lambda, application, or pattern matching on list, we left it unchanged. If the construct is operation on real, we rewrite it to the dual number version.</a:t>
+              <a:t>(17.0 – 19.0) Now remember, Neural Network are program! We want to extend the whole thing onto programming language. </a:t>
+            </a:r>
+            <a:r>
+              <a:rPr lang="en-US" altLang="zh-CN" sz="2500" dirty="0">
+                <a:latin typeface="Albany" pitchFamily="18"/>
+                <a:cs typeface="Tahoma" pitchFamily="2"/>
+              </a:rPr>
+              <a:t>How do we do this? I</a:t>
+            </a:r>
+            <a:r>
+              <a:rPr lang="en-US" sz="2500" dirty="0">
+                <a:latin typeface="Albany" pitchFamily="18"/>
+                <a:cs typeface="Tahoma" pitchFamily="2"/>
+              </a:rPr>
+              <a:t>f the construct is unrelated to real, for example, lambda, application, or pattern matching on list, we left it unchanged. If the construct is operation on real, we rewrite it to the dual number version.</a:t>
             </a:r>
           </a:p>
         </p:txBody>
@@ -10669,7 +10683,7 @@
           <a:p>
             <a:pPr lvl="0"/>
             <a:r>
-              <a:rPr lang="en-US"/>
+              <a:rPr lang="en-US" dirty="0"/>
               <a:t>Simple Sharing Strategy</a:t>
             </a:r>
           </a:p>
@@ -11628,24 +11642,16 @@
           <a:p>
             <a:pPr lvl="0"/>
             <a:r>
-              <a:rPr lang="en-US"/>
+              <a:rPr lang="en-US" dirty="0"/>
               <a:t>We don't want it to work on simple arithmetic.</a:t>
             </a:r>
           </a:p>
           <a:p>
             <a:pPr lvl="0"/>
             <a:r>
-              <a:rPr lang="en-US"/>
+              <a:rPr lang="en-US" dirty="0"/>
               <a:t>We want it to work on program.</a:t>
             </a:r>
-          </a:p>
-          <a:p>
-            <a:pPr lvl="0"/>
-            <a:r>
-              <a:rPr lang="en-US"/>
-              <a:t>Trivial.</a:t>
-            </a:r>
-            <a:endParaRPr lang="en-US" dirty="0"/>
           </a:p>
         </p:txBody>
       </p:sp>
@@ -14886,24 +14892,23 @@
           <a:p>
             <a:pPr lvl="0"/>
             <a:r>
-              <a:rPr lang="en-US"/>
+              <a:rPr lang="en-US" dirty="0"/>
               <a:t>Rather Obvious: call the constructor.</a:t>
             </a:r>
           </a:p>
           <a:p>
             <a:pPr lvl="0"/>
             <a:r>
-              <a:rPr lang="en-US"/>
+              <a:rPr lang="en-US" dirty="0"/>
               <a:t>Still exponential in that example.</a:t>
             </a:r>
           </a:p>
           <a:p>
             <a:pPr lvl="0"/>
             <a:r>
-              <a:rPr lang="en-US"/>
+              <a:rPr lang="en-US" dirty="0"/>
               <a:t>But we reduce the problem to a simpler one.</a:t>
             </a:r>
-            <a:endParaRPr lang="en-US" dirty="0"/>
           </a:p>
         </p:txBody>
       </p:sp>

--- a/Talk.pptx
+++ b/Talk.pptx
@@ -2060,7 +2060,7 @@
                 <a:latin typeface="Albany" pitchFamily="18"/>
                 <a:cs typeface="Tahoma" pitchFamily="2"/>
               </a:rPr>
-              <a:t>(23.0 – 24.0) We just fix the quadratic problem in our algorithm, now we can look at the next problem: A Neural Network have million of weight, or more, so we need to make our method work on multiple variable, scale it again, and we can implement Neural Network.</a:t>
+              <a:t>(23.0 – 24.0) By introducing product type into the language, we just fix the quadratic problem in our algorithm, now we can look at the next problem: A Neural Network have million of weight, or more, so we need to make our method work on multiple variable, scale it again, and we can implement Neural Network.</a:t>
             </a:r>
           </a:p>
         </p:txBody>
@@ -2675,7 +2675,7 @@
                 <a:latin typeface="Albany" pitchFamily="18"/>
                 <a:cs typeface="Tahoma" pitchFamily="2"/>
               </a:rPr>
-              <a:t>(29.0 – 30.0) I had gone through how to take derivative of multiple variable, but it is not fast enough. We will make it faster, then we can actually implement Neural Network.</a:t>
+              <a:t>(29.0 – 30.0) By generalizing gradient using type class (or module or abstract data type in other language), I had gone through how to take derivative of multiple variable, but it is not fast enough. We will make it faster, then we can actually implement Neural Network.</a:t>
             </a:r>
           </a:p>
         </p:txBody>
@@ -3192,7 +3192,7 @@
                 <a:latin typeface="Albany" pitchFamily="18"/>
                 <a:cs typeface="Tahoma" pitchFamily="2"/>
               </a:rPr>
-              <a:t>(34.0 – 37.0) Remember our problem is, we want to represent vector of a lot of variable, without using a big structure. So it seems like we need a way to refer to individual Real in the original structure – a selector. We will call this basis. Basis of Unit is Void, because we cannot get a real from a unit. Basis of Real is Unit, because there are exactly one way to get a weight. Basis of Product Type is a sum type, because we can either go left or go right. And basis of a Vector is just an Integer that is a valid subscript, and we can store it cheaply. Now with a basis, we can make a canonical form, called a FreeVector. A FreeVector is obviously a vector, but again, exponential blowup, so we should build it from a Map whenever possible. Every Vector can be converted to a FreeVector – take some time to try it out in your head.</a:t>
+              <a:t>(34.0 – 37.0) Remember our problem is, we want to represent vector of a lot of variable, without using a big structure. So it seems like we need a way to refer to individual Real in the original structure – a selector. We will call this basis. Basis of Unit is Void, because we cannot get a real from a unit. Basis of Real is Unit, because there are exactly one way to get a weight. Basis of Product Type is a sum type, because we can either go left or go right. And basis of a Vector is just an Integer that is a valid subscript, and we can store it cheaply. Now with a basis, we can make a canonical form, called a FreeVector. A FreeVector is a vector, but again, exponential blowup, so we should build it from a Map whenever possible. Every Vector can be converted to a FreeVector – take some time to try it out in your head.</a:t>
             </a:r>
           </a:p>
         </p:txBody>
@@ -4122,7 +4122,21 @@
                 <a:latin typeface="Albany" pitchFamily="18"/>
                 <a:cs typeface="Tahoma" pitchFamily="2"/>
               </a:rPr>
-              <a:t>(44.0 – 44.30) Now we get derivative working, it is finally time to implement Neural Network!</a:t>
+              <a:t>(44.0 – 44.30) That is a long way. We invented a domain specific language inside DDF and use hash-</a:t>
+            </a:r>
+            <a:r>
+              <a:rPr lang="en-US" sz="2500" dirty="0" err="1">
+                <a:latin typeface="Albany" pitchFamily="18"/>
+                <a:cs typeface="Tahoma" pitchFamily="2"/>
+              </a:rPr>
+              <a:t>consing</a:t>
+            </a:r>
+            <a:r>
+              <a:rPr lang="en-US" sz="2500" dirty="0">
+                <a:latin typeface="Albany" pitchFamily="18"/>
+                <a:cs typeface="Tahoma" pitchFamily="2"/>
+              </a:rPr>
+              <a:t> on it, and finally get derivative working, it is finally time to implement Neural Network!</a:t>
             </a:r>
           </a:p>
         </p:txBody>
@@ -4519,7 +4533,21 @@
                 <a:latin typeface="Albany" pitchFamily="18"/>
                 <a:cs typeface="Tahoma" pitchFamily="2"/>
               </a:rPr>
-              <a:t>(46.30 – 47.0) Now I have talk about how to implement Neural Network, maybe we should step back, and think: “what actually is the derivative of a function? Doesn’t derivative only make sense on real?” The rest of the talk is going to be more technical, so don’t worry if you cant understand it.</a:t>
+              <a:t>(46.30 – 47.0) Now I have talk about how to implement Neural Network using </a:t>
+            </a:r>
+            <a:r>
+              <a:rPr lang="en-US" sz="2500">
+                <a:latin typeface="Albany" pitchFamily="18"/>
+                <a:cs typeface="Tahoma" pitchFamily="2"/>
+              </a:rPr>
+              <a:t>existential type, </a:t>
+            </a:r>
+            <a:r>
+              <a:rPr lang="en-US" sz="2500" dirty="0">
+                <a:latin typeface="Albany" pitchFamily="18"/>
+                <a:cs typeface="Tahoma" pitchFamily="2"/>
+              </a:rPr>
+              <a:t>maybe we should step back, and think: “what actually is the derivative of a function? Doesn’t derivative only make sense on real?” The rest of the talk is going to be more technical, so don’t worry if you cant understand it.</a:t>
             </a:r>
           </a:p>
         </p:txBody>
@@ -6251,7 +6279,7 @@
                 <a:latin typeface="Albany" pitchFamily="18"/>
                 <a:cs typeface="Tahoma" pitchFamily="2"/>
               </a:rPr>
-              <a:t>(7.0 – 9.0) Before we being, let’s take a look at the road map. We just went through Neural Network, and we should try to look for the derivative of Neural Network automatically, Automatic Differentiation, so we can train it. Our initial approach is slow, so we refine it into a faster mode, called Forward Mode AD. However, Neural Network typically have million of weight, or more, so we make Forward Mode AD handle multiple variable, and optimize it. We than implement NN, and give a precise semantic of Automatic Differentiation.</a:t>
+              <a:t>(7.0 – 9.0) Before we being, let’s take a look at the road map. We just went through Neural Network, and we should try to look for the derivative of Neural Network automatically, Automatic Differentiation, so we can train it. Our initial approach is slow, so we refine it into a faster mode, called Forward Mode AD. However, Neural Network typically have million of weight, or more, so we make Forward Mode AD handle multiple variable, and optimize it. We than implement NN, and give a precise semantic of Automatic Differentiation. Our knowledge in Programming Language will help us all along the ways.</a:t>
             </a:r>
           </a:p>
         </p:txBody>
@@ -10766,7 +10794,7 @@
               <a:t>, </a:t>
             </a:r>
             <a:r>
-              <a:rPr lang="en-US" i="1" dirty="0" err="1"/>
+              <a:rPr lang="en-US" i="1" dirty="0"/>
               <a:t>ldiff</a:t>
             </a:r>
             <a:r>
@@ -10782,7 +10810,7 @@
               <a:t>, </a:t>
             </a:r>
             <a:r>
-              <a:rPr lang="en-US" i="1" dirty="0" err="1"/>
+              <a:rPr lang="en-US" i="1" dirty="0"/>
               <a:t>rdiff</a:t>
             </a:r>
             <a:r>
@@ -10806,7 +10834,7 @@
               <a:t>, </a:t>
             </a:r>
             <a:r>
-              <a:rPr lang="en-US" i="1" dirty="0" err="1"/>
+              <a:rPr lang="en-US" i="1" dirty="0"/>
               <a:t>ldiff</a:t>
             </a:r>
             <a:r>
@@ -10814,7 +10842,7 @@
               <a:t> + </a:t>
             </a:r>
             <a:r>
-              <a:rPr lang="en-US" i="1" dirty="0" err="1"/>
+              <a:rPr lang="en-US" i="1" dirty="0"/>
               <a:t>rdiff</a:t>
             </a:r>
             <a:r>
@@ -10839,7 +10867,7 @@
               <a:t>, </a:t>
             </a:r>
             <a:r>
-              <a:rPr lang="en-US" i="1" dirty="0" err="1"/>
+              <a:rPr lang="en-US" i="1" dirty="0"/>
               <a:t>ldiff</a:t>
             </a:r>
             <a:r>
@@ -10855,7 +10883,7 @@
               <a:t>, </a:t>
             </a:r>
             <a:r>
-              <a:rPr lang="en-US" i="1" dirty="0" err="1"/>
+              <a:rPr lang="en-US" i="1" dirty="0"/>
               <a:t>rdiff</a:t>
             </a:r>
             <a:r>
@@ -10887,7 +10915,7 @@
               <a:t> * </a:t>
             </a:r>
             <a:r>
-              <a:rPr lang="en-US" i="1" dirty="0" err="1"/>
+              <a:rPr lang="en-US" i="1" dirty="0"/>
               <a:t>rdiff</a:t>
             </a:r>
             <a:r>
@@ -10903,7 +10931,7 @@
               <a:t> * </a:t>
             </a:r>
             <a:r>
-              <a:rPr lang="en-US" i="1" dirty="0" err="1"/>
+              <a:rPr lang="en-US" i="1" dirty="0"/>
               <a:t>ldiff</a:t>
             </a:r>
             <a:r>
@@ -10968,7 +10996,12 @@
             <p:ph type="title"/>
           </p:nvPr>
         </p:nvSpPr>
-        <p:spPr/>
+        <p:spPr>
+          <a:xfrm>
+            <a:off x="541867" y="403182"/>
+            <a:ext cx="11533771" cy="1461187"/>
+          </a:xfrm>
+        </p:spPr>
         <p:txBody>
           <a:bodyPr/>
           <a:lstStyle/>
@@ -10997,9 +11030,16 @@
             <p:ph idx="1"/>
           </p:nvPr>
         </p:nvSpPr>
-        <p:spPr/>
-        <p:txBody>
-          <a:bodyPr/>
+        <p:spPr>
+          <a:xfrm>
+            <a:off x="541867" y="2015914"/>
+            <a:ext cx="11533771" cy="4796543"/>
+          </a:xfrm>
+        </p:spPr>
+        <p:txBody>
+          <a:bodyPr>
+            <a:normAutofit/>
+          </a:bodyPr>
           <a:lstStyle/>
           <a:p>
             <a:pPr marL="0" lvl="0" indent="0">
@@ -11076,7 +11116,55 @@
             </a:r>
             <a:r>
               <a:rPr lang="en-US" dirty="0"/>
-              <a:t>, 1) + (3, 0)</a:t>
+              <a:t>, 1) + (3, 0) </a:t>
+            </a:r>
+            <a:r>
+              <a:rPr lang="en-US" dirty="0">
+                <a:solidFill>
+                  <a:srgbClr val="0070C0"/>
+                </a:solidFill>
+              </a:rPr>
+              <a:t>[lit </a:t>
+            </a:r>
+            <a:r>
+              <a:rPr lang="en-US" i="1" dirty="0">
+                <a:solidFill>
+                  <a:srgbClr val="0070C0"/>
+                </a:solidFill>
+              </a:rPr>
+              <a:t>r </a:t>
+            </a:r>
+            <a:r>
+              <a:rPr lang="zh-CN" altLang="en-US" dirty="0">
+                <a:solidFill>
+                  <a:srgbClr val="0070C0"/>
+                </a:solidFill>
+              </a:rPr>
+              <a:t>→</a:t>
+            </a:r>
+            <a:r>
+              <a:rPr lang="en-US" dirty="0">
+                <a:solidFill>
+                  <a:srgbClr val="0070C0"/>
+                </a:solidFill>
+              </a:rPr>
+              <a:t> (lit </a:t>
+            </a:r>
+            <a:r>
+              <a:rPr lang="en-US" i="1" dirty="0">
+                <a:solidFill>
+                  <a:srgbClr val="0070C0"/>
+                </a:solidFill>
+              </a:rPr>
+              <a:t>r</a:t>
+            </a:r>
+            <a:r>
+              <a:rPr lang="en-US" dirty="0">
+                <a:solidFill>
+                  <a:srgbClr val="0070C0"/>
+                </a:solidFill>
+              </a:rPr>
+              <a:t>, lit 0)]</a:t>
             </a:r>
           </a:p>
           <a:p>
@@ -11125,7 +11213,175 @@
             </a:r>
             <a:r>
               <a:rPr lang="en-US" dirty="0"/>
-              <a:t>, 1) + (3, 0)</a:t>
+              <a:t>, 1) + (3, 0)  </a:t>
+            </a:r>
+            <a:r>
+              <a:rPr lang="en-US" dirty="0">
+                <a:solidFill>
+                  <a:srgbClr val="0070C0"/>
+                </a:solidFill>
+              </a:rPr>
+              <a:t>[(</a:t>
+            </a:r>
+            <a:r>
+              <a:rPr lang="en-US" i="1" dirty="0">
+                <a:solidFill>
+                  <a:srgbClr val="0070C0"/>
+                </a:solidFill>
+              </a:rPr>
+              <a:t>l</a:t>
+            </a:r>
+            <a:r>
+              <a:rPr lang="en-US" dirty="0">
+                <a:solidFill>
+                  <a:srgbClr val="0070C0"/>
+                </a:solidFill>
+              </a:rPr>
+              <a:t>, </a:t>
+            </a:r>
+            <a:r>
+              <a:rPr lang="en-US" i="1" dirty="0">
+                <a:solidFill>
+                  <a:srgbClr val="0070C0"/>
+                </a:solidFill>
+              </a:rPr>
+              <a:t>ldiff</a:t>
+            </a:r>
+            <a:r>
+              <a:rPr lang="en-US" dirty="0">
+                <a:solidFill>
+                  <a:srgbClr val="0070C0"/>
+                </a:solidFill>
+              </a:rPr>
+              <a:t>) * (</a:t>
+            </a:r>
+            <a:r>
+              <a:rPr lang="en-US" i="1" dirty="0">
+                <a:solidFill>
+                  <a:srgbClr val="0070C0"/>
+                </a:solidFill>
+              </a:rPr>
+              <a:t>r</a:t>
+            </a:r>
+            <a:r>
+              <a:rPr lang="en-US" dirty="0">
+                <a:solidFill>
+                  <a:srgbClr val="0070C0"/>
+                </a:solidFill>
+              </a:rPr>
+              <a:t>, </a:t>
+            </a:r>
+            <a:r>
+              <a:rPr lang="en-US" i="1" dirty="0">
+                <a:solidFill>
+                  <a:srgbClr val="0070C0"/>
+                </a:solidFill>
+              </a:rPr>
+              <a:t>rdiff</a:t>
+            </a:r>
+            <a:r>
+              <a:rPr lang="en-US" dirty="0">
+                <a:solidFill>
+                  <a:srgbClr val="0070C0"/>
+                </a:solidFill>
+              </a:rPr>
+              <a:t>)	→ (</a:t>
+            </a:r>
+            <a:r>
+              <a:rPr lang="en-US" i="1" dirty="0">
+                <a:solidFill>
+                  <a:srgbClr val="0070C0"/>
+                </a:solidFill>
+              </a:rPr>
+              <a:t>l</a:t>
+            </a:r>
+            <a:r>
+              <a:rPr lang="en-US" dirty="0">
+                <a:solidFill>
+                  <a:srgbClr val="0070C0"/>
+                </a:solidFill>
+              </a:rPr>
+              <a:t> * </a:t>
+            </a:r>
+            <a:r>
+              <a:rPr lang="en-US" i="1" dirty="0">
+                <a:solidFill>
+                  <a:srgbClr val="0070C0"/>
+                </a:solidFill>
+              </a:rPr>
+              <a:t>r</a:t>
+            </a:r>
+            <a:r>
+              <a:rPr lang="en-US" dirty="0">
+                <a:solidFill>
+                  <a:srgbClr val="0070C0"/>
+                </a:solidFill>
+              </a:rPr>
+              <a:t>, </a:t>
+            </a:r>
+            <a:r>
+              <a:rPr lang="en-US" i="1" dirty="0">
+                <a:solidFill>
+                  <a:srgbClr val="0070C0"/>
+                </a:solidFill>
+              </a:rPr>
+              <a:t>l</a:t>
+            </a:r>
+            <a:r>
+              <a:rPr lang="en-US" dirty="0">
+                <a:solidFill>
+                  <a:srgbClr val="0070C0"/>
+                </a:solidFill>
+              </a:rPr>
+              <a:t> * </a:t>
+            </a:r>
+            <a:r>
+              <a:rPr lang="en-US" i="1" dirty="0">
+                <a:solidFill>
+                  <a:srgbClr val="0070C0"/>
+                </a:solidFill>
+              </a:rPr>
+              <a:t>rdiff</a:t>
+            </a:r>
+            <a:r>
+              <a:rPr lang="en-US" dirty="0">
+                <a:solidFill>
+                  <a:srgbClr val="0070C0"/>
+                </a:solidFill>
+              </a:rPr>
+              <a:t> + </a:t>
+            </a:r>
+            <a:r>
+              <a:rPr lang="en-US" i="1" dirty="0">
+                <a:solidFill>
+                  <a:srgbClr val="0070C0"/>
+                </a:solidFill>
+              </a:rPr>
+              <a:t>r</a:t>
+            </a:r>
+            <a:r>
+              <a:rPr lang="en-US" dirty="0">
+                <a:solidFill>
+                  <a:srgbClr val="0070C0"/>
+                </a:solidFill>
+              </a:rPr>
+              <a:t> * </a:t>
+            </a:r>
+            <a:r>
+              <a:rPr lang="en-US" i="1" dirty="0">
+                <a:solidFill>
+                  <a:srgbClr val="0070C0"/>
+                </a:solidFill>
+              </a:rPr>
+              <a:t>ldiff</a:t>
+            </a:r>
+            <a:r>
+              <a:rPr lang="en-US" dirty="0">
+                <a:solidFill>
+                  <a:srgbClr val="0070C0"/>
+                </a:solidFill>
+              </a:rPr>
+              <a:t>)]</a:t>
             </a:r>
           </a:p>
           <a:p>
@@ -11174,7 +11430,143 @@
             </a:r>
             <a:r>
               <a:rPr lang="en-US" dirty="0"/>
-              <a:t>, 2) + (3, 0)</a:t>
+              <a:t>, 2) + (3, 0)         </a:t>
+            </a:r>
+            <a:r>
+              <a:rPr lang="en-US" dirty="0">
+                <a:solidFill>
+                  <a:srgbClr val="0070C0"/>
+                </a:solidFill>
+              </a:rPr>
+              <a:t>[(</a:t>
+            </a:r>
+            <a:r>
+              <a:rPr lang="en-US" i="1" dirty="0">
+                <a:solidFill>
+                  <a:srgbClr val="0070C0"/>
+                </a:solidFill>
+              </a:rPr>
+              <a:t>l</a:t>
+            </a:r>
+            <a:r>
+              <a:rPr lang="en-US" dirty="0">
+                <a:solidFill>
+                  <a:srgbClr val="0070C0"/>
+                </a:solidFill>
+              </a:rPr>
+              <a:t>, </a:t>
+            </a:r>
+            <a:r>
+              <a:rPr lang="en-US" i="1" dirty="0">
+                <a:solidFill>
+                  <a:srgbClr val="0070C0"/>
+                </a:solidFill>
+              </a:rPr>
+              <a:t>ldiff</a:t>
+            </a:r>
+            <a:r>
+              <a:rPr lang="en-US" dirty="0">
+                <a:solidFill>
+                  <a:srgbClr val="0070C0"/>
+                </a:solidFill>
+              </a:rPr>
+              <a:t>) + (</a:t>
+            </a:r>
+            <a:r>
+              <a:rPr lang="en-US" i="1" dirty="0">
+                <a:solidFill>
+                  <a:srgbClr val="0070C0"/>
+                </a:solidFill>
+              </a:rPr>
+              <a:t>r</a:t>
+            </a:r>
+            <a:r>
+              <a:rPr lang="en-US" dirty="0">
+                <a:solidFill>
+                  <a:srgbClr val="0070C0"/>
+                </a:solidFill>
+              </a:rPr>
+              <a:t>, </a:t>
+            </a:r>
+            <a:r>
+              <a:rPr lang="en-US" i="1" dirty="0">
+                <a:solidFill>
+                  <a:srgbClr val="0070C0"/>
+                </a:solidFill>
+              </a:rPr>
+              <a:t>rdiff</a:t>
+            </a:r>
+            <a:r>
+              <a:rPr lang="en-US" dirty="0">
+                <a:solidFill>
+                  <a:srgbClr val="0070C0"/>
+                </a:solidFill>
+              </a:rPr>
+              <a:t>)	→ (</a:t>
+            </a:r>
+            <a:r>
+              <a:rPr lang="en-US" i="1" dirty="0">
+                <a:solidFill>
+                  <a:srgbClr val="0070C0"/>
+                </a:solidFill>
+              </a:rPr>
+              <a:t>l</a:t>
+            </a:r>
+            <a:r>
+              <a:rPr lang="en-US" dirty="0">
+                <a:solidFill>
+                  <a:srgbClr val="0070C0"/>
+                </a:solidFill>
+              </a:rPr>
+              <a:t> + </a:t>
+            </a:r>
+            <a:r>
+              <a:rPr lang="en-US" i="1" dirty="0">
+                <a:solidFill>
+                  <a:srgbClr val="0070C0"/>
+                </a:solidFill>
+              </a:rPr>
+              <a:t>r</a:t>
+            </a:r>
+            <a:r>
+              <a:rPr lang="en-US" dirty="0">
+                <a:solidFill>
+                  <a:srgbClr val="0070C0"/>
+                </a:solidFill>
+              </a:rPr>
+              <a:t>, </a:t>
+            </a:r>
+            <a:r>
+              <a:rPr lang="en-US" i="1" dirty="0">
+                <a:solidFill>
+                  <a:srgbClr val="0070C0"/>
+                </a:solidFill>
+              </a:rPr>
+              <a:t>ldiff</a:t>
+            </a:r>
+            <a:r>
+              <a:rPr lang="en-US" dirty="0">
+                <a:solidFill>
+                  <a:srgbClr val="0070C0"/>
+                </a:solidFill>
+              </a:rPr>
+              <a:t> + </a:t>
+            </a:r>
+            <a:r>
+              <a:rPr lang="en-US" i="1" dirty="0">
+                <a:solidFill>
+                  <a:srgbClr val="0070C0"/>
+                </a:solidFill>
+              </a:rPr>
+              <a:t>rdiff</a:t>
+            </a:r>
+            <a:r>
+              <a:rPr lang="en-US" dirty="0">
+                <a:solidFill>
+                  <a:srgbClr val="0070C0"/>
+                </a:solidFill>
+              </a:rPr>
+              <a:t>)]</a:t>
             </a:r>
           </a:p>
           <a:p>
@@ -13205,7 +13597,9 @@
         </p:nvSpPr>
         <p:spPr/>
         <p:txBody>
-          <a:bodyPr/>
+          <a:bodyPr>
+            <a:normAutofit/>
+          </a:bodyPr>
           <a:lstStyle/>
           <a:p>
             <a:pPr marL="0" lvl="0" indent="0">
@@ -13513,6 +13907,451 @@
             <a:r>
               <a:rPr lang="en-US" dirty="0"/>
               <a:t>))</a:t>
+            </a:r>
+          </a:p>
+          <a:p>
+            <a:pPr marL="0" lvl="0" indent="0">
+              <a:buClr>
+                <a:srgbClr val="FFCC99"/>
+              </a:buClr>
+              <a:buSzPct val="45000"/>
+              <a:buNone/>
+            </a:pPr>
+            <a:endParaRPr lang="en-US" dirty="0"/>
+          </a:p>
+          <a:p>
+            <a:pPr marL="0" indent="0">
+              <a:buClr>
+                <a:srgbClr val="FFCC99"/>
+              </a:buClr>
+              <a:buSzPct val="45000"/>
+              <a:buNone/>
+            </a:pPr>
+            <a:r>
+              <a:rPr lang="en-US" b="1" dirty="0">
+                <a:solidFill>
+                  <a:srgbClr val="0070C0"/>
+                </a:solidFill>
+              </a:rPr>
+              <a:t>lit</a:t>
+            </a:r>
+            <a:r>
+              <a:rPr lang="en-US" dirty="0">
+                <a:solidFill>
+                  <a:srgbClr val="0070C0"/>
+                </a:solidFill>
+              </a:rPr>
+              <a:t> </a:t>
+            </a:r>
+            <a:r>
+              <a:rPr lang="en-US" i="1" dirty="0">
+                <a:solidFill>
+                  <a:srgbClr val="0070C0"/>
+                </a:solidFill>
+              </a:rPr>
+              <a:t>x</a:t>
+            </a:r>
+            <a:r>
+              <a:rPr lang="en-US" dirty="0">
+                <a:solidFill>
+                  <a:srgbClr val="0070C0"/>
+                </a:solidFill>
+              </a:rPr>
+              <a:t>		→ (</a:t>
+            </a:r>
+            <a:r>
+              <a:rPr lang="en-US" b="1" dirty="0">
+                <a:solidFill>
+                  <a:srgbClr val="0070C0"/>
+                </a:solidFill>
+              </a:rPr>
+              <a:t>lit</a:t>
+            </a:r>
+            <a:r>
+              <a:rPr lang="en-US" dirty="0">
+                <a:solidFill>
+                  <a:srgbClr val="0070C0"/>
+                </a:solidFill>
+              </a:rPr>
+              <a:t> </a:t>
+            </a:r>
+            <a:r>
+              <a:rPr lang="en-US" i="1" dirty="0">
+                <a:solidFill>
+                  <a:srgbClr val="0070C0"/>
+                </a:solidFill>
+              </a:rPr>
+              <a:t>x</a:t>
+            </a:r>
+            <a:r>
+              <a:rPr lang="en-US" dirty="0">
+                <a:solidFill>
+                  <a:srgbClr val="0070C0"/>
+                </a:solidFill>
+              </a:rPr>
+              <a:t>, </a:t>
+            </a:r>
+            <a:r>
+              <a:rPr lang="en-US" b="1" dirty="0">
+                <a:solidFill>
+                  <a:srgbClr val="0070C0"/>
+                </a:solidFill>
+              </a:rPr>
+              <a:t>lit</a:t>
+            </a:r>
+            <a:r>
+              <a:rPr lang="en-US" dirty="0">
+                <a:solidFill>
+                  <a:srgbClr val="0070C0"/>
+                </a:solidFill>
+              </a:rPr>
+              <a:t> 0)</a:t>
+            </a:r>
+          </a:p>
+          <a:p>
+            <a:pPr marL="0" lvl="0" indent="0">
+              <a:buNone/>
+            </a:pPr>
+            <a:r>
+              <a:rPr lang="en-US" dirty="0">
+                <a:solidFill>
+                  <a:srgbClr val="0070C0"/>
+                </a:solidFill>
+              </a:rPr>
+              <a:t>+			→ </a:t>
+            </a:r>
+            <a:r>
+              <a:rPr lang="en-US" altLang="zh-CN" b="1" dirty="0">
+                <a:solidFill>
+                  <a:srgbClr val="0070C0"/>
+                </a:solidFill>
+              </a:rPr>
+              <a:t>λ</a:t>
+            </a:r>
+            <a:r>
+              <a:rPr lang="en-US" dirty="0">
+                <a:solidFill>
+                  <a:srgbClr val="0070C0"/>
+                </a:solidFill>
+              </a:rPr>
+              <a:t>(</a:t>
+            </a:r>
+            <a:r>
+              <a:rPr lang="en-US" i="1" dirty="0">
+                <a:solidFill>
+                  <a:srgbClr val="0070C0"/>
+                </a:solidFill>
+              </a:rPr>
+              <a:t>l</a:t>
+            </a:r>
+            <a:r>
+              <a:rPr lang="en-US" dirty="0">
+                <a:solidFill>
+                  <a:srgbClr val="0070C0"/>
+                </a:solidFill>
+              </a:rPr>
+              <a:t>, </a:t>
+            </a:r>
+            <a:r>
+              <a:rPr lang="en-US" i="1" dirty="0" err="1">
+                <a:solidFill>
+                  <a:srgbClr val="0070C0"/>
+                </a:solidFill>
+              </a:rPr>
+              <a:t>ld</a:t>
+            </a:r>
+            <a:r>
+              <a:rPr lang="en-US" dirty="0">
+                <a:solidFill>
+                  <a:srgbClr val="0070C0"/>
+                </a:solidFill>
+              </a:rPr>
+              <a:t>) (</a:t>
+            </a:r>
+            <a:r>
+              <a:rPr lang="en-US" i="1" dirty="0">
+                <a:solidFill>
+                  <a:srgbClr val="0070C0"/>
+                </a:solidFill>
+              </a:rPr>
+              <a:t>r</a:t>
+            </a:r>
+            <a:r>
+              <a:rPr lang="en-US" dirty="0">
+                <a:solidFill>
+                  <a:srgbClr val="0070C0"/>
+                </a:solidFill>
+              </a:rPr>
+              <a:t>, </a:t>
+            </a:r>
+            <a:r>
+              <a:rPr lang="en-US" i="1" dirty="0" err="1">
+                <a:solidFill>
+                  <a:srgbClr val="0070C0"/>
+                </a:solidFill>
+              </a:rPr>
+              <a:t>rd</a:t>
+            </a:r>
+            <a:r>
+              <a:rPr lang="en-US" dirty="0">
+                <a:solidFill>
+                  <a:srgbClr val="0070C0"/>
+                </a:solidFill>
+              </a:rPr>
+              <a:t>) → (</a:t>
+            </a:r>
+            <a:r>
+              <a:rPr lang="en-US" i="1" dirty="0">
+                <a:solidFill>
+                  <a:srgbClr val="0070C0"/>
+                </a:solidFill>
+              </a:rPr>
+              <a:t>l</a:t>
+            </a:r>
+            <a:r>
+              <a:rPr lang="en-US" dirty="0">
+                <a:solidFill>
+                  <a:srgbClr val="0070C0"/>
+                </a:solidFill>
+              </a:rPr>
+              <a:t> + </a:t>
+            </a:r>
+            <a:r>
+              <a:rPr lang="en-US" i="1" dirty="0">
+                <a:solidFill>
+                  <a:srgbClr val="0070C0"/>
+                </a:solidFill>
+              </a:rPr>
+              <a:t>r</a:t>
+            </a:r>
+            <a:r>
+              <a:rPr lang="en-US" dirty="0">
+                <a:solidFill>
+                  <a:srgbClr val="0070C0"/>
+                </a:solidFill>
+              </a:rPr>
+              <a:t>, </a:t>
+            </a:r>
+            <a:r>
+              <a:rPr lang="en-US" i="1" dirty="0" err="1">
+                <a:solidFill>
+                  <a:srgbClr val="0070C0"/>
+                </a:solidFill>
+              </a:rPr>
+              <a:t>ld</a:t>
+            </a:r>
+            <a:r>
+              <a:rPr lang="en-US" dirty="0">
+                <a:solidFill>
+                  <a:srgbClr val="0070C0"/>
+                </a:solidFill>
+              </a:rPr>
+              <a:t> + </a:t>
+            </a:r>
+            <a:r>
+              <a:rPr lang="en-US" i="1" dirty="0" err="1">
+                <a:solidFill>
+                  <a:srgbClr val="0070C0"/>
+                </a:solidFill>
+              </a:rPr>
+              <a:t>rd</a:t>
+            </a:r>
+            <a:r>
+              <a:rPr lang="en-US" dirty="0">
+                <a:solidFill>
+                  <a:srgbClr val="0070C0"/>
+                </a:solidFill>
+              </a:rPr>
+              <a:t>)</a:t>
+            </a:r>
+          </a:p>
+          <a:p>
+            <a:pPr marL="0" lvl="0" indent="0">
+              <a:buNone/>
+            </a:pPr>
+            <a:r>
+              <a:rPr lang="en-US" dirty="0">
+                <a:solidFill>
+                  <a:srgbClr val="0070C0"/>
+                </a:solidFill>
+              </a:rPr>
+              <a:t>*			→ </a:t>
+            </a:r>
+            <a:r>
+              <a:rPr lang="en-US" altLang="zh-CN" b="1" dirty="0">
+                <a:solidFill>
+                  <a:srgbClr val="0070C0"/>
+                </a:solidFill>
+              </a:rPr>
+              <a:t>λ</a:t>
+            </a:r>
+            <a:r>
+              <a:rPr lang="en-US" dirty="0">
+                <a:solidFill>
+                  <a:srgbClr val="0070C0"/>
+                </a:solidFill>
+              </a:rPr>
+              <a:t>(</a:t>
+            </a:r>
+            <a:r>
+              <a:rPr lang="en-US" i="1" dirty="0">
+                <a:solidFill>
+                  <a:srgbClr val="0070C0"/>
+                </a:solidFill>
+              </a:rPr>
+              <a:t>l</a:t>
+            </a:r>
+            <a:r>
+              <a:rPr lang="en-US" dirty="0">
+                <a:solidFill>
+                  <a:srgbClr val="0070C0"/>
+                </a:solidFill>
+              </a:rPr>
+              <a:t>, </a:t>
+            </a:r>
+            <a:r>
+              <a:rPr lang="en-US" i="1" dirty="0" err="1">
+                <a:solidFill>
+                  <a:srgbClr val="0070C0"/>
+                </a:solidFill>
+              </a:rPr>
+              <a:t>ld</a:t>
+            </a:r>
+            <a:r>
+              <a:rPr lang="en-US" dirty="0">
+                <a:solidFill>
+                  <a:srgbClr val="0070C0"/>
+                </a:solidFill>
+              </a:rPr>
+              <a:t>) (</a:t>
+            </a:r>
+            <a:r>
+              <a:rPr lang="en-US" i="1" dirty="0">
+                <a:solidFill>
+                  <a:srgbClr val="0070C0"/>
+                </a:solidFill>
+              </a:rPr>
+              <a:t>r</a:t>
+            </a:r>
+            <a:r>
+              <a:rPr lang="en-US" dirty="0">
+                <a:solidFill>
+                  <a:srgbClr val="0070C0"/>
+                </a:solidFill>
+              </a:rPr>
+              <a:t>, </a:t>
+            </a:r>
+            <a:r>
+              <a:rPr lang="en-US" i="1" dirty="0" err="1">
+                <a:solidFill>
+                  <a:srgbClr val="0070C0"/>
+                </a:solidFill>
+              </a:rPr>
+              <a:t>rd</a:t>
+            </a:r>
+            <a:r>
+              <a:rPr lang="en-US" dirty="0">
+                <a:solidFill>
+                  <a:srgbClr val="0070C0"/>
+                </a:solidFill>
+              </a:rPr>
+              <a:t>) → (</a:t>
+            </a:r>
+            <a:r>
+              <a:rPr lang="en-US" i="1" dirty="0">
+                <a:solidFill>
+                  <a:srgbClr val="0070C0"/>
+                </a:solidFill>
+              </a:rPr>
+              <a:t>l</a:t>
+            </a:r>
+            <a:r>
+              <a:rPr lang="en-US" dirty="0">
+                <a:solidFill>
+                  <a:srgbClr val="0070C0"/>
+                </a:solidFill>
+              </a:rPr>
+              <a:t> * </a:t>
+            </a:r>
+            <a:r>
+              <a:rPr lang="en-US" i="1" dirty="0">
+                <a:solidFill>
+                  <a:srgbClr val="0070C0"/>
+                </a:solidFill>
+              </a:rPr>
+              <a:t>r</a:t>
+            </a:r>
+            <a:r>
+              <a:rPr lang="en-US" dirty="0">
+                <a:solidFill>
+                  <a:srgbClr val="0070C0"/>
+                </a:solidFill>
+              </a:rPr>
+              <a:t>, </a:t>
+            </a:r>
+            <a:r>
+              <a:rPr lang="en-US" i="1" dirty="0">
+                <a:solidFill>
+                  <a:srgbClr val="0070C0"/>
+                </a:solidFill>
+              </a:rPr>
+              <a:t>l</a:t>
+            </a:r>
+            <a:r>
+              <a:rPr lang="en-US" dirty="0">
+                <a:solidFill>
+                  <a:srgbClr val="0070C0"/>
+                </a:solidFill>
+              </a:rPr>
+              <a:t> * </a:t>
+            </a:r>
+            <a:r>
+              <a:rPr lang="en-US" i="1" dirty="0" err="1">
+                <a:solidFill>
+                  <a:srgbClr val="0070C0"/>
+                </a:solidFill>
+              </a:rPr>
+              <a:t>rd</a:t>
+            </a:r>
+            <a:r>
+              <a:rPr lang="en-US" dirty="0">
+                <a:solidFill>
+                  <a:srgbClr val="0070C0"/>
+                </a:solidFill>
+              </a:rPr>
+              <a:t> + </a:t>
+            </a:r>
+            <a:r>
+              <a:rPr lang="en-US" i="1" dirty="0">
+                <a:solidFill>
+                  <a:srgbClr val="0070C0"/>
+                </a:solidFill>
+              </a:rPr>
+              <a:t>r</a:t>
+            </a:r>
+            <a:r>
+              <a:rPr lang="en-US" dirty="0">
+                <a:solidFill>
+                  <a:srgbClr val="0070C0"/>
+                </a:solidFill>
+              </a:rPr>
+              <a:t> * </a:t>
+            </a:r>
+            <a:r>
+              <a:rPr lang="en-US" i="1" dirty="0" err="1">
+                <a:solidFill>
+                  <a:srgbClr val="0070C0"/>
+                </a:solidFill>
+              </a:rPr>
+              <a:t>ld</a:t>
+            </a:r>
+            <a:r>
+              <a:rPr lang="en-US" dirty="0">
+                <a:solidFill>
+                  <a:srgbClr val="0070C0"/>
+                </a:solidFill>
+              </a:rPr>
+              <a:t>)</a:t>
             </a:r>
           </a:p>
         </p:txBody>
@@ -14893,7 +15732,7 @@
             <a:pPr lvl="0"/>
             <a:r>
               <a:rPr lang="en-US" dirty="0"/>
-              <a:t>Rather Obvious: call the constructor.</a:t>
+              <a:t>Just call the constructor.</a:t>
             </a:r>
           </a:p>
           <a:p>
@@ -17970,10 +18809,9 @@
           <a:lstStyle/>
           <a:p>
             <a:r>
-              <a:rPr lang="en-US"/>
-              <a:t>Drawing the Connection</a:t>
-            </a:r>
-            <a:endParaRPr lang="en-US" dirty="0"/>
+              <a:rPr lang="en-US" dirty="0"/>
+              <a:t>Drawing the Connection (Conclusion)</a:t>
+            </a:r>
           </a:p>
         </p:txBody>
       </p:sp>

--- a/Talk.pptx
+++ b/Talk.pptx
@@ -36,9 +36,9 @@
     <p:sldId id="277" r:id="rId24"/>
     <p:sldId id="278" r:id="rId25"/>
     <p:sldId id="279" r:id="rId26"/>
-    <p:sldId id="280" r:id="rId27"/>
-    <p:sldId id="281" r:id="rId28"/>
-    <p:sldId id="282" r:id="rId29"/>
+    <p:sldId id="281" r:id="rId27"/>
+    <p:sldId id="282" r:id="rId28"/>
+    <p:sldId id="280" r:id="rId29"/>
     <p:sldId id="283" r:id="rId30"/>
     <p:sldId id="284" r:id="rId31"/>
     <p:sldId id="285" r:id="rId32"/>
@@ -2107,7 +2107,7 @@
                 <a:latin typeface="Albany" pitchFamily="18"/>
                 <a:cs typeface="Tahoma" pitchFamily="2"/>
               </a:rPr>
-              <a:t>(21.0 – 23.0) Now let’s look back. A crucial thing is, we achieve the closure property. That mean, we can take the derivative of anything in the language, and we always get a term in the same language back, instead of a term in another language, or just a Haskell function. That mean in addition to evaluating it, we can take derivative again and again, pretty print the function, or do some optimization on it. Also, everything is typed, and with Finally Tagless, we can reflect the type of the object language, the Simply Typed Lambda Calculus, into Haskell, so we can make sure our Neural Network does not go wrong, when we compile the Haskell code.</a:t>
+              <a:t>(21.0 – 23.0) Now let’s look back. A crucial thing is, we achieve the closure property. That mean, we can take the derivative of anything in the language, and we always get a term in the same language back, instead of a term in another language, or just a Haskell function. That mean in addition to evaluating it, we can take derivative again and again, pretty print the function, or do some optimization on it. Also, everything is typed, and with Finally Tagless, we can reflect the type of the object language, Simply Typed Lambda Calculus, into Haskell, so we can make sure our Neural Network does not go wrong, when we compile the Haskell code.</a:t>
             </a:r>
           </a:p>
         </p:txBody>
@@ -3137,7 +3137,7 @@
           <p:cNvPr id="7" name="灯片编号占位符 6">
             <a:extLst>
               <a:ext uri="{FF2B5EF4-FFF2-40B4-BE49-F238E27FC236}">
-                <a16:creationId xmlns:a16="http://schemas.microsoft.com/office/drawing/2014/main" id="{84521B6B-2949-486B-A3F2-FF3AADF0F94C}"/>
+                <a16:creationId xmlns:a16="http://schemas.microsoft.com/office/drawing/2014/main" id="{6D94BB09-54B6-456D-9E7F-89270A546099}"/>
               </a:ext>
             </a:extLst>
           </p:cNvPr>
@@ -3158,7 +3158,7 @@
           <a:lstStyle/>
           <a:p>
             <a:pPr lvl="0"/>
-            <a:fld id="{B397955A-FA59-46ED-BFFA-119710801F98}" type="slidenum">
+            <a:fld id="{5362B013-56AD-4C95-B6CA-C43F7BAE8B17}" type="slidenum">
               <a:t>26</a:t>
             </a:fld>
             <a:endParaRPr lang="en-US"/>
@@ -3170,7 +3170,7 @@
           <p:cNvPr id="2" name="幻灯片图像占位符 1">
             <a:extLst>
               <a:ext uri="{FF2B5EF4-FFF2-40B4-BE49-F238E27FC236}">
-                <a16:creationId xmlns:a16="http://schemas.microsoft.com/office/drawing/2014/main" id="{64465F8C-F4FC-44AD-A8A5-F1646453C5A8}"/>
+                <a16:creationId xmlns:a16="http://schemas.microsoft.com/office/drawing/2014/main" id="{62A58083-93B4-48EA-B1B1-83DE36DC73F7}"/>
               </a:ext>
             </a:extLst>
           </p:cNvPr>
@@ -3204,7 +3204,7 @@
           <p:cNvPr id="3" name="备注占位符 2">
             <a:extLst>
               <a:ext uri="{FF2B5EF4-FFF2-40B4-BE49-F238E27FC236}">
-                <a16:creationId xmlns:a16="http://schemas.microsoft.com/office/drawing/2014/main" id="{C3290F89-D9F3-46CD-BE9E-77CD93A588C6}"/>
+                <a16:creationId xmlns:a16="http://schemas.microsoft.com/office/drawing/2014/main" id="{0ABC3AE3-CBAC-4DF7-811F-ABEB45A2725F}"/>
               </a:ext>
             </a:extLst>
           </p:cNvPr>
@@ -3225,35 +3225,7 @@
                 <a:latin typeface="Albany" pitchFamily="18"/>
                 <a:cs typeface="Tahoma" pitchFamily="2"/>
               </a:rPr>
-              <a:t>(33.0 – 34.0) Now let us digress a little bit: to support AST we need algebraic data type, and we will implement it as Iso-Recursive data type with Data Type A La Carte. The </a:t>
-            </a:r>
-            <a:r>
-              <a:rPr lang="en-US" sz="2500" dirty="0" err="1">
-                <a:latin typeface="Albany" pitchFamily="18"/>
-                <a:cs typeface="Tahoma" pitchFamily="2"/>
-              </a:rPr>
-              <a:t>Isorecursive</a:t>
-            </a:r>
-            <a:r>
-              <a:rPr lang="en-US" sz="2500" dirty="0">
-                <a:latin typeface="Albany" pitchFamily="18"/>
-                <a:cs typeface="Tahoma" pitchFamily="2"/>
-              </a:rPr>
-              <a:t> type of F is F of F of F of F… to the infinity, which is very similar to Fix point combinator – that is why it is called Fix. The </a:t>
-            </a:r>
-            <a:r>
-              <a:rPr lang="en-US" sz="2500" dirty="0" err="1">
-                <a:latin typeface="Albany" pitchFamily="18"/>
-                <a:cs typeface="Tahoma" pitchFamily="2"/>
-              </a:rPr>
-              <a:t>difftype</a:t>
-            </a:r>
-            <a:r>
-              <a:rPr lang="en-US" sz="2500" dirty="0">
-                <a:latin typeface="Albany" pitchFamily="18"/>
-                <a:cs typeface="Tahoma" pitchFamily="2"/>
-              </a:rPr>
-              <a:t> of a Iso-Recursive data type is the diff of it unwrapped. Now this is possibly non terminating, so we stuff it inside a wrapper.</a:t>
+              <a:t>(34.0 – 37.0) Remember our problem is, we want to represent vector of a lot of variable, without using a big structure. So it seems like we need a way to refer to individual Real in the original structure – a selector. We will call this basis. Basis of Unit is Void, because we cannot get a real from a unit. Basis of Real is Unit, because there are exactly one way to get a weight. Basis of Product Type is a sum type, because we can either go left or go right. And basis of a Vector is just an Integer that is a valid subscript, and we can store it cheaply. Now with a basis, we can make a canonical form, called a FreeVector. A FreeVector is a vector, but again, exponential blowup, so we should build it from a Map whenever possible. Every Vector can be converted to a FreeVector – take some time to try it out in your head.</a:t>
             </a:r>
           </a:p>
         </p:txBody>
@@ -3288,7 +3260,7 @@
           <p:cNvPr id="7" name="灯片编号占位符 6">
             <a:extLst>
               <a:ext uri="{FF2B5EF4-FFF2-40B4-BE49-F238E27FC236}">
-                <a16:creationId xmlns:a16="http://schemas.microsoft.com/office/drawing/2014/main" id="{6D94BB09-54B6-456D-9E7F-89270A546099}"/>
+                <a16:creationId xmlns:a16="http://schemas.microsoft.com/office/drawing/2014/main" id="{FD7ADECA-A524-4EDC-B7E9-F74F06FC5F4C}"/>
               </a:ext>
             </a:extLst>
           </p:cNvPr>
@@ -3309,7 +3281,7 @@
           <a:lstStyle/>
           <a:p>
             <a:pPr lvl="0"/>
-            <a:fld id="{5362B013-56AD-4C95-B6CA-C43F7BAE8B17}" type="slidenum">
+            <a:fld id="{204A0CE8-3418-4C80-B608-49A08A9DD149}" type="slidenum">
               <a:t>27</a:t>
             </a:fld>
             <a:endParaRPr lang="en-US"/>
@@ -3321,7 +3293,7 @@
           <p:cNvPr id="2" name="幻灯片图像占位符 1">
             <a:extLst>
               <a:ext uri="{FF2B5EF4-FFF2-40B4-BE49-F238E27FC236}">
-                <a16:creationId xmlns:a16="http://schemas.microsoft.com/office/drawing/2014/main" id="{62A58083-93B4-48EA-B1B1-83DE36DC73F7}"/>
+                <a16:creationId xmlns:a16="http://schemas.microsoft.com/office/drawing/2014/main" id="{E0D1F6D3-FBC8-44EE-AF24-E41B337FA8E1}"/>
               </a:ext>
             </a:extLst>
           </p:cNvPr>
@@ -3355,7 +3327,7 @@
           <p:cNvPr id="3" name="备注占位符 2">
             <a:extLst>
               <a:ext uri="{FF2B5EF4-FFF2-40B4-BE49-F238E27FC236}">
-                <a16:creationId xmlns:a16="http://schemas.microsoft.com/office/drawing/2014/main" id="{0ABC3AE3-CBAC-4DF7-811F-ABEB45A2725F}"/>
+                <a16:creationId xmlns:a16="http://schemas.microsoft.com/office/drawing/2014/main" id="{C5A6F11F-EE10-447B-939B-CF09DE39E3BD}"/>
               </a:ext>
             </a:extLst>
           </p:cNvPr>
@@ -3376,7 +3348,7 @@
                 <a:latin typeface="Albany" pitchFamily="18"/>
                 <a:cs typeface="Tahoma" pitchFamily="2"/>
               </a:rPr>
-              <a:t>(34.0 – 37.0) Remember our problem is, we want to represent vector of a lot of variable, without using a big structure. So it seems like we need a way to refer to individual Real in the original structure – a selector. We will call this basis. Basis of Unit is Void, because we cannot get a real from a unit. Basis of Real is Unit, because there are exactly one way to get a weight. Basis of Product Type is a sum type, because we can either go left or go right. And basis of a Vector is just an Integer that is a valid subscript, and we can store it cheaply. Now with a basis, we can make a canonical form, called a FreeVector. A FreeVector is a vector, but again, exponential blowup, so we should build it from a Map whenever possible. Every Vector can be converted to a FreeVector – take some time to try it out in your head.</a:t>
+              <a:t>(37.0 – 38.0) Now we can represent the AST, called a TermVector. The construction rule is exactly the vector operation, with a basis, that let us specify a single value of the whole structure. We make TermVector into an F-Algebra by pulling out all the recursive occurrence, just like transforming a explicitly recursive function into one using Y Combinator. And we recover the original expression by calling Y Combinator on the type level. And this is why we need Iso-Recursive type.</a:t>
             </a:r>
           </a:p>
         </p:txBody>
@@ -3411,7 +3383,7 @@
           <p:cNvPr id="7" name="灯片编号占位符 6">
             <a:extLst>
               <a:ext uri="{FF2B5EF4-FFF2-40B4-BE49-F238E27FC236}">
-                <a16:creationId xmlns:a16="http://schemas.microsoft.com/office/drawing/2014/main" id="{FD7ADECA-A524-4EDC-B7E9-F74F06FC5F4C}"/>
+                <a16:creationId xmlns:a16="http://schemas.microsoft.com/office/drawing/2014/main" id="{84521B6B-2949-486B-A3F2-FF3AADF0F94C}"/>
               </a:ext>
             </a:extLst>
           </p:cNvPr>
@@ -3432,7 +3404,7 @@
           <a:lstStyle/>
           <a:p>
             <a:pPr lvl="0"/>
-            <a:fld id="{204A0CE8-3418-4C80-B608-49A08A9DD149}" type="slidenum">
+            <a:fld id="{B397955A-FA59-46ED-BFFA-119710801F98}" type="slidenum">
               <a:t>28</a:t>
             </a:fld>
             <a:endParaRPr lang="en-US"/>
@@ -3444,7 +3416,7 @@
           <p:cNvPr id="2" name="幻灯片图像占位符 1">
             <a:extLst>
               <a:ext uri="{FF2B5EF4-FFF2-40B4-BE49-F238E27FC236}">
-                <a16:creationId xmlns:a16="http://schemas.microsoft.com/office/drawing/2014/main" id="{E0D1F6D3-FBC8-44EE-AF24-E41B337FA8E1}"/>
+                <a16:creationId xmlns:a16="http://schemas.microsoft.com/office/drawing/2014/main" id="{64465F8C-F4FC-44AD-A8A5-F1646453C5A8}"/>
               </a:ext>
             </a:extLst>
           </p:cNvPr>
@@ -3478,7 +3450,7 @@
           <p:cNvPr id="3" name="备注占位符 2">
             <a:extLst>
               <a:ext uri="{FF2B5EF4-FFF2-40B4-BE49-F238E27FC236}">
-                <a16:creationId xmlns:a16="http://schemas.microsoft.com/office/drawing/2014/main" id="{C5A6F11F-EE10-447B-939B-CF09DE39E3BD}"/>
+                <a16:creationId xmlns:a16="http://schemas.microsoft.com/office/drawing/2014/main" id="{C3290F89-D9F3-46CD-BE9E-77CD93A588C6}"/>
               </a:ext>
             </a:extLst>
           </p:cNvPr>
@@ -3499,7 +3471,35 @@
                 <a:latin typeface="Albany" pitchFamily="18"/>
                 <a:cs typeface="Tahoma" pitchFamily="2"/>
               </a:rPr>
-              <a:t>(37.0 – 38.0) Now we can represent the AST, called a TermVector. The construction rule is exactly the vector operation, with a basis, that let us specify a single value of the whole structure. We make TermVector into an F-Algebra by pulling out all the recursive occurrence, just like transforming a explicitly recursive function into one using Y Combinator. And we recover the original expression by calling Y Combinator on the type level. And this is why we need Iso-Recursive type.</a:t>
+              <a:t>(33.0 – 34.0) Now let us digress a little bit: to support AST we need algebraic data type, and we will implement it as Iso-Recursive data type with Data Type A La Carte. The </a:t>
+            </a:r>
+            <a:r>
+              <a:rPr lang="en-US" sz="2500" dirty="0" err="1">
+                <a:latin typeface="Albany" pitchFamily="18"/>
+                <a:cs typeface="Tahoma" pitchFamily="2"/>
+              </a:rPr>
+              <a:t>Isorecursive</a:t>
+            </a:r>
+            <a:r>
+              <a:rPr lang="en-US" sz="2500" dirty="0">
+                <a:latin typeface="Albany" pitchFamily="18"/>
+                <a:cs typeface="Tahoma" pitchFamily="2"/>
+              </a:rPr>
+              <a:t> type of F is F of F of F of F… to the infinity, which is very similar to Fix point combinator – that is why it is called Fix. The </a:t>
+            </a:r>
+            <a:r>
+              <a:rPr lang="en-US" sz="2500" dirty="0" err="1">
+                <a:latin typeface="Albany" pitchFamily="18"/>
+                <a:cs typeface="Tahoma" pitchFamily="2"/>
+              </a:rPr>
+              <a:t>difftype</a:t>
+            </a:r>
+            <a:r>
+              <a:rPr lang="en-US" sz="2500" dirty="0">
+                <a:latin typeface="Albany" pitchFamily="18"/>
+                <a:cs typeface="Tahoma" pitchFamily="2"/>
+              </a:rPr>
+              <a:t> of a Iso-Recursive data type is the diff of it unwrapped. Now this is possibly non terminating, so we stuff it inside a wrapper.</a:t>
             </a:r>
           </a:p>
         </p:txBody>
@@ -12791,7 +12791,9 @@
         </p:nvSpPr>
         <p:spPr/>
         <p:txBody>
-          <a:bodyPr/>
+          <a:bodyPr>
+            <a:normAutofit/>
+          </a:bodyPr>
           <a:lstStyle/>
           <a:p>
             <a:pPr lvl="0"/>
@@ -13015,6 +13017,48 @@
               <a:rPr lang="en-US" i="1" dirty="0"/>
               <a:t>b</a:t>
             </a:r>
+          </a:p>
+          <a:p>
+            <a:r>
+              <a:rPr lang="en-US" b="1" dirty="0"/>
+              <a:t>type instance</a:t>
+            </a:r>
+            <a:r>
+              <a:rPr lang="zh-CN" altLang="en-US" b="1" dirty="0"/>
+              <a:t> </a:t>
+            </a:r>
+            <a:r>
+              <a:rPr lang="en-US" dirty="0" err="1"/>
+              <a:t>DiffType</a:t>
+            </a:r>
+            <a:r>
+              <a:rPr lang="en-US" dirty="0"/>
+              <a:t> </a:t>
+            </a:r>
+            <a:r>
+              <a:rPr lang="en-US" altLang="zh-CN" dirty="0"/>
+              <a:t>Unit </a:t>
+            </a:r>
+            <a:r>
+              <a:rPr lang="en-US" dirty="0"/>
+              <a:t>= Unit</a:t>
+            </a:r>
+            <a:endParaRPr lang="en-US" i="1" dirty="0"/>
+          </a:p>
+          <a:p>
+            <a:r>
+              <a:rPr lang="en-US" b="1" dirty="0"/>
+              <a:t>type instance </a:t>
+            </a:r>
+            <a:r>
+              <a:rPr lang="en-US" dirty="0" err="1"/>
+              <a:t>DiffType</a:t>
+            </a:r>
+            <a:r>
+              <a:rPr lang="en-US" dirty="0"/>
+              <a:t> Void = Void</a:t>
+            </a:r>
+            <a:endParaRPr lang="en-US" b="1" i="1" dirty="0"/>
           </a:p>
           <a:p>
             <a:pPr lvl="0"/>
@@ -15647,261 +15691,6 @@
 
 <file path=ppt/slides/slide26.xml><?xml version="1.0" encoding="utf-8"?>
 <p:sld xmlns:a="http://schemas.openxmlformats.org/drawingml/2006/main" xmlns:r="http://schemas.openxmlformats.org/officeDocument/2006/relationships" xmlns:p="http://schemas.openxmlformats.org/presentationml/2006/main">
-  <p:cSld name="page25">
-    <p:spTree>
-      <p:nvGrpSpPr>
-        <p:cNvPr id="1" name=""/>
-        <p:cNvGrpSpPr/>
-        <p:nvPr/>
-      </p:nvGrpSpPr>
-      <p:grpSpPr>
-        <a:xfrm>
-          <a:off x="0" y="0"/>
-          <a:ext cx="0" cy="0"/>
-          <a:chOff x="0" y="0"/>
-          <a:chExt cx="0" cy="0"/>
-        </a:xfrm>
-      </p:grpSpPr>
-      <p:sp>
-        <p:nvSpPr>
-          <p:cNvPr id="2" name="标题 1">
-            <a:extLst>
-              <a:ext uri="{FF2B5EF4-FFF2-40B4-BE49-F238E27FC236}">
-                <a16:creationId xmlns:a16="http://schemas.microsoft.com/office/drawing/2014/main" id="{1807B942-87D2-4DAA-8438-0A393D371542}"/>
-              </a:ext>
-            </a:extLst>
-          </p:cNvPr>
-          <p:cNvSpPr txBox="1">
-            <a:spLocks noGrp="1"/>
-          </p:cNvSpPr>
-          <p:nvPr>
-            <p:ph type="title"/>
-          </p:nvPr>
-        </p:nvSpPr>
-        <p:spPr/>
-        <p:txBody>
-          <a:bodyPr/>
-          <a:lstStyle/>
-          <a:p>
-            <a:pPr lvl="0"/>
-            <a:r>
-              <a:rPr lang="en-US"/>
-              <a:t>Iso-Recursive Type</a:t>
-            </a:r>
-          </a:p>
-        </p:txBody>
-      </p:sp>
-      <p:sp>
-        <p:nvSpPr>
-          <p:cNvPr id="3" name="文本占位符 2">
-            <a:extLst>
-              <a:ext uri="{FF2B5EF4-FFF2-40B4-BE49-F238E27FC236}">
-                <a16:creationId xmlns:a16="http://schemas.microsoft.com/office/drawing/2014/main" id="{F44A0538-AB99-4A93-B605-DE637EFF3734}"/>
-              </a:ext>
-            </a:extLst>
-          </p:cNvPr>
-          <p:cNvSpPr txBox="1">
-            <a:spLocks noGrp="1"/>
-          </p:cNvSpPr>
-          <p:nvPr>
-            <p:ph idx="1"/>
-          </p:nvPr>
-        </p:nvSpPr>
-        <p:spPr/>
-        <p:txBody>
-          <a:bodyPr/>
-          <a:lstStyle/>
-          <a:p>
-            <a:pPr lvl="0"/>
-            <a:r>
-              <a:rPr lang="en-US" dirty="0" err="1"/>
-              <a:t>DiffType</a:t>
-            </a:r>
-            <a:r>
-              <a:rPr lang="en-US" dirty="0"/>
-              <a:t> </a:t>
-            </a:r>
-            <a:r>
-              <a:rPr lang="en-US" i="1" dirty="0"/>
-              <a:t>v</a:t>
-            </a:r>
-            <a:r>
-              <a:rPr lang="en-US" dirty="0"/>
-              <a:t> (Fix </a:t>
-            </a:r>
-            <a:r>
-              <a:rPr lang="en-US" i="1" dirty="0"/>
-              <a:t>f</a:t>
-            </a:r>
-            <a:r>
-              <a:rPr lang="en-US" dirty="0"/>
-              <a:t>) = </a:t>
-            </a:r>
-            <a:r>
-              <a:rPr lang="en-US" dirty="0" err="1"/>
-              <a:t>DiffWrapper</a:t>
-            </a:r>
-            <a:r>
-              <a:rPr lang="en-US" dirty="0"/>
-              <a:t> [</a:t>
-            </a:r>
-            <a:r>
-              <a:rPr lang="en-US" i="1" dirty="0"/>
-              <a:t>v</a:t>
-            </a:r>
-            <a:r>
-              <a:rPr lang="en-US" dirty="0"/>
-              <a:t>] </a:t>
-            </a:r>
-            <a:r>
-              <a:rPr lang="en-US" i="1" dirty="0"/>
-              <a:t>f</a:t>
-            </a:r>
-            <a:r>
-              <a:rPr lang="en-US" dirty="0"/>
-              <a:t> (Fix </a:t>
-            </a:r>
-            <a:r>
-              <a:rPr lang="en-US" i="1" dirty="0"/>
-              <a:t>f</a:t>
-            </a:r>
-            <a:r>
-              <a:rPr lang="en-US" dirty="0"/>
-              <a:t>)</a:t>
-            </a:r>
-          </a:p>
-          <a:p>
-            <a:pPr lvl="0"/>
-            <a:r>
-              <a:rPr lang="en-US" dirty="0"/>
-              <a:t>unfold: Fix f -&gt; f (Fix f)</a:t>
-            </a:r>
-          </a:p>
-          <a:p>
-            <a:pPr lvl="0"/>
-            <a:r>
-              <a:rPr lang="en-US" dirty="0"/>
-              <a:t>fold: f (Fix f) </a:t>
-            </a:r>
-            <a:r>
-              <a:rPr lang="en-US" altLang="zh-CN" dirty="0"/>
-              <a:t>-&gt; Fix f</a:t>
-            </a:r>
-            <a:endParaRPr lang="en-US" dirty="0"/>
-          </a:p>
-          <a:p>
-            <a:pPr lvl="0"/>
-            <a:r>
-              <a:rPr lang="en-US" dirty="0" err="1"/>
-              <a:t>DiffType</a:t>
-            </a:r>
-            <a:r>
-              <a:rPr lang="en-US" dirty="0"/>
-              <a:t> </a:t>
-            </a:r>
-            <a:r>
-              <a:rPr lang="en-US" i="1" dirty="0"/>
-              <a:t>v</a:t>
-            </a:r>
-            <a:r>
-              <a:rPr lang="en-US" dirty="0"/>
-              <a:t> (</a:t>
-            </a:r>
-            <a:r>
-              <a:rPr lang="en-US" dirty="0" err="1"/>
-              <a:t>DiffWrapper</a:t>
-            </a:r>
-            <a:r>
-              <a:rPr lang="en-US" dirty="0"/>
-              <a:t> </a:t>
-            </a:r>
-            <a:r>
-              <a:rPr lang="en-US" i="1" dirty="0"/>
-              <a:t>a</a:t>
-            </a:r>
-            <a:r>
-              <a:rPr lang="en-US" dirty="0"/>
-              <a:t> </a:t>
-            </a:r>
-            <a:r>
-              <a:rPr lang="en-US" i="1" dirty="0"/>
-              <a:t>x</a:t>
-            </a:r>
-            <a:r>
-              <a:rPr lang="en-US" dirty="0"/>
-              <a:t>) = </a:t>
-            </a:r>
-            <a:r>
-              <a:rPr lang="en-US" dirty="0" err="1"/>
-              <a:t>DiffWrapper</a:t>
-            </a:r>
-            <a:r>
-              <a:rPr lang="en-US" dirty="0"/>
-              <a:t> (</a:t>
-            </a:r>
-            <a:r>
-              <a:rPr lang="en-US" i="1" dirty="0"/>
-              <a:t>v</a:t>
-            </a:r>
-            <a:r>
-              <a:rPr lang="en-US" dirty="0"/>
-              <a:t> :: </a:t>
-            </a:r>
-            <a:r>
-              <a:rPr lang="en-US" i="1" dirty="0"/>
-              <a:t>a</a:t>
-            </a:r>
-            <a:r>
-              <a:rPr lang="en-US" dirty="0"/>
-              <a:t>) </a:t>
-            </a:r>
-            <a:r>
-              <a:rPr lang="en-US" i="1" dirty="0"/>
-              <a:t>x</a:t>
-            </a:r>
-          </a:p>
-          <a:p>
-            <a:pPr lvl="0"/>
-            <a:r>
-              <a:rPr lang="en-US" dirty="0"/>
-              <a:t>Wrapper for a term on (fold on </a:t>
-            </a:r>
-            <a:r>
-              <a:rPr lang="en-US" dirty="0" err="1"/>
-              <a:t>DiffType</a:t>
-            </a:r>
-            <a:r>
-              <a:rPr lang="en-US" dirty="0"/>
-              <a:t> and </a:t>
-            </a:r>
-            <a:r>
-              <a:rPr lang="en-US" i="1" dirty="0"/>
-              <a:t>x</a:t>
-            </a:r>
-            <a:r>
-              <a:rPr lang="en-US" dirty="0"/>
-              <a:t>)</a:t>
-            </a:r>
-          </a:p>
-          <a:p>
-            <a:pPr lvl="0"/>
-            <a:r>
-              <a:rPr lang="en-US" dirty="0"/>
-              <a:t>Data Type A La Carte(DTALC) → ADT</a:t>
-            </a:r>
-          </a:p>
-        </p:txBody>
-      </p:sp>
-    </p:spTree>
-  </p:cSld>
-  <p:clrMapOvr>
-    <a:masterClrMapping/>
-  </p:clrMapOvr>
-</p:sld>
-</file>
-
-<file path=ppt/slides/slide27.xml><?xml version="1.0" encoding="utf-8"?>
-<p:sld xmlns:a="http://schemas.openxmlformats.org/drawingml/2006/main" xmlns:r="http://schemas.openxmlformats.org/officeDocument/2006/relationships" xmlns:p="http://schemas.openxmlformats.org/presentationml/2006/main">
   <p:cSld name="page26">
     <p:spTree>
       <p:nvGrpSpPr>
@@ -16109,7 +15898,7 @@
 </p:sld>
 </file>
 
-<file path=ppt/slides/slide28.xml><?xml version="1.0" encoding="utf-8"?>
+<file path=ppt/slides/slide27.xml><?xml version="1.0" encoding="utf-8"?>
 <p:sld xmlns:a="http://schemas.openxmlformats.org/drawingml/2006/main" xmlns:r="http://schemas.openxmlformats.org/officeDocument/2006/relationships" xmlns:p="http://schemas.openxmlformats.org/presentationml/2006/main">
   <p:cSld name="page27">
     <p:spTree>
@@ -16357,6 +16146,260 @@
             <a:r>
               <a:rPr lang="en-US" dirty="0"/>
               <a:t>)</a:t>
+            </a:r>
+          </a:p>
+        </p:txBody>
+      </p:sp>
+    </p:spTree>
+  </p:cSld>
+  <p:clrMapOvr>
+    <a:masterClrMapping/>
+  </p:clrMapOvr>
+</p:sld>
+</file>
+
+<file path=ppt/slides/slide28.xml><?xml version="1.0" encoding="utf-8"?>
+<p:sld xmlns:a="http://schemas.openxmlformats.org/drawingml/2006/main" xmlns:r="http://schemas.openxmlformats.org/officeDocument/2006/relationships" xmlns:p="http://schemas.openxmlformats.org/presentationml/2006/main">
+  <p:cSld name="page25">
+    <p:spTree>
+      <p:nvGrpSpPr>
+        <p:cNvPr id="1" name=""/>
+        <p:cNvGrpSpPr/>
+        <p:nvPr/>
+      </p:nvGrpSpPr>
+      <p:grpSpPr>
+        <a:xfrm>
+          <a:off x="0" y="0"/>
+          <a:ext cx="0" cy="0"/>
+          <a:chOff x="0" y="0"/>
+          <a:chExt cx="0" cy="0"/>
+        </a:xfrm>
+      </p:grpSpPr>
+      <p:sp>
+        <p:nvSpPr>
+          <p:cNvPr id="2" name="标题 1">
+            <a:extLst>
+              <a:ext uri="{FF2B5EF4-FFF2-40B4-BE49-F238E27FC236}">
+                <a16:creationId xmlns:a16="http://schemas.microsoft.com/office/drawing/2014/main" id="{1807B942-87D2-4DAA-8438-0A393D371542}"/>
+              </a:ext>
+            </a:extLst>
+          </p:cNvPr>
+          <p:cNvSpPr txBox="1">
+            <a:spLocks noGrp="1"/>
+          </p:cNvSpPr>
+          <p:nvPr>
+            <p:ph type="title"/>
+          </p:nvPr>
+        </p:nvSpPr>
+        <p:spPr/>
+        <p:txBody>
+          <a:bodyPr/>
+          <a:lstStyle/>
+          <a:p>
+            <a:pPr lvl="0"/>
+            <a:r>
+              <a:rPr lang="en-US"/>
+              <a:t>Iso-Recursive Type</a:t>
+            </a:r>
+          </a:p>
+        </p:txBody>
+      </p:sp>
+      <p:sp>
+        <p:nvSpPr>
+          <p:cNvPr id="3" name="文本占位符 2">
+            <a:extLst>
+              <a:ext uri="{FF2B5EF4-FFF2-40B4-BE49-F238E27FC236}">
+                <a16:creationId xmlns:a16="http://schemas.microsoft.com/office/drawing/2014/main" id="{F44A0538-AB99-4A93-B605-DE637EFF3734}"/>
+              </a:ext>
+            </a:extLst>
+          </p:cNvPr>
+          <p:cNvSpPr txBox="1">
+            <a:spLocks noGrp="1"/>
+          </p:cNvSpPr>
+          <p:nvPr>
+            <p:ph idx="1"/>
+          </p:nvPr>
+        </p:nvSpPr>
+        <p:spPr/>
+        <p:txBody>
+          <a:bodyPr/>
+          <a:lstStyle/>
+          <a:p>
+            <a:pPr lvl="0"/>
+            <a:r>
+              <a:rPr lang="en-US" dirty="0"/>
+              <a:t>unfold: Fix f -&gt; f (Fix f)</a:t>
+            </a:r>
+          </a:p>
+          <a:p>
+            <a:pPr lvl="0"/>
+            <a:r>
+              <a:rPr lang="en-US" dirty="0"/>
+              <a:t>fold: f (Fix f) </a:t>
+            </a:r>
+            <a:r>
+              <a:rPr lang="en-US" altLang="zh-CN" dirty="0"/>
+              <a:t>-&gt; Fix f</a:t>
+            </a:r>
+            <a:endParaRPr lang="en-US" dirty="0"/>
+          </a:p>
+          <a:p>
+            <a:r>
+              <a:rPr lang="en-US" dirty="0" err="1"/>
+              <a:t>DiffType</a:t>
+            </a:r>
+            <a:r>
+              <a:rPr lang="en-US" dirty="0"/>
+              <a:t> </a:t>
+            </a:r>
+            <a:r>
+              <a:rPr lang="en-US" i="1" dirty="0"/>
+              <a:t>v</a:t>
+            </a:r>
+            <a:r>
+              <a:rPr lang="en-US" dirty="0"/>
+              <a:t> (Fix </a:t>
+            </a:r>
+            <a:r>
+              <a:rPr lang="en-US" i="1" dirty="0"/>
+              <a:t>f</a:t>
+            </a:r>
+            <a:r>
+              <a:rPr lang="en-US" dirty="0"/>
+              <a:t>) = </a:t>
+            </a:r>
+            <a:r>
+              <a:rPr lang="en-US" dirty="0" err="1"/>
+              <a:t>DiffWrapper</a:t>
+            </a:r>
+            <a:r>
+              <a:rPr lang="en-US" dirty="0"/>
+              <a:t> [</a:t>
+            </a:r>
+            <a:r>
+              <a:rPr lang="en-US" i="1" dirty="0"/>
+              <a:t>v</a:t>
+            </a:r>
+            <a:r>
+              <a:rPr lang="en-US" dirty="0"/>
+              <a:t>] </a:t>
+            </a:r>
+            <a:r>
+              <a:rPr lang="en-US" i="1" dirty="0"/>
+              <a:t>f</a:t>
+            </a:r>
+            <a:r>
+              <a:rPr lang="en-US" dirty="0"/>
+              <a:t> (Fix </a:t>
+            </a:r>
+            <a:r>
+              <a:rPr lang="en-US" i="1" dirty="0"/>
+              <a:t>f</a:t>
+            </a:r>
+            <a:r>
+              <a:rPr lang="en-US" dirty="0"/>
+              <a:t>)</a:t>
+            </a:r>
+          </a:p>
+          <a:p>
+            <a:pPr lvl="0"/>
+            <a:r>
+              <a:rPr lang="en-US" dirty="0" err="1"/>
+              <a:t>DiffType</a:t>
+            </a:r>
+            <a:r>
+              <a:rPr lang="en-US" dirty="0"/>
+              <a:t> </a:t>
+            </a:r>
+            <a:r>
+              <a:rPr lang="en-US" i="1" dirty="0"/>
+              <a:t>v</a:t>
+            </a:r>
+            <a:r>
+              <a:rPr lang="en-US" dirty="0"/>
+              <a:t> (</a:t>
+            </a:r>
+            <a:r>
+              <a:rPr lang="en-US" dirty="0" err="1"/>
+              <a:t>DiffWrapper</a:t>
+            </a:r>
+            <a:r>
+              <a:rPr lang="en-US" dirty="0"/>
+              <a:t> </a:t>
+            </a:r>
+            <a:r>
+              <a:rPr lang="en-US" i="1" dirty="0"/>
+              <a:t>a</a:t>
+            </a:r>
+            <a:r>
+              <a:rPr lang="en-US" dirty="0"/>
+              <a:t> </a:t>
+            </a:r>
+            <a:r>
+              <a:rPr lang="en-US" i="1" dirty="0"/>
+              <a:t>x</a:t>
+            </a:r>
+            <a:r>
+              <a:rPr lang="en-US" dirty="0"/>
+              <a:t>) = </a:t>
+            </a:r>
+            <a:r>
+              <a:rPr lang="en-US" dirty="0" err="1"/>
+              <a:t>DiffWrapper</a:t>
+            </a:r>
+            <a:r>
+              <a:rPr lang="en-US" dirty="0"/>
+              <a:t> (</a:t>
+            </a:r>
+            <a:r>
+              <a:rPr lang="en-US" i="1" dirty="0"/>
+              <a:t>v</a:t>
+            </a:r>
+            <a:r>
+              <a:rPr lang="en-US" dirty="0"/>
+              <a:t> :: </a:t>
+            </a:r>
+            <a:r>
+              <a:rPr lang="en-US" i="1" dirty="0"/>
+              <a:t>a</a:t>
+            </a:r>
+            <a:r>
+              <a:rPr lang="en-US" dirty="0"/>
+              <a:t>) </a:t>
+            </a:r>
+            <a:r>
+              <a:rPr lang="en-US" i="1" dirty="0"/>
+              <a:t>x</a:t>
+            </a:r>
+          </a:p>
+          <a:p>
+            <a:pPr lvl="0"/>
+            <a:r>
+              <a:rPr lang="en-US" dirty="0"/>
+              <a:t>Wrapper for a term on (fold on </a:t>
+            </a:r>
+            <a:r>
+              <a:rPr lang="en-US" dirty="0" err="1"/>
+              <a:t>DiffType</a:t>
+            </a:r>
+            <a:r>
+              <a:rPr lang="en-US" dirty="0"/>
+              <a:t> and </a:t>
+            </a:r>
+            <a:r>
+              <a:rPr lang="en-US" i="1" dirty="0"/>
+              <a:t>x</a:t>
+            </a:r>
+            <a:r>
+              <a:rPr lang="en-US" dirty="0"/>
+              <a:t>)</a:t>
+            </a:r>
+          </a:p>
+          <a:p>
+            <a:pPr lvl="0"/>
+            <a:r>
+              <a:rPr lang="en-US" dirty="0"/>
+              <a:t>Data Type A La Carte(DTALC) → Algebraic Data Type</a:t>
             </a:r>
           </a:p>
         </p:txBody>
@@ -16444,11 +16487,71 @@
             </a:r>
           </a:p>
           <a:p>
-            <a:pPr lvl="0"/>
-            <a:r>
-              <a:rPr lang="en-US" dirty="0"/>
-              <a:t>Still exponential in that example.</a:t>
-            </a:r>
+            <a:r>
+              <a:rPr lang="en-US" dirty="0"/>
+              <a:t>Still exponential in </a:t>
+            </a:r>
+            <a:r>
+              <a:rPr lang="en-US" i="1" dirty="0"/>
+              <a:t>b</a:t>
+            </a:r>
+            <a:r>
+              <a:rPr lang="en-US" dirty="0"/>
+              <a:t> = (</a:t>
+            </a:r>
+            <a:r>
+              <a:rPr lang="en-US" i="1" dirty="0"/>
+              <a:t>a</a:t>
+            </a:r>
+            <a:r>
+              <a:rPr lang="en-US" dirty="0"/>
+              <a:t> + </a:t>
+            </a:r>
+            <a:r>
+              <a:rPr lang="en-US" i="1" dirty="0"/>
+              <a:t>a</a:t>
+            </a:r>
+            <a:r>
+              <a:rPr lang="en-US" dirty="0"/>
+              <a:t>); </a:t>
+            </a:r>
+            <a:r>
+              <a:rPr lang="en-US" i="1" dirty="0"/>
+              <a:t>c</a:t>
+            </a:r>
+            <a:r>
+              <a:rPr lang="en-US" dirty="0"/>
+              <a:t> = (</a:t>
+            </a:r>
+            <a:r>
+              <a:rPr lang="en-US" i="1" dirty="0"/>
+              <a:t>b</a:t>
+            </a:r>
+            <a:r>
+              <a:rPr lang="en-US" dirty="0"/>
+              <a:t> + </a:t>
+            </a:r>
+            <a:r>
+              <a:rPr lang="en-US" i="1" dirty="0"/>
+              <a:t>b</a:t>
+            </a:r>
+            <a:r>
+              <a:rPr lang="en-US" dirty="0"/>
+              <a:t>); </a:t>
+            </a:r>
+            <a:r>
+              <a:rPr lang="en-US" i="1" dirty="0"/>
+              <a:t>c</a:t>
+            </a:r>
+            <a:r>
+              <a:rPr lang="en-US" dirty="0"/>
+              <a:t> + </a:t>
+            </a:r>
+            <a:r>
+              <a:rPr lang="en-US" i="1" dirty="0"/>
+              <a:t>c</a:t>
+            </a:r>
+            <a:endParaRPr lang="en-US" dirty="0"/>
           </a:p>
           <a:p>
             <a:pPr lvl="0"/>
@@ -16568,10 +16671,9 @@
           </a:p>
           <a:p>
             <a:r>
-              <a:rPr lang="en-US" sz="2800"/>
+              <a:rPr lang="en-US" sz="2800" dirty="0"/>
               <a:t>Speed</a:t>
             </a:r>
-            <a:endParaRPr lang="en-US" sz="2800" dirty="0"/>
           </a:p>
           <a:p>
             <a:endParaRPr lang="en-US" sz="2800" dirty="0"/>
@@ -17131,11 +17233,7 @@
             </a:r>
             <a:r>
               <a:rPr lang="en-US" dirty="0"/>
-              <a:t> / </a:t>
-            </a:r>
-            <a:r>
-              <a:rPr lang="en-US" i="1" dirty="0"/>
-              <a:t>r</a:t>
+              <a:t> / r, return zero</a:t>
             </a:r>
           </a:p>
           <a:p>
@@ -17175,6 +17273,10 @@
             <a:r>
               <a:rPr lang="en-US" i="1" dirty="0"/>
               <a:t>r</a:t>
+            </a:r>
+            <a:r>
+              <a:rPr lang="en-US" dirty="0"/>
+              <a:t>, return zero</a:t>
             </a:r>
           </a:p>
           <a:p>
@@ -17744,7 +17846,7 @@
             <a:pPr lvl="0"/>
             <a:r>
               <a:rPr lang="en-US" dirty="0"/>
-              <a:t>Term (</a:t>
+              <a:t>NN (</a:t>
             </a:r>
             <a:r>
               <a:rPr lang="en-US" i="1" dirty="0"/>
@@ -17760,7 +17862,7 @@
             </a:r>
             <a:r>
               <a:rPr lang="en-US" dirty="0"/>
-              <a:t>) → Term </a:t>
+              <a:t>) → NN </a:t>
             </a:r>
             <a:r>
               <a:rPr lang="en-US" i="1" dirty="0"/>
@@ -17768,12 +17870,17 @@
             </a:r>
             <a:r>
               <a:rPr lang="en-US" dirty="0"/>
-              <a:t> → Term </a:t>
-            </a:r>
-            <a:r>
-              <a:rPr lang="en-US" i="1" dirty="0"/>
+              <a:t> </a:t>
+            </a:r>
+            <a:r>
+              <a:rPr lang="en-US"/>
+              <a:t>→ NN </a:t>
+            </a:r>
+            <a:r>
+              <a:rPr lang="en-US" i="1"/>
               <a:t>y</a:t>
             </a:r>
+            <a:endParaRPr lang="en-US" i="1" dirty="0"/>
           </a:p>
           <a:p>
             <a:pPr lvl="0"/>
